--- a/BUS243_NLP/lecture_notes/Lecture1.pptx
+++ b/BUS243_NLP/lecture_notes/Lecture1.pptx
@@ -226,7 +226,7 @@
           <a:p>
             <a:fld id="{6C062D5C-E428-DA43-AA54-C279CF805B17}" type="datetimeFigureOut">
               <a:rPr lang="en-US" smtClean="0"/>
-              <a:t>2/27/23</a:t>
+              <a:t>2/28/23</a:t>
             </a:fld>
             <a:endParaRPr lang="en-US"/>
           </a:p>
@@ -726,7 +726,7 @@
             <a:fld id="{3F9AFA87-1417-4992-ABD9-27C3BC8CC883}" type="datetimeFigureOut">
               <a:rPr lang="en-US" smtClean="0"/>
               <a:pPr algn="r"/>
-              <a:t>2/27/23</a:t>
+              <a:t>2/28/23</a:t>
             </a:fld>
             <a:endParaRPr lang="en-US" dirty="0"/>
           </a:p>
@@ -925,7 +925,7 @@
           <a:p>
             <a:fld id="{3F9AFA87-1417-4992-ABD9-27C3BC8CC883}" type="datetimeFigureOut">
               <a:rPr lang="en-US" smtClean="0"/>
-              <a:t>2/27/23</a:t>
+              <a:t>2/28/23</a:t>
             </a:fld>
             <a:endParaRPr lang="en-US"/>
           </a:p>
@@ -1133,7 +1133,7 @@
           <a:p>
             <a:fld id="{3F9AFA87-1417-4992-ABD9-27C3BC8CC883}" type="datetimeFigureOut">
               <a:rPr lang="en-US" smtClean="0"/>
-              <a:t>2/27/23</a:t>
+              <a:t>2/28/23</a:t>
             </a:fld>
             <a:endParaRPr lang="en-US"/>
           </a:p>
@@ -1331,7 +1331,7 @@
           <a:p>
             <a:fld id="{3F9AFA87-1417-4992-ABD9-27C3BC8CC883}" type="datetimeFigureOut">
               <a:rPr lang="en-US" smtClean="0"/>
-              <a:t>2/27/23</a:t>
+              <a:t>2/28/23</a:t>
             </a:fld>
             <a:endParaRPr lang="en-US"/>
           </a:p>
@@ -1606,7 +1606,7 @@
           <a:p>
             <a:fld id="{3F9AFA87-1417-4992-ABD9-27C3BC8CC883}" type="datetimeFigureOut">
               <a:rPr lang="en-US" smtClean="0"/>
-              <a:t>2/27/23</a:t>
+              <a:t>2/28/23</a:t>
             </a:fld>
             <a:endParaRPr lang="en-US"/>
           </a:p>
@@ -1871,7 +1871,7 @@
           <a:p>
             <a:fld id="{3F9AFA87-1417-4992-ABD9-27C3BC8CC883}" type="datetimeFigureOut">
               <a:rPr lang="en-US" smtClean="0"/>
-              <a:t>2/27/23</a:t>
+              <a:t>2/28/23</a:t>
             </a:fld>
             <a:endParaRPr lang="en-US" dirty="0"/>
           </a:p>
@@ -2285,7 +2285,7 @@
             <a:fld id="{3F9AFA87-1417-4992-ABD9-27C3BC8CC883}" type="datetimeFigureOut">
               <a:rPr lang="en-US" smtClean="0"/>
               <a:pPr algn="r"/>
-              <a:t>2/27/23</a:t>
+              <a:t>2/28/23</a:t>
             </a:fld>
             <a:endParaRPr lang="en-US" dirty="0"/>
           </a:p>
@@ -2427,7 +2427,7 @@
           <a:p>
             <a:fld id="{3F9AFA87-1417-4992-ABD9-27C3BC8CC883}" type="datetimeFigureOut">
               <a:rPr lang="en-US" smtClean="0"/>
-              <a:t>2/27/23</a:t>
+              <a:t>2/28/23</a:t>
             </a:fld>
             <a:endParaRPr lang="en-US"/>
           </a:p>
@@ -2540,7 +2540,7 @@
           <a:p>
             <a:fld id="{3F9AFA87-1417-4992-ABD9-27C3BC8CC883}" type="datetimeFigureOut">
               <a:rPr lang="en-US" smtClean="0"/>
-              <a:t>2/27/23</a:t>
+              <a:t>2/28/23</a:t>
             </a:fld>
             <a:endParaRPr lang="en-US"/>
           </a:p>
@@ -2851,7 +2851,7 @@
           <a:p>
             <a:fld id="{3F9AFA87-1417-4992-ABD9-27C3BC8CC883}" type="datetimeFigureOut">
               <a:rPr lang="en-US" smtClean="0"/>
-              <a:t>2/27/23</a:t>
+              <a:t>2/28/23</a:t>
             </a:fld>
             <a:endParaRPr lang="en-US"/>
           </a:p>
@@ -3139,7 +3139,7 @@
           <a:p>
             <a:fld id="{3F9AFA87-1417-4992-ABD9-27C3BC8CC883}" type="datetimeFigureOut">
               <a:rPr lang="en-US" smtClean="0"/>
-              <a:t>2/27/23</a:t>
+              <a:t>2/28/23</a:t>
             </a:fld>
             <a:endParaRPr lang="en-US"/>
           </a:p>
@@ -3382,7 +3382,7 @@
             <a:fld id="{3F9AFA87-1417-4992-ABD9-27C3BC8CC883}" type="datetimeFigureOut">
               <a:rPr lang="en-US" smtClean="0"/>
               <a:pPr algn="r"/>
-              <a:t>2/27/23</a:t>
+              <a:t>2/28/23</a:t>
             </a:fld>
             <a:endParaRPr lang="en-US" dirty="0"/>
           </a:p>
@@ -7247,7 +7247,7 @@
           <p:cNvPr id="2" name="Title 1">
             <a:extLst>
               <a:ext uri="{FF2B5EF4-FFF2-40B4-BE49-F238E27FC236}">
-                <a16:creationId xmlns:a16="http://schemas.microsoft.com/office/drawing/2014/main" id="{71515BE1-D335-B3D6-8BB0-CA6C90B21160}"/>
+                <a16:creationId xmlns:a16="http://schemas.microsoft.com/office/drawing/2014/main" id="{79B2E4AA-0BF2-F52D-A6A9-A99E86009CD4}"/>
               </a:ext>
             </a:extLst>
           </p:cNvPr>
@@ -7260,14 +7260,16 @@
         </p:nvSpPr>
         <p:spPr/>
         <p:txBody>
-          <a:bodyPr>
-            <a:normAutofit/>
-          </a:bodyPr>
-          <a:lstStyle/>
-          <a:p>
-            <a:r>
-              <a:rPr lang="en-US" sz="4000" b="1" dirty="0"/>
-              <a:t>Why NLP?</a:t>
+          <a:bodyPr/>
+          <a:lstStyle/>
+          <a:p>
+            <a:r>
+              <a:rPr lang="en-US" dirty="0"/>
+              <a:t>Chapter </a:t>
+            </a:r>
+            <a:r>
+              <a:rPr lang="en-US"/>
+              <a:t>1 summary</a:t>
             </a:r>
           </a:p>
         </p:txBody>
@@ -7277,7 +7279,7 @@
           <p:cNvPr id="3" name="Content Placeholder 2">
             <a:extLst>
               <a:ext uri="{FF2B5EF4-FFF2-40B4-BE49-F238E27FC236}">
-                <a16:creationId xmlns:a16="http://schemas.microsoft.com/office/drawing/2014/main" id="{422858C4-19ED-9E4D-20BA-2D1CCF51AD25}"/>
+                <a16:creationId xmlns:a16="http://schemas.microsoft.com/office/drawing/2014/main" id="{FE761255-C711-A6BC-D4CF-F7054CCF4CC1}"/>
               </a:ext>
             </a:extLst>
           </p:cNvPr>
@@ -7300,7 +7302,7 @@
     </p:spTree>
     <p:extLst>
       <p:ext uri="{BB962C8B-B14F-4D97-AF65-F5344CB8AC3E}">
-        <p14:creationId xmlns:p14="http://schemas.microsoft.com/office/powerpoint/2010/main" val="2555669498"/>
+        <p14:creationId xmlns:p14="http://schemas.microsoft.com/office/powerpoint/2010/main" val="2494927545"/>
       </p:ext>
     </p:extLst>
   </p:cSld>

--- a/BUS243_NLP/lecture_notes/Lecture1.pptx
+++ b/BUS243_NLP/lecture_notes/Lecture1.pptx
@@ -5,7 +5,7 @@
     <p:sldMasterId id="2147483775" r:id="rId1"/>
   </p:sldMasterIdLst>
   <p:notesMasterIdLst>
-    <p:notesMasterId r:id="rId32"/>
+    <p:notesMasterId r:id="rId36"/>
   </p:notesMasterIdLst>
   <p:sldIdLst>
     <p:sldId id="256" r:id="rId2"/>
@@ -25,19 +25,23 @@
     <p:sldId id="261" r:id="rId16"/>
     <p:sldId id="272" r:id="rId17"/>
     <p:sldId id="273" r:id="rId18"/>
-    <p:sldId id="274" r:id="rId19"/>
-    <p:sldId id="275" r:id="rId20"/>
-    <p:sldId id="276" r:id="rId21"/>
-    <p:sldId id="277" r:id="rId22"/>
-    <p:sldId id="278" r:id="rId23"/>
-    <p:sldId id="279" r:id="rId24"/>
-    <p:sldId id="280" r:id="rId25"/>
-    <p:sldId id="281" r:id="rId26"/>
-    <p:sldId id="282" r:id="rId27"/>
-    <p:sldId id="283" r:id="rId28"/>
-    <p:sldId id="284" r:id="rId29"/>
-    <p:sldId id="285" r:id="rId30"/>
-    <p:sldId id="286" r:id="rId31"/>
+    <p:sldId id="275" r:id="rId19"/>
+    <p:sldId id="276" r:id="rId20"/>
+    <p:sldId id="277" r:id="rId21"/>
+    <p:sldId id="278" r:id="rId22"/>
+    <p:sldId id="279" r:id="rId23"/>
+    <p:sldId id="280" r:id="rId24"/>
+    <p:sldId id="281" r:id="rId25"/>
+    <p:sldId id="282" r:id="rId26"/>
+    <p:sldId id="283" r:id="rId27"/>
+    <p:sldId id="284" r:id="rId28"/>
+    <p:sldId id="285" r:id="rId29"/>
+    <p:sldId id="286" r:id="rId30"/>
+    <p:sldId id="287" r:id="rId31"/>
+    <p:sldId id="288" r:id="rId32"/>
+    <p:sldId id="289" r:id="rId33"/>
+    <p:sldId id="290" r:id="rId34"/>
+    <p:sldId id="291" r:id="rId35"/>
   </p:sldIdLst>
   <p:sldSz cx="12192000" cy="6858000"/>
   <p:notesSz cx="6858000" cy="9144000"/>
@@ -226,7 +230,7 @@
           <a:p>
             <a:fld id="{6C062D5C-E428-DA43-AA54-C279CF805B17}" type="datetimeFigureOut">
               <a:rPr lang="en-US" smtClean="0"/>
-              <a:t>2/28/23</a:t>
+              <a:t>3/1/23</a:t>
             </a:fld>
             <a:endParaRPr lang="en-US"/>
           </a:p>
@@ -558,7 +562,7 @@
           <a:p>
             <a:fld id="{9318F85B-63EA-4646-99A1-442886E3128D}" type="slidenum">
               <a:rPr lang="en-US" smtClean="0"/>
-              <a:t>19</a:t>
+              <a:t>18</a:t>
             </a:fld>
             <a:endParaRPr lang="en-US"/>
           </a:p>
@@ -726,7 +730,7 @@
             <a:fld id="{3F9AFA87-1417-4992-ABD9-27C3BC8CC883}" type="datetimeFigureOut">
               <a:rPr lang="en-US" smtClean="0"/>
               <a:pPr algn="r"/>
-              <a:t>2/28/23</a:t>
+              <a:t>3/1/23</a:t>
             </a:fld>
             <a:endParaRPr lang="en-US" dirty="0"/>
           </a:p>
@@ -925,7 +929,7 @@
           <a:p>
             <a:fld id="{3F9AFA87-1417-4992-ABD9-27C3BC8CC883}" type="datetimeFigureOut">
               <a:rPr lang="en-US" smtClean="0"/>
-              <a:t>2/28/23</a:t>
+              <a:t>3/1/23</a:t>
             </a:fld>
             <a:endParaRPr lang="en-US"/>
           </a:p>
@@ -1133,7 +1137,7 @@
           <a:p>
             <a:fld id="{3F9AFA87-1417-4992-ABD9-27C3BC8CC883}" type="datetimeFigureOut">
               <a:rPr lang="en-US" smtClean="0"/>
-              <a:t>2/28/23</a:t>
+              <a:t>3/1/23</a:t>
             </a:fld>
             <a:endParaRPr lang="en-US"/>
           </a:p>
@@ -1331,7 +1335,7 @@
           <a:p>
             <a:fld id="{3F9AFA87-1417-4992-ABD9-27C3BC8CC883}" type="datetimeFigureOut">
               <a:rPr lang="en-US" smtClean="0"/>
-              <a:t>2/28/23</a:t>
+              <a:t>3/1/23</a:t>
             </a:fld>
             <a:endParaRPr lang="en-US"/>
           </a:p>
@@ -1606,7 +1610,7 @@
           <a:p>
             <a:fld id="{3F9AFA87-1417-4992-ABD9-27C3BC8CC883}" type="datetimeFigureOut">
               <a:rPr lang="en-US" smtClean="0"/>
-              <a:t>2/28/23</a:t>
+              <a:t>3/1/23</a:t>
             </a:fld>
             <a:endParaRPr lang="en-US"/>
           </a:p>
@@ -1871,7 +1875,7 @@
           <a:p>
             <a:fld id="{3F9AFA87-1417-4992-ABD9-27C3BC8CC883}" type="datetimeFigureOut">
               <a:rPr lang="en-US" smtClean="0"/>
-              <a:t>2/28/23</a:t>
+              <a:t>3/1/23</a:t>
             </a:fld>
             <a:endParaRPr lang="en-US" dirty="0"/>
           </a:p>
@@ -2285,7 +2289,7 @@
             <a:fld id="{3F9AFA87-1417-4992-ABD9-27C3BC8CC883}" type="datetimeFigureOut">
               <a:rPr lang="en-US" smtClean="0"/>
               <a:pPr algn="r"/>
-              <a:t>2/28/23</a:t>
+              <a:t>3/1/23</a:t>
             </a:fld>
             <a:endParaRPr lang="en-US" dirty="0"/>
           </a:p>
@@ -2427,7 +2431,7 @@
           <a:p>
             <a:fld id="{3F9AFA87-1417-4992-ABD9-27C3BC8CC883}" type="datetimeFigureOut">
               <a:rPr lang="en-US" smtClean="0"/>
-              <a:t>2/28/23</a:t>
+              <a:t>3/1/23</a:t>
             </a:fld>
             <a:endParaRPr lang="en-US"/>
           </a:p>
@@ -2540,7 +2544,7 @@
           <a:p>
             <a:fld id="{3F9AFA87-1417-4992-ABD9-27C3BC8CC883}" type="datetimeFigureOut">
               <a:rPr lang="en-US" smtClean="0"/>
-              <a:t>2/28/23</a:t>
+              <a:t>3/1/23</a:t>
             </a:fld>
             <a:endParaRPr lang="en-US"/>
           </a:p>
@@ -2851,7 +2855,7 @@
           <a:p>
             <a:fld id="{3F9AFA87-1417-4992-ABD9-27C3BC8CC883}" type="datetimeFigureOut">
               <a:rPr lang="en-US" smtClean="0"/>
-              <a:t>2/28/23</a:t>
+              <a:t>3/1/23</a:t>
             </a:fld>
             <a:endParaRPr lang="en-US"/>
           </a:p>
@@ -3139,7 +3143,7 @@
           <a:p>
             <a:fld id="{3F9AFA87-1417-4992-ABD9-27C3BC8CC883}" type="datetimeFigureOut">
               <a:rPr lang="en-US" smtClean="0"/>
-              <a:t>2/28/23</a:t>
+              <a:t>3/1/23</a:t>
             </a:fld>
             <a:endParaRPr lang="en-US"/>
           </a:p>
@@ -3382,7 +3386,7 @@
             <a:fld id="{3F9AFA87-1417-4992-ABD9-27C3BC8CC883}" type="datetimeFigureOut">
               <a:rPr lang="en-US" smtClean="0"/>
               <a:pPr algn="r"/>
-              <a:t>2/28/23</a:t>
+              <a:t>3/1/23</a:t>
             </a:fld>
             <a:endParaRPr lang="en-US" dirty="0"/>
           </a:p>
@@ -5067,161 +5071,6 @@
           <p:cNvPr id="2" name="Title 1">
             <a:extLst>
               <a:ext uri="{FF2B5EF4-FFF2-40B4-BE49-F238E27FC236}">
-                <a16:creationId xmlns:a16="http://schemas.microsoft.com/office/drawing/2014/main" id="{C8402AAA-E503-498C-56D3-2B71DCAF8D8C}"/>
-              </a:ext>
-            </a:extLst>
-          </p:cNvPr>
-          <p:cNvSpPr>
-            <a:spLocks noGrp="1"/>
-          </p:cNvSpPr>
-          <p:nvPr>
-            <p:ph type="title"/>
-          </p:nvPr>
-        </p:nvSpPr>
-        <p:spPr/>
-        <p:txBody>
-          <a:bodyPr>
-            <a:normAutofit/>
-          </a:bodyPr>
-          <a:lstStyle/>
-          <a:p>
-            <a:r>
-              <a:rPr lang="en-US" sz="4000" b="1" dirty="0"/>
-              <a:t>Natural language is hardly formal</a:t>
-            </a:r>
-          </a:p>
-        </p:txBody>
-      </p:sp>
-      <p:sp>
-        <p:nvSpPr>
-          <p:cNvPr id="3" name="Content Placeholder 2">
-            <a:extLst>
-              <a:ext uri="{FF2B5EF4-FFF2-40B4-BE49-F238E27FC236}">
-                <a16:creationId xmlns:a16="http://schemas.microsoft.com/office/drawing/2014/main" id="{B67135A9-2081-A7DE-C867-5B3593786AAF}"/>
-              </a:ext>
-            </a:extLst>
-          </p:cNvPr>
-          <p:cNvSpPr>
-            <a:spLocks noGrp="1"/>
-          </p:cNvSpPr>
-          <p:nvPr>
-            <p:ph idx="1"/>
-          </p:nvPr>
-        </p:nvSpPr>
-        <p:spPr/>
-        <p:txBody>
-          <a:bodyPr>
-            <a:normAutofit lnSpcReduction="10000"/>
-          </a:bodyPr>
-          <a:lstStyle/>
-          <a:p>
-            <a:pPr>
-              <a:lnSpc>
-                <a:spcPct val="160000"/>
-              </a:lnSpc>
-            </a:pPr>
-            <a:r>
-              <a:rPr lang="en-US" dirty="0"/>
-              <a:t>You can write a sentence that is </a:t>
-            </a:r>
-            <a:r>
-              <a:rPr lang="en-US" i="1" dirty="0"/>
-              <a:t>maybe</a:t>
-            </a:r>
-            <a:r>
-              <a:rPr lang="en-US" dirty="0"/>
-              <a:t> grammatical</a:t>
-            </a:r>
-          </a:p>
-          <a:p>
-            <a:pPr lvl="1">
-              <a:lnSpc>
-                <a:spcPct val="160000"/>
-              </a:lnSpc>
-            </a:pPr>
-            <a:r>
-              <a:rPr lang="en-US" dirty="0"/>
-              <a:t>Subjective, and worse, time varying</a:t>
-            </a:r>
-          </a:p>
-          <a:p>
-            <a:pPr lvl="1">
-              <a:lnSpc>
-                <a:spcPct val="160000"/>
-              </a:lnSpc>
-            </a:pPr>
-            <a:r>
-              <a:rPr lang="en-US" dirty="0"/>
-              <a:t>There are some grammar topics where even experts disagree with each other</a:t>
-            </a:r>
-          </a:p>
-          <a:p>
-            <a:pPr>
-              <a:lnSpc>
-                <a:spcPct val="160000"/>
-              </a:lnSpc>
-            </a:pPr>
-            <a:r>
-              <a:rPr lang="en-US" dirty="0"/>
-              <a:t>This is what makes human languages interesting but challenging, and why the entire field of NLP even exists</a:t>
-            </a:r>
-          </a:p>
-          <a:p>
-            <a:pPr>
-              <a:lnSpc>
-                <a:spcPct val="160000"/>
-              </a:lnSpc>
-            </a:pPr>
-            <a:r>
-              <a:rPr lang="en-US" dirty="0"/>
-              <a:t>Bottom line: human languages are ambiguous</a:t>
-            </a:r>
-          </a:p>
-          <a:p>
-            <a:pPr>
-              <a:lnSpc>
-                <a:spcPct val="160000"/>
-              </a:lnSpc>
-            </a:pPr>
-            <a:endParaRPr lang="en-US" dirty="0"/>
-          </a:p>
-        </p:txBody>
-      </p:sp>
-    </p:spTree>
-    <p:extLst>
-      <p:ext uri="{BB962C8B-B14F-4D97-AF65-F5344CB8AC3E}">
-        <p14:creationId xmlns:p14="http://schemas.microsoft.com/office/powerpoint/2010/main" val="1391905609"/>
-      </p:ext>
-    </p:extLst>
-  </p:cSld>
-  <p:clrMapOvr>
-    <a:masterClrMapping/>
-  </p:clrMapOvr>
-</p:sld>
-</file>
-
-<file path=ppt/slides/slide19.xml><?xml version="1.0" encoding="utf-8"?>
-<p:sld xmlns:a="http://schemas.openxmlformats.org/drawingml/2006/main" xmlns:r="http://schemas.openxmlformats.org/officeDocument/2006/relationships" xmlns:p="http://schemas.openxmlformats.org/presentationml/2006/main">
-  <p:cSld>
-    <p:spTree>
-      <p:nvGrpSpPr>
-        <p:cNvPr id="1" name=""/>
-        <p:cNvGrpSpPr/>
-        <p:nvPr/>
-      </p:nvGrpSpPr>
-      <p:grpSpPr>
-        <a:xfrm>
-          <a:off x="0" y="0"/>
-          <a:ext cx="0" cy="0"/>
-          <a:chOff x="0" y="0"/>
-          <a:chExt cx="0" cy="0"/>
-        </a:xfrm>
-      </p:grpSpPr>
-      <p:sp>
-        <p:nvSpPr>
-          <p:cNvPr id="2" name="Title 1">
-            <a:extLst>
-              <a:ext uri="{FF2B5EF4-FFF2-40B4-BE49-F238E27FC236}">
                 <a16:creationId xmlns:a16="http://schemas.microsoft.com/office/drawing/2014/main" id="{78DC5FA9-377F-DDB7-5BA3-613A1575D68A}"/>
               </a:ext>
             </a:extLst>
@@ -5463,6 +5312,156 @@
 </p:sld>
 </file>
 
+<file path=ppt/slides/slide19.xml><?xml version="1.0" encoding="utf-8"?>
+<p:sld xmlns:a="http://schemas.openxmlformats.org/drawingml/2006/main" xmlns:r="http://schemas.openxmlformats.org/officeDocument/2006/relationships" xmlns:p="http://schemas.openxmlformats.org/presentationml/2006/main">
+  <p:cSld>
+    <p:spTree>
+      <p:nvGrpSpPr>
+        <p:cNvPr id="1" name=""/>
+        <p:cNvGrpSpPr/>
+        <p:nvPr/>
+      </p:nvGrpSpPr>
+      <p:grpSpPr>
+        <a:xfrm>
+          <a:off x="0" y="0"/>
+          <a:ext cx="0" cy="0"/>
+          <a:chOff x="0" y="0"/>
+          <a:chExt cx="0" cy="0"/>
+        </a:xfrm>
+      </p:grpSpPr>
+      <p:sp>
+        <p:nvSpPr>
+          <p:cNvPr id="2" name="Title 1">
+            <a:extLst>
+              <a:ext uri="{FF2B5EF4-FFF2-40B4-BE49-F238E27FC236}">
+                <a16:creationId xmlns:a16="http://schemas.microsoft.com/office/drawing/2014/main" id="{4EBACA5D-2ADE-17CE-16FD-6E5F32675C10}"/>
+              </a:ext>
+            </a:extLst>
+          </p:cNvPr>
+          <p:cNvSpPr>
+            <a:spLocks noGrp="1"/>
+          </p:cNvSpPr>
+          <p:nvPr>
+            <p:ph type="title"/>
+          </p:nvPr>
+        </p:nvSpPr>
+        <p:spPr/>
+        <p:txBody>
+          <a:bodyPr>
+            <a:normAutofit/>
+          </a:bodyPr>
+          <a:lstStyle/>
+          <a:p>
+            <a:r>
+              <a:rPr lang="en-US" sz="4000" b="1" dirty="0"/>
+              <a:t>Source of ambiguity</a:t>
+            </a:r>
+          </a:p>
+        </p:txBody>
+      </p:sp>
+      <p:sp>
+        <p:nvSpPr>
+          <p:cNvPr id="3" name="Content Placeholder 2">
+            <a:extLst>
+              <a:ext uri="{FF2B5EF4-FFF2-40B4-BE49-F238E27FC236}">
+                <a16:creationId xmlns:a16="http://schemas.microsoft.com/office/drawing/2014/main" id="{EFF5FEA4-18D7-77B8-6169-0A8B76E65988}"/>
+              </a:ext>
+            </a:extLst>
+          </p:cNvPr>
+          <p:cNvSpPr>
+            <a:spLocks noGrp="1"/>
+          </p:cNvSpPr>
+          <p:nvPr>
+            <p:ph idx="1"/>
+          </p:nvPr>
+        </p:nvSpPr>
+        <p:spPr/>
+        <p:txBody>
+          <a:bodyPr/>
+          <a:lstStyle/>
+          <a:p>
+            <a:r>
+              <a:rPr lang="en-US" dirty="0"/>
+              <a:t>Confused because you don’t know what “with a telescope” is about</a:t>
+            </a:r>
+          </a:p>
+          <a:p>
+            <a:pPr lvl="1"/>
+            <a:r>
+              <a:rPr lang="en-US" dirty="0"/>
+              <a:t>Don’t know what this prepositional phrase (PP) modifies</a:t>
+            </a:r>
+          </a:p>
+          <a:p>
+            <a:pPr lvl="1"/>
+            <a:r>
+              <a:rPr lang="en-US" dirty="0"/>
+              <a:t>PP-attachment problem is a classic example of </a:t>
+            </a:r>
+            <a:r>
+              <a:rPr lang="en-US" i="1" dirty="0"/>
+              <a:t>syntactic ambiguity</a:t>
+            </a:r>
+          </a:p>
+          <a:p>
+            <a:r>
+              <a:rPr lang="en-US" dirty="0"/>
+              <a:t>A syntactically ambiguous sentence has more than one interpretation of how the sentence is structured</a:t>
+            </a:r>
+          </a:p>
+          <a:p>
+            <a:pPr lvl="1"/>
+            <a:r>
+              <a:rPr lang="en-US" dirty="0"/>
+              <a:t>interpret the sentence in multiple ways</a:t>
+            </a:r>
+          </a:p>
+          <a:p>
+            <a:r>
+              <a:rPr lang="en-US" dirty="0"/>
+              <a:t>Another type is </a:t>
+            </a:r>
+            <a:r>
+              <a:rPr lang="en-US" i="1" dirty="0"/>
+              <a:t>semantic ambiguity</a:t>
+            </a:r>
+          </a:p>
+          <a:p>
+            <a:pPr lvl="1"/>
+            <a:r>
+              <a:rPr lang="en-US" i="1" dirty="0"/>
+              <a:t>I saw a bat</a:t>
+            </a:r>
+          </a:p>
+          <a:p>
+            <a:pPr lvl="1"/>
+            <a:r>
+              <a:rPr lang="en-US" dirty="0"/>
+              <a:t>Meaning of a word is ambiguous, not its structure</a:t>
+            </a:r>
+          </a:p>
+          <a:p>
+            <a:pPr lvl="2"/>
+            <a:r>
+              <a:rPr lang="en-US" dirty="0"/>
+              <a:t>Unless you are brutal enough</a:t>
+            </a:r>
+          </a:p>
+        </p:txBody>
+      </p:sp>
+    </p:spTree>
+    <p:extLst>
+      <p:ext uri="{BB962C8B-B14F-4D97-AF65-F5344CB8AC3E}">
+        <p14:creationId xmlns:p14="http://schemas.microsoft.com/office/powerpoint/2010/main" val="2064979328"/>
+      </p:ext>
+    </p:extLst>
+  </p:cSld>
+  <p:clrMapOvr>
+    <a:masterClrMapping/>
+  </p:clrMapOvr>
+</p:sld>
+</file>
+
 <file path=ppt/slides/slide2.xml><?xml version="1.0" encoding="utf-8"?>
 <p:sld xmlns:a="http://schemas.openxmlformats.org/drawingml/2006/main" xmlns:r="http://schemas.openxmlformats.org/officeDocument/2006/relationships" xmlns:p="http://schemas.openxmlformats.org/presentationml/2006/main">
   <p:cSld>
@@ -5634,7 +5633,7 @@
           <p:cNvPr id="2" name="Title 1">
             <a:extLst>
               <a:ext uri="{FF2B5EF4-FFF2-40B4-BE49-F238E27FC236}">
-                <a16:creationId xmlns:a16="http://schemas.microsoft.com/office/drawing/2014/main" id="{4EBACA5D-2ADE-17CE-16FD-6E5F32675C10}"/>
+                <a16:creationId xmlns:a16="http://schemas.microsoft.com/office/drawing/2014/main" id="{21D35127-F8BD-9230-7B10-C421F2B8E835}"/>
               </a:ext>
             </a:extLst>
           </p:cNvPr>
@@ -5654,7 +5653,7 @@
           <a:p>
             <a:r>
               <a:rPr lang="en-US" sz="4000" b="1" dirty="0"/>
-              <a:t>Source of ambiguity</a:t>
+              <a:t>Welcome Remark</a:t>
             </a:r>
           </a:p>
         </p:txBody>
@@ -5664,7 +5663,7 @@
           <p:cNvPr id="3" name="Content Placeholder 2">
             <a:extLst>
               <a:ext uri="{FF2B5EF4-FFF2-40B4-BE49-F238E27FC236}">
-                <a16:creationId xmlns:a16="http://schemas.microsoft.com/office/drawing/2014/main" id="{EFF5FEA4-18D7-77B8-6169-0A8B76E65988}"/>
+                <a16:creationId xmlns:a16="http://schemas.microsoft.com/office/drawing/2014/main" id="{943B5F13-9EBB-42B2-7357-867DD67F305D}"/>
               </a:ext>
             </a:extLst>
           </p:cNvPr>
@@ -5680,71 +5679,51 @@
           <a:bodyPr/>
           <a:lstStyle/>
           <a:p>
-            <a:r>
-              <a:rPr lang="en-US" dirty="0"/>
-              <a:t>Confused because you don’t know what “with a telescope” is about</a:t>
-            </a:r>
-          </a:p>
-          <a:p>
-            <a:pPr lvl="1"/>
-            <a:r>
-              <a:rPr lang="en-US" dirty="0"/>
-              <a:t>Don’t know what this prepositional phrase (PP) modifies</a:t>
-            </a:r>
-          </a:p>
-          <a:p>
-            <a:pPr lvl="1"/>
-            <a:r>
-              <a:rPr lang="en-US" dirty="0"/>
-              <a:t>PP-attachment problem is a classic example of </a:t>
+            <a:pPr>
+              <a:lnSpc>
+                <a:spcPct val="150000"/>
+              </a:lnSpc>
+            </a:pPr>
+            <a:r>
+              <a:rPr lang="en-US" dirty="0"/>
+              <a:t>Ambiguity is what makes natural languages rich but also challenging to process</a:t>
+            </a:r>
+          </a:p>
+          <a:p>
+            <a:pPr>
+              <a:lnSpc>
+                <a:spcPct val="150000"/>
+              </a:lnSpc>
+            </a:pPr>
+            <a:r>
+              <a:rPr lang="en-US" dirty="0"/>
+              <a:t>We can’t simply run a compiler or an interpreter on a piece of text and just </a:t>
             </a:r>
             <a:r>
               <a:rPr lang="en-US" i="1" dirty="0"/>
-              <a:t>syntactic ambiguity</a:t>
-            </a:r>
-          </a:p>
-          <a:p>
-            <a:r>
-              <a:rPr lang="en-US" dirty="0"/>
-              <a:t>A syntactically ambiguous sentence has more than one interpretation of how the sentence is structured</a:t>
-            </a:r>
-          </a:p>
-          <a:p>
-            <a:pPr lvl="1"/>
-            <a:r>
-              <a:rPr lang="en-US" dirty="0"/>
-              <a:t>interpret the sentence in multiple ways</a:t>
-            </a:r>
-          </a:p>
-          <a:p>
-            <a:r>
-              <a:rPr lang="en-US" dirty="0"/>
-              <a:t>Another type is </a:t>
-            </a:r>
-            <a:r>
-              <a:rPr lang="en-US" i="1" dirty="0"/>
-              <a:t>semantic ambiguity</a:t>
-            </a:r>
-          </a:p>
-          <a:p>
-            <a:pPr lvl="1"/>
-            <a:r>
-              <a:rPr lang="en-US" i="1" dirty="0"/>
-              <a:t>I saw a bat</a:t>
-            </a:r>
-          </a:p>
-          <a:p>
-            <a:pPr lvl="1"/>
-            <a:r>
-              <a:rPr lang="en-US" dirty="0"/>
-              <a:t>Meaning of a word is ambiguous, not its structure</a:t>
-            </a:r>
-          </a:p>
-          <a:p>
-            <a:pPr lvl="2"/>
-            <a:r>
-              <a:rPr lang="en-US" dirty="0"/>
-              <a:t>Unless you are brutal enough</a:t>
+              <a:t>get it</a:t>
+            </a:r>
+          </a:p>
+          <a:p>
+            <a:pPr>
+              <a:lnSpc>
+                <a:spcPct val="150000"/>
+              </a:lnSpc>
+            </a:pPr>
+            <a:r>
+              <a:rPr lang="en-US" dirty="0"/>
+              <a:t>We need to face the complexities and subtleties of human languages</a:t>
+            </a:r>
+          </a:p>
+          <a:p>
+            <a:pPr>
+              <a:lnSpc>
+                <a:spcPct val="150000"/>
+              </a:lnSpc>
+            </a:pPr>
+            <a:r>
+              <a:rPr lang="en-US" dirty="0"/>
+              <a:t>We need a scientific, principled approach to deal with them</a:t>
             </a:r>
           </a:p>
         </p:txBody>
@@ -5752,7 +5731,7 @@
     </p:spTree>
     <p:extLst>
       <p:ext uri="{BB962C8B-B14F-4D97-AF65-F5344CB8AC3E}">
-        <p14:creationId xmlns:p14="http://schemas.microsoft.com/office/powerpoint/2010/main" val="2064979328"/>
+        <p14:creationId xmlns:p14="http://schemas.microsoft.com/office/powerpoint/2010/main" val="2793020483"/>
       </p:ext>
     </p:extLst>
   </p:cSld>
@@ -5784,7 +5763,7 @@
           <p:cNvPr id="2" name="Title 1">
             <a:extLst>
               <a:ext uri="{FF2B5EF4-FFF2-40B4-BE49-F238E27FC236}">
-                <a16:creationId xmlns:a16="http://schemas.microsoft.com/office/drawing/2014/main" id="{21D35127-F8BD-9230-7B10-C421F2B8E835}"/>
+                <a16:creationId xmlns:a16="http://schemas.microsoft.com/office/drawing/2014/main" id="{A096B2B9-C6A3-F20B-5B9B-BC61E46BEC39}"/>
               </a:ext>
             </a:extLst>
           </p:cNvPr>
@@ -5797,84 +5776,108 @@
         </p:nvSpPr>
         <p:spPr/>
         <p:txBody>
+          <a:bodyPr/>
+          <a:lstStyle/>
+          <a:p>
+            <a:r>
+              <a:rPr lang="en-US" b="1" dirty="0"/>
+              <a:t>Here comes a new challenger</a:t>
+            </a:r>
+          </a:p>
+        </p:txBody>
+      </p:sp>
+      <p:sp>
+        <p:nvSpPr>
+          <p:cNvPr id="3" name="Content Placeholder 2">
+            <a:extLst>
+              <a:ext uri="{FF2B5EF4-FFF2-40B4-BE49-F238E27FC236}">
+                <a16:creationId xmlns:a16="http://schemas.microsoft.com/office/drawing/2014/main" id="{31BBDABA-8C36-342F-E3D9-85D2F7D66E2C}"/>
+              </a:ext>
+            </a:extLst>
+          </p:cNvPr>
+          <p:cNvSpPr>
+            <a:spLocks noGrp="1"/>
+          </p:cNvSpPr>
+          <p:nvPr>
+            <p:ph idx="1"/>
+          </p:nvPr>
+        </p:nvSpPr>
+        <p:spPr/>
+        <p:txBody>
           <a:bodyPr>
-            <a:normAutofit/>
+            <a:normAutofit fontScale="77500" lnSpcReduction="20000"/>
           </a:bodyPr>
           <a:lstStyle/>
           <a:p>
-            <a:r>
-              <a:rPr lang="en-US" sz="4000" b="1" dirty="0"/>
-              <a:t>Welcome Remark</a:t>
-            </a:r>
-          </a:p>
-        </p:txBody>
-      </p:sp>
-      <p:sp>
-        <p:nvSpPr>
-          <p:cNvPr id="3" name="Content Placeholder 2">
-            <a:extLst>
-              <a:ext uri="{FF2B5EF4-FFF2-40B4-BE49-F238E27FC236}">
-                <a16:creationId xmlns:a16="http://schemas.microsoft.com/office/drawing/2014/main" id="{943B5F13-9EBB-42B2-7357-867DD67F305D}"/>
-              </a:ext>
-            </a:extLst>
-          </p:cNvPr>
-          <p:cNvSpPr>
-            <a:spLocks noGrp="1"/>
-          </p:cNvSpPr>
-          <p:nvPr>
-            <p:ph idx="1"/>
-          </p:nvPr>
-        </p:nvSpPr>
-        <p:spPr/>
-        <p:txBody>
-          <a:bodyPr/>
-          <a:lstStyle/>
-          <a:p>
             <a:pPr>
               <a:lnSpc>
-                <a:spcPct val="150000"/>
-              </a:lnSpc>
-            </a:pPr>
-            <a:r>
-              <a:rPr lang="en-US" dirty="0"/>
-              <a:t>Ambiguity is what makes natural languages rich but also challenging to process</a:t>
+                <a:spcPct val="160000"/>
+              </a:lnSpc>
+            </a:pPr>
+            <a:r>
+              <a:rPr lang="en-US" dirty="0"/>
+              <a:t>Now let’s consider the following scenario and think how you’d approach this problem</a:t>
             </a:r>
           </a:p>
           <a:p>
             <a:pPr>
               <a:lnSpc>
-                <a:spcPct val="150000"/>
-              </a:lnSpc>
-            </a:pPr>
-            <a:r>
-              <a:rPr lang="en-US" dirty="0"/>
-              <a:t>We can’t simply run a compiler or an interpreter on a piece of text and just </a:t>
-            </a:r>
-            <a:r>
-              <a:rPr lang="en-US" i="1" dirty="0"/>
-              <a:t>get it</a:t>
+                <a:spcPct val="160000"/>
+              </a:lnSpc>
+            </a:pPr>
+            <a:r>
+              <a:rPr lang="en-US" dirty="0"/>
+              <a:t>You are working as a junior data scientist at a midsized company that has a consumer-facing product line</a:t>
             </a:r>
           </a:p>
           <a:p>
             <a:pPr>
               <a:lnSpc>
-                <a:spcPct val="150000"/>
-              </a:lnSpc>
-            </a:pPr>
-            <a:r>
-              <a:rPr lang="en-US" dirty="0"/>
-              <a:t>We need to face the complexities and subtleties of human languages</a:t>
-            </a:r>
-          </a:p>
-          <a:p>
-            <a:pPr>
-              <a:lnSpc>
-                <a:spcPct val="150000"/>
-              </a:lnSpc>
-            </a:pPr>
-            <a:r>
-              <a:rPr lang="en-US" dirty="0"/>
-              <a:t>We need a scientific, principled approach to deal with them</a:t>
+                <a:spcPct val="160000"/>
+              </a:lnSpc>
+            </a:pPr>
+            <a:r>
+              <a:rPr lang="en-US" dirty="0"/>
+              <a:t> You got a giant TSV file containing all the responses to the survey questions about the product from the marketing team:</a:t>
+            </a:r>
+          </a:p>
+          <a:p>
+            <a:pPr marL="914400" lvl="1" indent="-457200">
+              <a:lnSpc>
+                <a:spcPct val="160000"/>
+              </a:lnSpc>
+              <a:buFont typeface="+mj-lt"/>
+              <a:buAutoNum type="arabicPeriod"/>
+            </a:pPr>
+            <a:r>
+              <a:rPr lang="en-US" dirty="0"/>
+              <a:t>How did you know about our product?</a:t>
+            </a:r>
+          </a:p>
+          <a:p>
+            <a:pPr marL="914400" lvl="1" indent="-457200">
+              <a:lnSpc>
+                <a:spcPct val="160000"/>
+              </a:lnSpc>
+              <a:buFont typeface="+mj-lt"/>
+              <a:buAutoNum type="arabicPeriod"/>
+            </a:pPr>
+            <a:r>
+              <a:rPr lang="en-US" dirty="0"/>
+              <a:t>How do you like our product?</a:t>
+            </a:r>
+          </a:p>
+          <a:p>
+            <a:pPr marL="914400" lvl="1" indent="-457200">
+              <a:lnSpc>
+                <a:spcPct val="160000"/>
+              </a:lnSpc>
+              <a:buFont typeface="+mj-lt"/>
+              <a:buAutoNum type="arabicPeriod"/>
+            </a:pPr>
+            <a:r>
+              <a:rPr lang="en-US" dirty="0"/>
+              <a:t>a free-response question, where our customers can write whatever they feel about our product</a:t>
             </a:r>
           </a:p>
         </p:txBody>
@@ -5882,7 +5885,7 @@
     </p:spTree>
     <p:extLst>
       <p:ext uri="{BB962C8B-B14F-4D97-AF65-F5344CB8AC3E}">
-        <p14:creationId xmlns:p14="http://schemas.microsoft.com/office/powerpoint/2010/main" val="2793020483"/>
+        <p14:creationId xmlns:p14="http://schemas.microsoft.com/office/powerpoint/2010/main" val="3849950361"/>
       </p:ext>
     </p:extLst>
   </p:cSld>
@@ -5956,160 +5959,6 @@
         <p:spPr/>
         <p:txBody>
           <a:bodyPr>
-            <a:normAutofit fontScale="77500" lnSpcReduction="20000"/>
-          </a:bodyPr>
-          <a:lstStyle/>
-          <a:p>
-            <a:pPr>
-              <a:lnSpc>
-                <a:spcPct val="160000"/>
-              </a:lnSpc>
-            </a:pPr>
-            <a:r>
-              <a:rPr lang="en-US" dirty="0"/>
-              <a:t>Now let’s consider the following scenario and think how you’d approach this problem</a:t>
-            </a:r>
-          </a:p>
-          <a:p>
-            <a:pPr>
-              <a:lnSpc>
-                <a:spcPct val="160000"/>
-              </a:lnSpc>
-            </a:pPr>
-            <a:r>
-              <a:rPr lang="en-US" dirty="0"/>
-              <a:t>You are working as a junior data scientist at a midsized company that has a consumer-facing product line</a:t>
-            </a:r>
-          </a:p>
-          <a:p>
-            <a:pPr>
-              <a:lnSpc>
-                <a:spcPct val="160000"/>
-              </a:lnSpc>
-            </a:pPr>
-            <a:r>
-              <a:rPr lang="en-US" dirty="0"/>
-              <a:t> You got a giant TSV file containing all the responses to the survey questions about the product from the marketing team:</a:t>
-            </a:r>
-          </a:p>
-          <a:p>
-            <a:pPr marL="914400" lvl="1" indent="-457200">
-              <a:lnSpc>
-                <a:spcPct val="160000"/>
-              </a:lnSpc>
-              <a:buFont typeface="+mj-lt"/>
-              <a:buAutoNum type="arabicPeriod"/>
-            </a:pPr>
-            <a:r>
-              <a:rPr lang="en-US" dirty="0"/>
-              <a:t>How did you know about our product?</a:t>
-            </a:r>
-          </a:p>
-          <a:p>
-            <a:pPr marL="914400" lvl="1" indent="-457200">
-              <a:lnSpc>
-                <a:spcPct val="160000"/>
-              </a:lnSpc>
-              <a:buFont typeface="+mj-lt"/>
-              <a:buAutoNum type="arabicPeriod"/>
-            </a:pPr>
-            <a:r>
-              <a:rPr lang="en-US" dirty="0"/>
-              <a:t>How do you like our product?</a:t>
-            </a:r>
-          </a:p>
-          <a:p>
-            <a:pPr marL="914400" lvl="1" indent="-457200">
-              <a:lnSpc>
-                <a:spcPct val="160000"/>
-              </a:lnSpc>
-              <a:buFont typeface="+mj-lt"/>
-              <a:buAutoNum type="arabicPeriod"/>
-            </a:pPr>
-            <a:r>
-              <a:rPr lang="en-US" dirty="0"/>
-              <a:t>a free-response question, where our customers can write whatever they feel about our product</a:t>
-            </a:r>
-          </a:p>
-        </p:txBody>
-      </p:sp>
-    </p:spTree>
-    <p:extLst>
-      <p:ext uri="{BB962C8B-B14F-4D97-AF65-F5344CB8AC3E}">
-        <p14:creationId xmlns:p14="http://schemas.microsoft.com/office/powerpoint/2010/main" val="3849950361"/>
-      </p:ext>
-    </p:extLst>
-  </p:cSld>
-  <p:clrMapOvr>
-    <a:masterClrMapping/>
-  </p:clrMapOvr>
-</p:sld>
-</file>
-
-<file path=ppt/slides/slide23.xml><?xml version="1.0" encoding="utf-8"?>
-<p:sld xmlns:a="http://schemas.openxmlformats.org/drawingml/2006/main" xmlns:r="http://schemas.openxmlformats.org/officeDocument/2006/relationships" xmlns:p="http://schemas.openxmlformats.org/presentationml/2006/main">
-  <p:cSld>
-    <p:spTree>
-      <p:nvGrpSpPr>
-        <p:cNvPr id="1" name=""/>
-        <p:cNvGrpSpPr/>
-        <p:nvPr/>
-      </p:nvGrpSpPr>
-      <p:grpSpPr>
-        <a:xfrm>
-          <a:off x="0" y="0"/>
-          <a:ext cx="0" cy="0"/>
-          <a:chOff x="0" y="0"/>
-          <a:chExt cx="0" cy="0"/>
-        </a:xfrm>
-      </p:grpSpPr>
-      <p:sp>
-        <p:nvSpPr>
-          <p:cNvPr id="2" name="Title 1">
-            <a:extLst>
-              <a:ext uri="{FF2B5EF4-FFF2-40B4-BE49-F238E27FC236}">
-                <a16:creationId xmlns:a16="http://schemas.microsoft.com/office/drawing/2014/main" id="{A096B2B9-C6A3-F20B-5B9B-BC61E46BEC39}"/>
-              </a:ext>
-            </a:extLst>
-          </p:cNvPr>
-          <p:cNvSpPr>
-            <a:spLocks noGrp="1"/>
-          </p:cNvSpPr>
-          <p:nvPr>
-            <p:ph type="title"/>
-          </p:nvPr>
-        </p:nvSpPr>
-        <p:spPr/>
-        <p:txBody>
-          <a:bodyPr/>
-          <a:lstStyle/>
-          <a:p>
-            <a:r>
-              <a:rPr lang="en-US" b="1" dirty="0"/>
-              <a:t>Here comes a new challenger</a:t>
-            </a:r>
-          </a:p>
-        </p:txBody>
-      </p:sp>
-      <p:sp>
-        <p:nvSpPr>
-          <p:cNvPr id="3" name="Content Placeholder 2">
-            <a:extLst>
-              <a:ext uri="{FF2B5EF4-FFF2-40B4-BE49-F238E27FC236}">
-                <a16:creationId xmlns:a16="http://schemas.microsoft.com/office/drawing/2014/main" id="{31BBDABA-8C36-342F-E3D9-85D2F7D66E2C}"/>
-              </a:ext>
-            </a:extLst>
-          </p:cNvPr>
-          <p:cNvSpPr>
-            <a:spLocks noGrp="1"/>
-          </p:cNvSpPr>
-          <p:nvPr>
-            <p:ph idx="1"/>
-          </p:nvPr>
-        </p:nvSpPr>
-        <p:spPr/>
-        <p:txBody>
-          <a:bodyPr>
             <a:normAutofit fontScale="92500"/>
           </a:bodyPr>
           <a:lstStyle/>
@@ -6199,7 +6048,7 @@
 </p:sld>
 </file>
 
-<file path=ppt/slides/slide24.xml><?xml version="1.0" encoding="utf-8"?>
+<file path=ppt/slides/slide23.xml><?xml version="1.0" encoding="utf-8"?>
 <p:sld xmlns:a="http://schemas.openxmlformats.org/drawingml/2006/main" xmlns:r="http://schemas.openxmlformats.org/officeDocument/2006/relationships" xmlns:p="http://schemas.openxmlformats.org/presentationml/2006/main">
   <p:cSld>
     <p:spTree>
@@ -6331,7 +6180,7 @@
 </p:sld>
 </file>
 
-<file path=ppt/slides/slide25.xml><?xml version="1.0" encoding="utf-8"?>
+<file path=ppt/slides/slide24.xml><?xml version="1.0" encoding="utf-8"?>
 <p:sld xmlns:a="http://schemas.openxmlformats.org/drawingml/2006/main" xmlns:r="http://schemas.openxmlformats.org/officeDocument/2006/relationships" xmlns:p="http://schemas.openxmlformats.org/presentationml/2006/main">
   <p:cSld>
     <p:spTree>
@@ -6478,6 +6327,156 @@
 </p:sld>
 </file>
 
+<file path=ppt/slides/slide25.xml><?xml version="1.0" encoding="utf-8"?>
+<p:sld xmlns:a="http://schemas.openxmlformats.org/drawingml/2006/main" xmlns:r="http://schemas.openxmlformats.org/officeDocument/2006/relationships" xmlns:p="http://schemas.openxmlformats.org/presentationml/2006/main">
+  <p:cSld>
+    <p:spTree>
+      <p:nvGrpSpPr>
+        <p:cNvPr id="1" name=""/>
+        <p:cNvGrpSpPr/>
+        <p:nvPr/>
+      </p:nvGrpSpPr>
+      <p:grpSpPr>
+        <a:xfrm>
+          <a:off x="0" y="0"/>
+          <a:ext cx="0" cy="0"/>
+          <a:chOff x="0" y="0"/>
+          <a:chExt cx="0" cy="0"/>
+        </a:xfrm>
+      </p:grpSpPr>
+      <p:sp>
+        <p:nvSpPr>
+          <p:cNvPr id="2" name="Title 1">
+            <a:extLst>
+              <a:ext uri="{FF2B5EF4-FFF2-40B4-BE49-F238E27FC236}">
+                <a16:creationId xmlns:a16="http://schemas.microsoft.com/office/drawing/2014/main" id="{8E9A6C1E-0CB8-98FC-38F2-E4DE03D59A91}"/>
+              </a:ext>
+            </a:extLst>
+          </p:cNvPr>
+          <p:cNvSpPr>
+            <a:spLocks noGrp="1"/>
+          </p:cNvSpPr>
+          <p:nvPr>
+            <p:ph type="title"/>
+          </p:nvPr>
+        </p:nvSpPr>
+        <p:spPr/>
+        <p:txBody>
+          <a:bodyPr>
+            <a:normAutofit/>
+          </a:bodyPr>
+          <a:lstStyle/>
+          <a:p>
+            <a:r>
+              <a:rPr lang="en-US" sz="4000" dirty="0"/>
+              <a:t>….</a:t>
+            </a:r>
+          </a:p>
+        </p:txBody>
+      </p:sp>
+      <p:sp>
+        <p:nvSpPr>
+          <p:cNvPr id="3" name="Content Placeholder 2">
+            <a:extLst>
+              <a:ext uri="{FF2B5EF4-FFF2-40B4-BE49-F238E27FC236}">
+                <a16:creationId xmlns:a16="http://schemas.microsoft.com/office/drawing/2014/main" id="{FF0BA8B3-81F0-47F2-7B66-C3E9176E422A}"/>
+              </a:ext>
+            </a:extLst>
+          </p:cNvPr>
+          <p:cNvSpPr>
+            <a:spLocks noGrp="1"/>
+          </p:cNvSpPr>
+          <p:nvPr>
+            <p:ph idx="1"/>
+          </p:nvPr>
+        </p:nvSpPr>
+        <p:spPr/>
+        <p:txBody>
+          <a:bodyPr>
+            <a:normAutofit fontScale="92500" lnSpcReduction="10000"/>
+          </a:bodyPr>
+          <a:lstStyle/>
+          <a:p>
+            <a:pPr>
+              <a:lnSpc>
+                <a:spcPct val="150000"/>
+              </a:lnSpc>
+            </a:pPr>
+            <a:r>
+              <a:rPr lang="en-US" dirty="0"/>
+              <a:t>The product is not only cheap but also very good!: negative</a:t>
+            </a:r>
+          </a:p>
+          <a:p>
+            <a:pPr>
+              <a:lnSpc>
+                <a:spcPct val="150000"/>
+              </a:lnSpc>
+            </a:pPr>
+            <a:r>
+              <a:rPr lang="en-US" dirty="0"/>
+              <a:t>Worse</a:t>
+            </a:r>
+          </a:p>
+          <a:p>
+            <a:pPr lvl="1">
+              <a:lnSpc>
+                <a:spcPct val="150000"/>
+              </a:lnSpc>
+            </a:pPr>
+            <a:r>
+              <a:rPr lang="en-US" dirty="0"/>
+              <a:t>I always wanted this feature badly!</a:t>
+            </a:r>
+          </a:p>
+          <a:p>
+            <a:pPr lvl="1">
+              <a:lnSpc>
+                <a:spcPct val="150000"/>
+              </a:lnSpc>
+            </a:pPr>
+            <a:r>
+              <a:rPr lang="en-US" dirty="0"/>
+              <a:t>It’s very badly made</a:t>
+            </a:r>
+          </a:p>
+          <a:p>
+            <a:pPr>
+              <a:lnSpc>
+                <a:spcPct val="150000"/>
+              </a:lnSpc>
+            </a:pPr>
+            <a:r>
+              <a:rPr lang="en-US" dirty="0"/>
+              <a:t>How could a single word in a language have two completely opposite meanings?</a:t>
+            </a:r>
+          </a:p>
+          <a:p>
+            <a:pPr>
+              <a:lnSpc>
+                <a:spcPct val="150000"/>
+              </a:lnSpc>
+            </a:pPr>
+            <a:r>
+              <a:rPr lang="en-US" dirty="0"/>
+              <a:t>This course will save you</a:t>
+            </a:r>
+          </a:p>
+        </p:txBody>
+      </p:sp>
+    </p:spTree>
+    <p:extLst>
+      <p:ext uri="{BB962C8B-B14F-4D97-AF65-F5344CB8AC3E}">
+        <p14:creationId xmlns:p14="http://schemas.microsoft.com/office/powerpoint/2010/main" val="3314590581"/>
+      </p:ext>
+    </p:extLst>
+  </p:cSld>
+  <p:clrMapOvr>
+    <a:masterClrMapping/>
+  </p:clrMapOvr>
+</p:sld>
+</file>
+
 <file path=ppt/slides/slide26.xml><?xml version="1.0" encoding="utf-8"?>
 <p:sld xmlns:a="http://schemas.openxmlformats.org/drawingml/2006/main" xmlns:r="http://schemas.openxmlformats.org/officeDocument/2006/relationships" xmlns:p="http://schemas.openxmlformats.org/presentationml/2006/main">
   <p:cSld>
@@ -6500,7 +6499,7 @@
           <p:cNvPr id="2" name="Title 1">
             <a:extLst>
               <a:ext uri="{FF2B5EF4-FFF2-40B4-BE49-F238E27FC236}">
-                <a16:creationId xmlns:a16="http://schemas.microsoft.com/office/drawing/2014/main" id="{8E9A6C1E-0CB8-98FC-38F2-E4DE03D59A91}"/>
+                <a16:creationId xmlns:a16="http://schemas.microsoft.com/office/drawing/2014/main" id="{56BA7E2B-EC60-0BE6-D013-D3AC844A1CFC}"/>
               </a:ext>
             </a:extLst>
           </p:cNvPr>
@@ -6520,7 +6519,7 @@
           <a:p>
             <a:r>
               <a:rPr lang="en-US" sz="4000" dirty="0"/>
-              <a:t>….</a:t>
+              <a:t>This course will save you?</a:t>
             </a:r>
           </a:p>
         </p:txBody>
@@ -6530,7 +6529,7 @@
           <p:cNvPr id="3" name="Content Placeholder 2">
             <a:extLst>
               <a:ext uri="{FF2B5EF4-FFF2-40B4-BE49-F238E27FC236}">
-                <a16:creationId xmlns:a16="http://schemas.microsoft.com/office/drawing/2014/main" id="{FF0BA8B3-81F0-47F2-7B66-C3E9176E422A}"/>
+                <a16:creationId xmlns:a16="http://schemas.microsoft.com/office/drawing/2014/main" id="{00CC05FF-E33D-CE8D-1A4B-118F6B5CC56B}"/>
               </a:ext>
             </a:extLst>
           </p:cNvPr>
@@ -6543,82 +6542,81 @@
         </p:nvSpPr>
         <p:spPr/>
         <p:txBody>
-          <a:bodyPr>
-            <a:normAutofit fontScale="92500" lnSpcReduction="10000"/>
-          </a:bodyPr>
+          <a:bodyPr/>
           <a:lstStyle/>
           <a:p>
             <a:pPr>
               <a:lnSpc>
-                <a:spcPct val="150000"/>
-              </a:lnSpc>
-            </a:pPr>
-            <a:r>
-              <a:rPr lang="en-US" dirty="0"/>
-              <a:t>The product is not only cheap but also very good!: negative</a:t>
+                <a:spcPct val="200000"/>
+              </a:lnSpc>
+            </a:pPr>
+            <a:r>
+              <a:rPr lang="en-US" dirty="0"/>
+              <a:t>What does it mean? Another ambiguity</a:t>
             </a:r>
           </a:p>
           <a:p>
             <a:pPr>
               <a:lnSpc>
-                <a:spcPct val="150000"/>
-              </a:lnSpc>
-            </a:pPr>
-            <a:r>
-              <a:rPr lang="en-US" dirty="0"/>
-              <a:t>Worse</a:t>
-            </a:r>
-          </a:p>
-          <a:p>
-            <a:pPr lvl="1">
-              <a:lnSpc>
-                <a:spcPct val="150000"/>
-              </a:lnSpc>
-            </a:pPr>
-            <a:r>
-              <a:rPr lang="en-US" dirty="0"/>
-              <a:t>I always wanted this feature badly!</a:t>
-            </a:r>
-          </a:p>
-          <a:p>
-            <a:pPr lvl="1">
-              <a:lnSpc>
-                <a:spcPct val="150000"/>
-              </a:lnSpc>
-            </a:pPr>
-            <a:r>
-              <a:rPr lang="en-US" dirty="0"/>
-              <a:t>It’s very badly made</a:t>
-            </a:r>
-          </a:p>
-          <a:p>
-            <a:pPr>
-              <a:lnSpc>
-                <a:spcPct val="150000"/>
-              </a:lnSpc>
-            </a:pPr>
-            <a:r>
-              <a:rPr lang="en-US" dirty="0"/>
-              <a:t>How could a single word in a language have two completely opposite meanings?</a:t>
-            </a:r>
-          </a:p>
-          <a:p>
-            <a:pPr>
-              <a:lnSpc>
-                <a:spcPct val="150000"/>
-              </a:lnSpc>
-            </a:pPr>
-            <a:r>
-              <a:rPr lang="en-US" dirty="0"/>
-              <a:t>This course will save you</a:t>
-            </a:r>
+                <a:spcPct val="200000"/>
+              </a:lnSpc>
+            </a:pPr>
+            <a:r>
+              <a:rPr lang="en-US" dirty="0"/>
+              <a:t>This course will save you because it will teach you either</a:t>
+            </a:r>
+          </a:p>
+          <a:p>
+            <a:pPr marL="914400" lvl="1" indent="-457200">
+              <a:lnSpc>
+                <a:spcPct val="200000"/>
+              </a:lnSpc>
+              <a:buFont typeface="+mj-lt"/>
+              <a:buAutoNum type="arabicPeriod"/>
+            </a:pPr>
+            <a:r>
+              <a:rPr lang="en-US" dirty="0"/>
+              <a:t>How to deal with the problems described above</a:t>
+            </a:r>
+          </a:p>
+          <a:p>
+            <a:pPr marL="914400" lvl="1" indent="-457200">
+              <a:lnSpc>
+                <a:spcPct val="200000"/>
+              </a:lnSpc>
+              <a:buFont typeface="+mj-lt"/>
+              <a:buAutoNum type="arabicPeriod"/>
+            </a:pPr>
+            <a:r>
+              <a:rPr lang="en-US" dirty="0"/>
+              <a:t>They are impossible to solve</a:t>
+            </a:r>
+          </a:p>
+          <a:p>
+            <a:pPr marL="914400" lvl="1" indent="-457200">
+              <a:lnSpc>
+                <a:spcPct val="200000"/>
+              </a:lnSpc>
+              <a:buFont typeface="+mj-lt"/>
+              <a:buAutoNum type="arabicPeriod"/>
+            </a:pPr>
+            <a:endParaRPr lang="en-US" dirty="0"/>
+          </a:p>
+          <a:p>
+            <a:pPr marL="457200" lvl="1" indent="0">
+              <a:lnSpc>
+                <a:spcPct val="200000"/>
+              </a:lnSpc>
+              <a:buNone/>
+            </a:pPr>
+            <a:endParaRPr lang="en-US" dirty="0"/>
           </a:p>
         </p:txBody>
       </p:sp>
     </p:spTree>
     <p:extLst>
       <p:ext uri="{BB962C8B-B14F-4D97-AF65-F5344CB8AC3E}">
-        <p14:creationId xmlns:p14="http://schemas.microsoft.com/office/powerpoint/2010/main" val="3314590581"/>
+        <p14:creationId xmlns:p14="http://schemas.microsoft.com/office/powerpoint/2010/main" val="685518037"/>
       </p:ext>
     </p:extLst>
   </p:cSld>
@@ -6650,7 +6648,7 @@
           <p:cNvPr id="2" name="Title 1">
             <a:extLst>
               <a:ext uri="{FF2B5EF4-FFF2-40B4-BE49-F238E27FC236}">
-                <a16:creationId xmlns:a16="http://schemas.microsoft.com/office/drawing/2014/main" id="{56BA7E2B-EC60-0BE6-D013-D3AC844A1CFC}"/>
+                <a16:creationId xmlns:a16="http://schemas.microsoft.com/office/drawing/2014/main" id="{35477B26-9CC5-C067-9FFC-3A6F2FD02CD5}"/>
               </a:ext>
             </a:extLst>
           </p:cNvPr>
@@ -6669,8 +6667,8 @@
           <a:lstStyle/>
           <a:p>
             <a:r>
-              <a:rPr lang="en-US" sz="4000" dirty="0"/>
-              <a:t>This course will save you?</a:t>
+              <a:rPr lang="en-US" sz="4000" b="1" dirty="0"/>
+              <a:t>Rule-base vs. DL approach</a:t>
             </a:r>
           </a:p>
         </p:txBody>
@@ -6680,7 +6678,7 @@
           <p:cNvPr id="3" name="Content Placeholder 2">
             <a:extLst>
               <a:ext uri="{FF2B5EF4-FFF2-40B4-BE49-F238E27FC236}">
-                <a16:creationId xmlns:a16="http://schemas.microsoft.com/office/drawing/2014/main" id="{00CC05FF-E33D-CE8D-1A4B-118F6B5CC56B}"/>
+                <a16:creationId xmlns:a16="http://schemas.microsoft.com/office/drawing/2014/main" id="{E81AD483-76CB-3CC4-84F6-DBCBAE1C2E17}"/>
               </a:ext>
             </a:extLst>
           </p:cNvPr>
@@ -6693,72 +6691,109 @@
         </p:nvSpPr>
         <p:spPr/>
         <p:txBody>
-          <a:bodyPr/>
+          <a:bodyPr>
+            <a:normAutofit fontScale="85000" lnSpcReduction="10000"/>
+          </a:bodyPr>
           <a:lstStyle/>
           <a:p>
             <a:pPr>
               <a:lnSpc>
-                <a:spcPct val="200000"/>
-              </a:lnSpc>
-            </a:pPr>
-            <a:r>
-              <a:rPr lang="en-US" dirty="0"/>
-              <a:t>What does it mean? Another ambiguity</a:t>
+                <a:spcPct val="150000"/>
+              </a:lnSpc>
+            </a:pPr>
+            <a:r>
+              <a:rPr lang="en-US" dirty="0"/>
+              <a:t>As you saw, a bunch of </a:t>
+            </a:r>
+            <a:r>
+              <a:rPr lang="en-US" i="1" dirty="0"/>
+              <a:t>if</a:t>
+            </a:r>
+            <a:r>
+              <a:rPr lang="en-US" dirty="0"/>
+              <a:t>s and </a:t>
+            </a:r>
+            <a:r>
+              <a:rPr lang="en-US" i="1" dirty="0" err="1"/>
+              <a:t>then</a:t>
+            </a:r>
+            <a:r>
+              <a:rPr lang="en-US" dirty="0" err="1"/>
+              <a:t>s</a:t>
+            </a:r>
+            <a:r>
+              <a:rPr lang="en-US" dirty="0"/>
+              <a:t> would mitigate the issues</a:t>
+            </a:r>
+          </a:p>
+          <a:p>
+            <a:pPr lvl="1">
+              <a:lnSpc>
+                <a:spcPct val="150000"/>
+              </a:lnSpc>
+            </a:pPr>
+            <a:r>
+              <a:rPr lang="en-US" dirty="0"/>
+              <a:t>It is a rule-based approach</a:t>
+            </a:r>
+          </a:p>
+          <a:p>
+            <a:pPr lvl="2">
+              <a:lnSpc>
+                <a:spcPct val="150000"/>
+              </a:lnSpc>
+            </a:pPr>
+            <a:r>
+              <a:rPr lang="en-US" dirty="0"/>
+              <a:t>controversial definition of NLP</a:t>
             </a:r>
           </a:p>
           <a:p>
             <a:pPr>
               <a:lnSpc>
-                <a:spcPct val="200000"/>
-              </a:lnSpc>
-            </a:pPr>
-            <a:r>
-              <a:rPr lang="en-US" dirty="0"/>
-              <a:t>This course will save you because it will teach you either</a:t>
-            </a:r>
-          </a:p>
-          <a:p>
-            <a:pPr marL="914400" lvl="1" indent="-457200">
-              <a:lnSpc>
-                <a:spcPct val="200000"/>
-              </a:lnSpc>
-              <a:buFont typeface="+mj-lt"/>
-              <a:buAutoNum type="arabicPeriod"/>
-            </a:pPr>
-            <a:r>
-              <a:rPr lang="en-US" dirty="0"/>
-              <a:t>How to deal with the problems described above</a:t>
-            </a:r>
-          </a:p>
-          <a:p>
-            <a:pPr marL="914400" lvl="1" indent="-457200">
-              <a:lnSpc>
-                <a:spcPct val="200000"/>
-              </a:lnSpc>
-              <a:buFont typeface="+mj-lt"/>
-              <a:buAutoNum type="arabicPeriod"/>
-            </a:pPr>
-            <a:r>
-              <a:rPr lang="en-US" dirty="0"/>
-              <a:t>They are impossible to solve</a:t>
-            </a:r>
-          </a:p>
-          <a:p>
-            <a:pPr marL="914400" lvl="1" indent="-457200">
-              <a:lnSpc>
-                <a:spcPct val="200000"/>
-              </a:lnSpc>
-              <a:buFont typeface="+mj-lt"/>
-              <a:buAutoNum type="arabicPeriod"/>
-            </a:pPr>
-            <a:endParaRPr lang="en-US" dirty="0"/>
-          </a:p>
-          <a:p>
-            <a:pPr marL="457200" lvl="1" indent="0">
-              <a:lnSpc>
-                <a:spcPct val="200000"/>
-              </a:lnSpc>
-              <a:buNone/>
+                <a:spcPct val="150000"/>
+              </a:lnSpc>
+            </a:pPr>
+            <a:r>
+              <a:rPr lang="en-US" dirty="0"/>
+              <a:t>You may also have heard of deep learning</a:t>
+            </a:r>
+          </a:p>
+          <a:p>
+            <a:pPr lvl="1">
+              <a:lnSpc>
+                <a:spcPct val="150000"/>
+              </a:lnSpc>
+            </a:pPr>
+            <a:r>
+              <a:rPr lang="en-US" dirty="0"/>
+              <a:t>a subfield of machine learning that usually uses </a:t>
+            </a:r>
+            <a:r>
+              <a:rPr lang="en-US" i="1" dirty="0"/>
+              <a:t>deep</a:t>
+            </a:r>
+            <a:r>
+              <a:rPr lang="en-US" dirty="0"/>
+              <a:t> neural networks</a:t>
+            </a:r>
+          </a:p>
+          <a:p>
+            <a:pPr>
+              <a:lnSpc>
+                <a:spcPct val="150000"/>
+              </a:lnSpc>
+            </a:pPr>
+            <a:r>
+              <a:rPr lang="en-US" dirty="0"/>
+              <a:t>As the amount of available data and computational resources increases, modern NLP makes a heavier and heavier use of machine learning and deep learning</a:t>
+            </a:r>
+          </a:p>
+          <a:p>
+            <a:pPr>
+              <a:lnSpc>
+                <a:spcPct val="150000"/>
+              </a:lnSpc>
             </a:pPr>
             <a:endParaRPr lang="en-US" dirty="0"/>
           </a:p>
@@ -6767,7 +6802,7 @@
     </p:spTree>
     <p:extLst>
       <p:ext uri="{BB962C8B-B14F-4D97-AF65-F5344CB8AC3E}">
-        <p14:creationId xmlns:p14="http://schemas.microsoft.com/office/powerpoint/2010/main" val="685518037"/>
+        <p14:creationId xmlns:p14="http://schemas.microsoft.com/office/powerpoint/2010/main" val="953046028"/>
       </p:ext>
     </p:extLst>
   </p:cSld>
@@ -6799,7 +6834,7 @@
           <p:cNvPr id="2" name="Title 1">
             <a:extLst>
               <a:ext uri="{FF2B5EF4-FFF2-40B4-BE49-F238E27FC236}">
-                <a16:creationId xmlns:a16="http://schemas.microsoft.com/office/drawing/2014/main" id="{35477B26-9CC5-C067-9FFC-3A6F2FD02CD5}"/>
+                <a16:creationId xmlns:a16="http://schemas.microsoft.com/office/drawing/2014/main" id="{DF5D1AA6-A6D7-A63F-5113-C0D937EAA15D}"/>
               </a:ext>
             </a:extLst>
           </p:cNvPr>
@@ -6819,7 +6854,7 @@
           <a:p>
             <a:r>
               <a:rPr lang="en-US" sz="4000" b="1" dirty="0"/>
-              <a:t>Rule-base vs. DL approach</a:t>
+              <a:t>Scope of the class</a:t>
             </a:r>
           </a:p>
         </p:txBody>
@@ -6829,7 +6864,7 @@
           <p:cNvPr id="3" name="Content Placeholder 2">
             <a:extLst>
               <a:ext uri="{FF2B5EF4-FFF2-40B4-BE49-F238E27FC236}">
-                <a16:creationId xmlns:a16="http://schemas.microsoft.com/office/drawing/2014/main" id="{E81AD483-76CB-3CC4-84F6-DBCBAE1C2E17}"/>
+                <a16:creationId xmlns:a16="http://schemas.microsoft.com/office/drawing/2014/main" id="{D99D702D-A215-D14D-429D-72BEEFCE020B}"/>
               </a:ext>
             </a:extLst>
           </p:cNvPr>
@@ -6842,9 +6877,7 @@
         </p:nvSpPr>
         <p:spPr/>
         <p:txBody>
-          <a:bodyPr>
-            <a:normAutofit fontScale="85000" lnSpcReduction="10000"/>
-          </a:bodyPr>
+          <a:bodyPr/>
           <a:lstStyle/>
           <a:p>
             <a:pPr>
@@ -6854,106 +6887,37 @@
             </a:pPr>
             <a:r>
               <a:rPr lang="en-US" dirty="0"/>
-              <a:t>As you saw, a bunch of </a:t>
-            </a:r>
-            <a:r>
-              <a:rPr lang="en-US" i="1" dirty="0"/>
-              <a:t>if</a:t>
-            </a:r>
-            <a:r>
-              <a:rPr lang="en-US" dirty="0"/>
-              <a:t>s and </a:t>
-            </a:r>
-            <a:r>
-              <a:rPr lang="en-US" i="1" dirty="0" err="1"/>
-              <a:t>then</a:t>
-            </a:r>
-            <a:r>
-              <a:rPr lang="en-US" dirty="0" err="1"/>
-              <a:t>s</a:t>
-            </a:r>
-            <a:r>
-              <a:rPr lang="en-US" dirty="0"/>
-              <a:t> would mitigate the issues</a:t>
-            </a:r>
-          </a:p>
-          <a:p>
-            <a:pPr lvl="1">
+              <a:t>Traditional methods such as counting words and measuring similarities between text are usually not considered to be machine learning techniques per se, although they can be important building blocks for ML-based models</a:t>
+            </a:r>
+          </a:p>
+          <a:p>
+            <a:pPr>
               <a:lnSpc>
                 <a:spcPct val="150000"/>
               </a:lnSpc>
             </a:pPr>
             <a:r>
               <a:rPr lang="en-US" dirty="0"/>
-              <a:t>It is a rule-based approach</a:t>
-            </a:r>
-          </a:p>
-          <a:p>
-            <a:pPr lvl="2">
+              <a:t>Let’s see the syllabus</a:t>
+            </a:r>
+          </a:p>
+          <a:p>
+            <a:pPr>
               <a:lnSpc>
                 <a:spcPct val="150000"/>
               </a:lnSpc>
             </a:pPr>
             <a:r>
               <a:rPr lang="en-US" dirty="0"/>
-              <a:t>controversial definition of NLP</a:t>
-            </a:r>
-          </a:p>
-          <a:p>
-            <a:pPr>
-              <a:lnSpc>
-                <a:spcPct val="150000"/>
-              </a:lnSpc>
-            </a:pPr>
-            <a:r>
-              <a:rPr lang="en-US" dirty="0"/>
-              <a:t>You may also have heard of deep learning</a:t>
-            </a:r>
-          </a:p>
-          <a:p>
-            <a:pPr lvl="1">
-              <a:lnSpc>
-                <a:spcPct val="150000"/>
-              </a:lnSpc>
-            </a:pPr>
-            <a:r>
-              <a:rPr lang="en-US" dirty="0"/>
-              <a:t>a subfield of machine learning that usually uses </a:t>
-            </a:r>
-            <a:r>
-              <a:rPr lang="en-US" i="1" dirty="0"/>
-              <a:t>deep</a:t>
-            </a:r>
-            <a:r>
-              <a:rPr lang="en-US" dirty="0"/>
-              <a:t> neural networks</a:t>
-            </a:r>
-          </a:p>
-          <a:p>
-            <a:pPr>
-              <a:lnSpc>
-                <a:spcPct val="150000"/>
-              </a:lnSpc>
-            </a:pPr>
-            <a:r>
-              <a:rPr lang="en-US" dirty="0"/>
-              <a:t>As the amount of available data and computational resources increases, modern NLP makes a heavier and heavier use of machine learning and deep learning</a:t>
-            </a:r>
-          </a:p>
-          <a:p>
-            <a:pPr>
-              <a:lnSpc>
-                <a:spcPct val="150000"/>
-              </a:lnSpc>
-            </a:pPr>
-            <a:endParaRPr lang="en-US" dirty="0"/>
+              <a:t>By the way, we only focus on English text documents and messages</a:t>
+            </a:r>
           </a:p>
         </p:txBody>
       </p:sp>
     </p:spTree>
     <p:extLst>
       <p:ext uri="{BB962C8B-B14F-4D97-AF65-F5344CB8AC3E}">
-        <p14:creationId xmlns:p14="http://schemas.microsoft.com/office/powerpoint/2010/main" val="953046028"/>
+        <p14:creationId xmlns:p14="http://schemas.microsoft.com/office/powerpoint/2010/main" val="1622378155"/>
       </p:ext>
     </p:extLst>
   </p:cSld>
@@ -6985,7 +6949,7 @@
           <p:cNvPr id="2" name="Title 1">
             <a:extLst>
               <a:ext uri="{FF2B5EF4-FFF2-40B4-BE49-F238E27FC236}">
-                <a16:creationId xmlns:a16="http://schemas.microsoft.com/office/drawing/2014/main" id="{DF5D1AA6-A6D7-A63F-5113-C0D937EAA15D}"/>
+                <a16:creationId xmlns:a16="http://schemas.microsoft.com/office/drawing/2014/main" id="{79B2E4AA-0BF2-F52D-A6A9-A99E86009CD4}"/>
               </a:ext>
             </a:extLst>
           </p:cNvPr>
@@ -6998,14 +6962,12 @@
         </p:nvSpPr>
         <p:spPr/>
         <p:txBody>
-          <a:bodyPr>
-            <a:normAutofit/>
-          </a:bodyPr>
-          <a:lstStyle/>
-          <a:p>
-            <a:r>
-              <a:rPr lang="en-US" sz="4000" b="1" dirty="0"/>
-              <a:t>Scope of the class</a:t>
+          <a:bodyPr/>
+          <a:lstStyle/>
+          <a:p>
+            <a:r>
+              <a:rPr lang="en-US" b="1" dirty="0"/>
+              <a:t>We are not going to study</a:t>
             </a:r>
           </a:p>
         </p:txBody>
@@ -7015,7 +6977,7 @@
           <p:cNvPr id="3" name="Content Placeholder 2">
             <a:extLst>
               <a:ext uri="{FF2B5EF4-FFF2-40B4-BE49-F238E27FC236}">
-                <a16:creationId xmlns:a16="http://schemas.microsoft.com/office/drawing/2014/main" id="{D99D702D-A215-D14D-429D-72BEEFCE020B}"/>
+                <a16:creationId xmlns:a16="http://schemas.microsoft.com/office/drawing/2014/main" id="{FE761255-C711-A6BC-D4CF-F7054CCF4CC1}"/>
               </a:ext>
             </a:extLst>
           </p:cNvPr>
@@ -7033,23 +6995,45 @@
           <a:p>
             <a:pPr>
               <a:lnSpc>
-                <a:spcPct val="150000"/>
-              </a:lnSpc>
-            </a:pPr>
-            <a:r>
-              <a:rPr lang="en-US" dirty="0"/>
-              <a:t>Traditional methods such as counting words and measuring similarities between text are usually not considered to be machine learning techniques per se, although they can be important building blocks for ML-based models</a:t>
+                <a:spcPct val="200000"/>
+              </a:lnSpc>
+            </a:pPr>
+            <a:r>
+              <a:rPr lang="en-US" dirty="0"/>
+              <a:t>Other languages </a:t>
             </a:r>
           </a:p>
           <a:p>
             <a:pPr>
               <a:lnSpc>
-                <a:spcPct val="150000"/>
-              </a:lnSpc>
-            </a:pPr>
-            <a:r>
-              <a:rPr lang="en-US" dirty="0"/>
-              <a:t>Let’s see the syllabus</a:t>
+                <a:spcPct val="200000"/>
+              </a:lnSpc>
+            </a:pPr>
+            <a:r>
+              <a:rPr lang="en-US" dirty="0"/>
+              <a:t>Spoken statements</a:t>
+            </a:r>
+          </a:p>
+          <a:p>
+            <a:pPr>
+              <a:lnSpc>
+                <a:spcPct val="200000"/>
+              </a:lnSpc>
+            </a:pPr>
+            <a:r>
+              <a:rPr lang="en-US" dirty="0"/>
+              <a:t>Text generation</a:t>
+            </a:r>
+          </a:p>
+          <a:p>
+            <a:pPr>
+              <a:lnSpc>
+                <a:spcPct val="200000"/>
+              </a:lnSpc>
+            </a:pPr>
+            <a:r>
+              <a:rPr lang="en-US" dirty="0"/>
+              <a:t>Dialogue system</a:t>
             </a:r>
           </a:p>
         </p:txBody>
@@ -7057,7 +7041,7 @@
     </p:spTree>
     <p:extLst>
       <p:ext uri="{BB962C8B-B14F-4D97-AF65-F5344CB8AC3E}">
-        <p14:creationId xmlns:p14="http://schemas.microsoft.com/office/powerpoint/2010/main" val="1622378155"/>
+        <p14:creationId xmlns:p14="http://schemas.microsoft.com/office/powerpoint/2010/main" val="2494927545"/>
       </p:ext>
     </p:extLst>
   </p:cSld>
@@ -7247,7 +7231,7 @@
           <p:cNvPr id="2" name="Title 1">
             <a:extLst>
               <a:ext uri="{FF2B5EF4-FFF2-40B4-BE49-F238E27FC236}">
-                <a16:creationId xmlns:a16="http://schemas.microsoft.com/office/drawing/2014/main" id="{79B2E4AA-0BF2-F52D-A6A9-A99E86009CD4}"/>
+                <a16:creationId xmlns:a16="http://schemas.microsoft.com/office/drawing/2014/main" id="{9C4AA98E-1C9B-24C7-AC40-4F78E6705B6A}"/>
               </a:ext>
             </a:extLst>
           </p:cNvPr>
@@ -7260,16 +7244,14 @@
         </p:nvSpPr>
         <p:spPr/>
         <p:txBody>
-          <a:bodyPr/>
-          <a:lstStyle/>
-          <a:p>
-            <a:r>
-              <a:rPr lang="en-US" dirty="0"/>
-              <a:t>Chapter </a:t>
-            </a:r>
-            <a:r>
-              <a:rPr lang="en-US"/>
-              <a:t>1 summary</a:t>
+          <a:bodyPr>
+            <a:normAutofit/>
+          </a:bodyPr>
+          <a:lstStyle/>
+          <a:p>
+            <a:r>
+              <a:rPr lang="en-US" sz="4000" b="1" dirty="0"/>
+              <a:t>Readings</a:t>
             </a:r>
           </a:p>
         </p:txBody>
@@ -7279,7 +7261,7 @@
           <p:cNvPr id="3" name="Content Placeholder 2">
             <a:extLst>
               <a:ext uri="{FF2B5EF4-FFF2-40B4-BE49-F238E27FC236}">
-                <a16:creationId xmlns:a16="http://schemas.microsoft.com/office/drawing/2014/main" id="{FE761255-C711-A6BC-D4CF-F7054CCF4CC1}"/>
+                <a16:creationId xmlns:a16="http://schemas.microsoft.com/office/drawing/2014/main" id="{E293A47A-AABD-673F-A6F1-B6701B7900D7}"/>
               </a:ext>
             </a:extLst>
           </p:cNvPr>
@@ -7292,17 +7274,755 @@
         </p:nvSpPr>
         <p:spPr/>
         <p:txBody>
-          <a:bodyPr/>
-          <a:lstStyle/>
-          <a:p>
-            <a:endParaRPr lang="en-US"/>
+          <a:bodyPr>
+            <a:normAutofit lnSpcReduction="10000"/>
+          </a:bodyPr>
+          <a:lstStyle/>
+          <a:p>
+            <a:pPr>
+              <a:lnSpc>
+                <a:spcPct val="200000"/>
+              </a:lnSpc>
+            </a:pPr>
+            <a:r>
+              <a:rPr lang="en-US" dirty="0"/>
+              <a:t>Almost every NLP textbook is outdated</a:t>
+            </a:r>
+          </a:p>
+          <a:p>
+            <a:pPr>
+              <a:lnSpc>
+                <a:spcPct val="200000"/>
+              </a:lnSpc>
+            </a:pPr>
+            <a:r>
+              <a:rPr lang="en-US" dirty="0"/>
+              <a:t>For the beginners, class with a dedicated textbook is often helpful</a:t>
+            </a:r>
+          </a:p>
+          <a:p>
+            <a:pPr>
+              <a:lnSpc>
+                <a:spcPct val="200000"/>
+              </a:lnSpc>
+            </a:pPr>
+            <a:r>
+              <a:rPr lang="en-US" dirty="0"/>
+              <a:t>The textbook is somewhat chat-bot-application oriented</a:t>
+            </a:r>
+          </a:p>
+          <a:p>
+            <a:pPr lvl="1">
+              <a:lnSpc>
+                <a:spcPct val="200000"/>
+              </a:lnSpc>
+            </a:pPr>
+            <a:r>
+              <a:rPr lang="en-US" dirty="0"/>
+              <a:t>However, most contents are useful</a:t>
+            </a:r>
+          </a:p>
+          <a:p>
+            <a:pPr lvl="1">
+              <a:lnSpc>
+                <a:spcPct val="200000"/>
+              </a:lnSpc>
+            </a:pPr>
+            <a:r>
+              <a:rPr lang="en-US" dirty="0"/>
+              <a:t>Recommend reading the assigned chapters top-to-bottom </a:t>
+            </a:r>
           </a:p>
         </p:txBody>
       </p:sp>
     </p:spTree>
     <p:extLst>
       <p:ext uri="{BB962C8B-B14F-4D97-AF65-F5344CB8AC3E}">
-        <p14:creationId xmlns:p14="http://schemas.microsoft.com/office/powerpoint/2010/main" val="2494927545"/>
+        <p14:creationId xmlns:p14="http://schemas.microsoft.com/office/powerpoint/2010/main" val="2004745932"/>
+      </p:ext>
+    </p:extLst>
+  </p:cSld>
+  <p:clrMapOvr>
+    <a:masterClrMapping/>
+  </p:clrMapOvr>
+</p:sld>
+</file>
+
+<file path=ppt/slides/slide31.xml><?xml version="1.0" encoding="utf-8"?>
+<p:sld xmlns:a="http://schemas.openxmlformats.org/drawingml/2006/main" xmlns:r="http://schemas.openxmlformats.org/officeDocument/2006/relationships" xmlns:p="http://schemas.openxmlformats.org/presentationml/2006/main">
+  <p:cSld>
+    <p:spTree>
+      <p:nvGrpSpPr>
+        <p:cNvPr id="1" name=""/>
+        <p:cNvGrpSpPr/>
+        <p:nvPr/>
+      </p:nvGrpSpPr>
+      <p:grpSpPr>
+        <a:xfrm>
+          <a:off x="0" y="0"/>
+          <a:ext cx="0" cy="0"/>
+          <a:chOff x="0" y="0"/>
+          <a:chExt cx="0" cy="0"/>
+        </a:xfrm>
+      </p:grpSpPr>
+      <p:sp>
+        <p:nvSpPr>
+          <p:cNvPr id="2" name="Title 1">
+            <a:extLst>
+              <a:ext uri="{FF2B5EF4-FFF2-40B4-BE49-F238E27FC236}">
+                <a16:creationId xmlns:a16="http://schemas.microsoft.com/office/drawing/2014/main" id="{9C4AA98E-1C9B-24C7-AC40-4F78E6705B6A}"/>
+              </a:ext>
+            </a:extLst>
+          </p:cNvPr>
+          <p:cNvSpPr>
+            <a:spLocks noGrp="1"/>
+          </p:cNvSpPr>
+          <p:nvPr>
+            <p:ph type="title"/>
+          </p:nvPr>
+        </p:nvSpPr>
+        <p:spPr/>
+        <p:txBody>
+          <a:bodyPr>
+            <a:normAutofit/>
+          </a:bodyPr>
+          <a:lstStyle/>
+          <a:p>
+            <a:r>
+              <a:rPr lang="en-US" sz="4000" b="1" dirty="0"/>
+              <a:t>Class overview</a:t>
+            </a:r>
+          </a:p>
+        </p:txBody>
+      </p:sp>
+      <p:sp>
+        <p:nvSpPr>
+          <p:cNvPr id="3" name="Content Placeholder 2">
+            <a:extLst>
+              <a:ext uri="{FF2B5EF4-FFF2-40B4-BE49-F238E27FC236}">
+                <a16:creationId xmlns:a16="http://schemas.microsoft.com/office/drawing/2014/main" id="{E293A47A-AABD-673F-A6F1-B6701B7900D7}"/>
+              </a:ext>
+            </a:extLst>
+          </p:cNvPr>
+          <p:cNvSpPr>
+            <a:spLocks noGrp="1"/>
+          </p:cNvSpPr>
+          <p:nvPr>
+            <p:ph idx="1"/>
+          </p:nvPr>
+        </p:nvSpPr>
+        <p:spPr/>
+        <p:txBody>
+          <a:bodyPr>
+            <a:normAutofit lnSpcReduction="10000"/>
+          </a:bodyPr>
+          <a:lstStyle/>
+          <a:p>
+            <a:pPr>
+              <a:lnSpc>
+                <a:spcPct val="200000"/>
+              </a:lnSpc>
+            </a:pPr>
+            <a:r>
+              <a:rPr lang="en-US" dirty="0"/>
+              <a:t>Besides an application, we will study Text Representation </a:t>
+            </a:r>
+          </a:p>
+          <a:p>
+            <a:pPr>
+              <a:lnSpc>
+                <a:spcPct val="200000"/>
+              </a:lnSpc>
+            </a:pPr>
+            <a:r>
+              <a:rPr lang="en-US" dirty="0"/>
+              <a:t>The overall theme is to examine how the machine understands text</a:t>
+            </a:r>
+          </a:p>
+          <a:p>
+            <a:pPr>
+              <a:lnSpc>
+                <a:spcPct val="200000"/>
+              </a:lnSpc>
+            </a:pPr>
+            <a:r>
+              <a:rPr lang="en-US" dirty="0"/>
+              <a:t>Roughly two ideas</a:t>
+            </a:r>
+          </a:p>
+          <a:p>
+            <a:pPr lvl="1">
+              <a:lnSpc>
+                <a:spcPct val="200000"/>
+              </a:lnSpc>
+            </a:pPr>
+            <a:r>
+              <a:rPr lang="en-US" dirty="0"/>
+              <a:t>Word counts</a:t>
+            </a:r>
+          </a:p>
+          <a:p>
+            <a:pPr lvl="1">
+              <a:lnSpc>
+                <a:spcPct val="200000"/>
+              </a:lnSpc>
+            </a:pPr>
+            <a:r>
+              <a:rPr lang="en-US" dirty="0"/>
+              <a:t>Locations (distributed representation)</a:t>
+            </a:r>
+          </a:p>
+        </p:txBody>
+      </p:sp>
+    </p:spTree>
+    <p:extLst>
+      <p:ext uri="{BB962C8B-B14F-4D97-AF65-F5344CB8AC3E}">
+        <p14:creationId xmlns:p14="http://schemas.microsoft.com/office/powerpoint/2010/main" val="372539033"/>
+      </p:ext>
+    </p:extLst>
+  </p:cSld>
+  <p:clrMapOvr>
+    <a:masterClrMapping/>
+  </p:clrMapOvr>
+</p:sld>
+</file>
+
+<file path=ppt/slides/slide32.xml><?xml version="1.0" encoding="utf-8"?>
+<p:sld xmlns:a="http://schemas.openxmlformats.org/drawingml/2006/main" xmlns:r="http://schemas.openxmlformats.org/officeDocument/2006/relationships" xmlns:p="http://schemas.openxmlformats.org/presentationml/2006/main">
+  <p:cSld>
+    <p:spTree>
+      <p:nvGrpSpPr>
+        <p:cNvPr id="1" name=""/>
+        <p:cNvGrpSpPr/>
+        <p:nvPr/>
+      </p:nvGrpSpPr>
+      <p:grpSpPr>
+        <a:xfrm>
+          <a:off x="0" y="0"/>
+          <a:ext cx="0" cy="0"/>
+          <a:chOff x="0" y="0"/>
+          <a:chExt cx="0" cy="0"/>
+        </a:xfrm>
+      </p:grpSpPr>
+      <p:sp>
+        <p:nvSpPr>
+          <p:cNvPr id="2" name="Title 1">
+            <a:extLst>
+              <a:ext uri="{FF2B5EF4-FFF2-40B4-BE49-F238E27FC236}">
+                <a16:creationId xmlns:a16="http://schemas.microsoft.com/office/drawing/2014/main" id="{004D8581-F88A-03C1-F6A5-8CE101CE75E7}"/>
+              </a:ext>
+            </a:extLst>
+          </p:cNvPr>
+          <p:cNvSpPr>
+            <a:spLocks noGrp="1"/>
+          </p:cNvSpPr>
+          <p:nvPr>
+            <p:ph type="title"/>
+          </p:nvPr>
+        </p:nvSpPr>
+        <p:spPr/>
+        <p:txBody>
+          <a:bodyPr>
+            <a:normAutofit/>
+          </a:bodyPr>
+          <a:lstStyle/>
+          <a:p>
+            <a:r>
+              <a:rPr lang="en-US" sz="4000" b="1" dirty="0"/>
+              <a:t>Text representation</a:t>
+            </a:r>
+          </a:p>
+        </p:txBody>
+      </p:sp>
+      <p:sp>
+        <p:nvSpPr>
+          <p:cNvPr id="3" name="Content Placeholder 2">
+            <a:extLst>
+              <a:ext uri="{FF2B5EF4-FFF2-40B4-BE49-F238E27FC236}">
+                <a16:creationId xmlns:a16="http://schemas.microsoft.com/office/drawing/2014/main" id="{23FB6E91-5DCE-B38D-ACC0-57F8FBCE5B47}"/>
+              </a:ext>
+            </a:extLst>
+          </p:cNvPr>
+          <p:cNvSpPr>
+            <a:spLocks noGrp="1"/>
+          </p:cNvSpPr>
+          <p:nvPr>
+            <p:ph idx="1"/>
+          </p:nvPr>
+        </p:nvSpPr>
+        <p:spPr/>
+        <p:txBody>
+          <a:bodyPr>
+            <a:normAutofit fontScale="92500" lnSpcReduction="10000"/>
+          </a:bodyPr>
+          <a:lstStyle/>
+          <a:p>
+            <a:pPr>
+              <a:lnSpc>
+                <a:spcPct val="150000"/>
+              </a:lnSpc>
+            </a:pPr>
+            <a:r>
+              <a:rPr lang="en-US" dirty="0"/>
+              <a:t>Consider how to classify the documents</a:t>
+            </a:r>
+          </a:p>
+          <a:p>
+            <a:pPr lvl="1">
+              <a:lnSpc>
+                <a:spcPct val="150000"/>
+              </a:lnSpc>
+            </a:pPr>
+            <a:r>
+              <a:rPr lang="en-US" dirty="0"/>
+              <a:t>Find the most frequent / unique words</a:t>
+            </a:r>
+          </a:p>
+          <a:p>
+            <a:pPr lvl="2">
+              <a:lnSpc>
+                <a:spcPct val="150000"/>
+              </a:lnSpc>
+            </a:pPr>
+            <a:r>
+              <a:rPr lang="en-US" dirty="0"/>
+              <a:t>Surprisingly high accuracy</a:t>
+            </a:r>
+          </a:p>
+          <a:p>
+            <a:pPr lvl="1">
+              <a:lnSpc>
+                <a:spcPct val="150000"/>
+              </a:lnSpc>
+            </a:pPr>
+            <a:r>
+              <a:rPr lang="en-US" dirty="0"/>
+              <a:t>What’s the potential problems?</a:t>
+            </a:r>
+          </a:p>
+          <a:p>
+            <a:pPr lvl="2">
+              <a:lnSpc>
+                <a:spcPct val="150000"/>
+              </a:lnSpc>
+            </a:pPr>
+            <a:r>
+              <a:rPr lang="en-US" dirty="0"/>
+              <a:t>Words have a range of forms</a:t>
+            </a:r>
+          </a:p>
+          <a:p>
+            <a:pPr lvl="2">
+              <a:lnSpc>
+                <a:spcPct val="150000"/>
+              </a:lnSpc>
+            </a:pPr>
+            <a:r>
+              <a:rPr lang="en-US" dirty="0"/>
+              <a:t>Synonym?</a:t>
+            </a:r>
+          </a:p>
+          <a:p>
+            <a:pPr lvl="1">
+              <a:lnSpc>
+                <a:spcPct val="150000"/>
+              </a:lnSpc>
+            </a:pPr>
+            <a:r>
+              <a:rPr lang="en-US" dirty="0"/>
+              <a:t>What does the model mean in NLP?</a:t>
+            </a:r>
+          </a:p>
+          <a:p>
+            <a:pPr lvl="2">
+              <a:lnSpc>
+                <a:spcPct val="150000"/>
+              </a:lnSpc>
+            </a:pPr>
+            <a:r>
+              <a:rPr lang="en-US" dirty="0"/>
+              <a:t>Why do we ever need a neural net?</a:t>
+            </a:r>
+          </a:p>
+          <a:p>
+            <a:pPr lvl="2">
+              <a:lnSpc>
+                <a:spcPct val="150000"/>
+              </a:lnSpc>
+            </a:pPr>
+            <a:endParaRPr lang="en-US" dirty="0"/>
+          </a:p>
+          <a:p>
+            <a:pPr lvl="1">
+              <a:lnSpc>
+                <a:spcPct val="150000"/>
+              </a:lnSpc>
+            </a:pPr>
+            <a:endParaRPr lang="en-US" dirty="0"/>
+          </a:p>
+          <a:p>
+            <a:pPr lvl="1">
+              <a:lnSpc>
+                <a:spcPct val="150000"/>
+              </a:lnSpc>
+            </a:pPr>
+            <a:endParaRPr lang="en-US" dirty="0"/>
+          </a:p>
+        </p:txBody>
+      </p:sp>
+    </p:spTree>
+    <p:extLst>
+      <p:ext uri="{BB962C8B-B14F-4D97-AF65-F5344CB8AC3E}">
+        <p14:creationId xmlns:p14="http://schemas.microsoft.com/office/powerpoint/2010/main" val="679056178"/>
+      </p:ext>
+    </p:extLst>
+  </p:cSld>
+  <p:clrMapOvr>
+    <a:masterClrMapping/>
+  </p:clrMapOvr>
+</p:sld>
+</file>
+
+<file path=ppt/slides/slide33.xml><?xml version="1.0" encoding="utf-8"?>
+<p:sld xmlns:a="http://schemas.openxmlformats.org/drawingml/2006/main" xmlns:r="http://schemas.openxmlformats.org/officeDocument/2006/relationships" xmlns:p="http://schemas.openxmlformats.org/presentationml/2006/main">
+  <p:cSld>
+    <p:spTree>
+      <p:nvGrpSpPr>
+        <p:cNvPr id="1" name=""/>
+        <p:cNvGrpSpPr/>
+        <p:nvPr/>
+      </p:nvGrpSpPr>
+      <p:grpSpPr>
+        <a:xfrm>
+          <a:off x="0" y="0"/>
+          <a:ext cx="0" cy="0"/>
+          <a:chOff x="0" y="0"/>
+          <a:chExt cx="0" cy="0"/>
+        </a:xfrm>
+      </p:grpSpPr>
+      <p:sp>
+        <p:nvSpPr>
+          <p:cNvPr id="2" name="Title 1">
+            <a:extLst>
+              <a:ext uri="{FF2B5EF4-FFF2-40B4-BE49-F238E27FC236}">
+                <a16:creationId xmlns:a16="http://schemas.microsoft.com/office/drawing/2014/main" id="{3E88889F-8A9E-6948-BE06-F7D27BD010D8}"/>
+              </a:ext>
+            </a:extLst>
+          </p:cNvPr>
+          <p:cNvSpPr>
+            <a:spLocks noGrp="1"/>
+          </p:cNvSpPr>
+          <p:nvPr>
+            <p:ph type="title"/>
+          </p:nvPr>
+        </p:nvSpPr>
+        <p:spPr/>
+        <p:txBody>
+          <a:bodyPr>
+            <a:normAutofit/>
+          </a:bodyPr>
+          <a:lstStyle/>
+          <a:p>
+            <a:r>
+              <a:rPr lang="en-US" sz="4000" b="1" dirty="0"/>
+              <a:t>Road Map</a:t>
+            </a:r>
+          </a:p>
+        </p:txBody>
+      </p:sp>
+      <p:sp>
+        <p:nvSpPr>
+          <p:cNvPr id="3" name="Content Placeholder 2">
+            <a:extLst>
+              <a:ext uri="{FF2B5EF4-FFF2-40B4-BE49-F238E27FC236}">
+                <a16:creationId xmlns:a16="http://schemas.microsoft.com/office/drawing/2014/main" id="{5D9015E5-865D-50FD-E6A1-76879F9908F0}"/>
+              </a:ext>
+            </a:extLst>
+          </p:cNvPr>
+          <p:cNvSpPr>
+            <a:spLocks noGrp="1"/>
+          </p:cNvSpPr>
+          <p:nvPr>
+            <p:ph idx="1"/>
+          </p:nvPr>
+        </p:nvSpPr>
+        <p:spPr/>
+        <p:txBody>
+          <a:bodyPr>
+            <a:normAutofit fontScale="77500" lnSpcReduction="20000"/>
+          </a:bodyPr>
+          <a:lstStyle/>
+          <a:p>
+            <a:pPr>
+              <a:lnSpc>
+                <a:spcPct val="150000"/>
+              </a:lnSpc>
+            </a:pPr>
+            <a:r>
+              <a:rPr lang="en-US" dirty="0"/>
+              <a:t>Count-based Text representation</a:t>
+            </a:r>
+          </a:p>
+          <a:p>
+            <a:pPr lvl="1">
+              <a:lnSpc>
+                <a:spcPct val="150000"/>
+              </a:lnSpc>
+            </a:pPr>
+            <a:r>
+              <a:rPr lang="en-US" dirty="0"/>
+              <a:t>Bag-of-words approach</a:t>
+            </a:r>
+          </a:p>
+          <a:p>
+            <a:pPr lvl="1">
+              <a:lnSpc>
+                <a:spcPct val="150000"/>
+              </a:lnSpc>
+            </a:pPr>
+            <a:r>
+              <a:rPr lang="en-US" dirty="0"/>
+              <a:t>Examine tokenizers</a:t>
+            </a:r>
+          </a:p>
+          <a:p>
+            <a:pPr>
+              <a:lnSpc>
+                <a:spcPct val="150000"/>
+              </a:lnSpc>
+            </a:pPr>
+            <a:r>
+              <a:rPr lang="en-US" dirty="0"/>
+              <a:t>Information retrieval </a:t>
+            </a:r>
+          </a:p>
+          <a:p>
+            <a:pPr lvl="1">
+              <a:lnSpc>
+                <a:spcPct val="150000"/>
+              </a:lnSpc>
+            </a:pPr>
+            <a:r>
+              <a:rPr lang="en-US" dirty="0"/>
+              <a:t>TF-IDF</a:t>
+            </a:r>
+          </a:p>
+          <a:p>
+            <a:pPr lvl="1">
+              <a:lnSpc>
+                <a:spcPct val="150000"/>
+              </a:lnSpc>
+            </a:pPr>
+            <a:r>
+              <a:rPr lang="en-US" dirty="0"/>
+              <a:t>PCA analysis</a:t>
+            </a:r>
+          </a:p>
+          <a:p>
+            <a:pPr>
+              <a:lnSpc>
+                <a:spcPct val="150000"/>
+              </a:lnSpc>
+            </a:pPr>
+            <a:r>
+              <a:rPr lang="en-US" dirty="0"/>
+              <a:t>Distributed representation</a:t>
+            </a:r>
+          </a:p>
+          <a:p>
+            <a:pPr lvl="1">
+              <a:lnSpc>
+                <a:spcPct val="150000"/>
+              </a:lnSpc>
+            </a:pPr>
+            <a:r>
+              <a:rPr lang="en-US" dirty="0"/>
+              <a:t>Find a meaning from the word usages</a:t>
+            </a:r>
+          </a:p>
+          <a:p>
+            <a:pPr lvl="2">
+              <a:lnSpc>
+                <a:spcPct val="150000"/>
+              </a:lnSpc>
+            </a:pPr>
+            <a:r>
+              <a:rPr lang="en-US" dirty="0"/>
+              <a:t>Word order matters</a:t>
+            </a:r>
+          </a:p>
+        </p:txBody>
+      </p:sp>
+    </p:spTree>
+    <p:extLst>
+      <p:ext uri="{BB962C8B-B14F-4D97-AF65-F5344CB8AC3E}">
+        <p14:creationId xmlns:p14="http://schemas.microsoft.com/office/powerpoint/2010/main" val="2807062063"/>
+      </p:ext>
+    </p:extLst>
+  </p:cSld>
+  <p:clrMapOvr>
+    <a:masterClrMapping/>
+  </p:clrMapOvr>
+</p:sld>
+</file>
+
+<file path=ppt/slides/slide34.xml><?xml version="1.0" encoding="utf-8"?>
+<p:sld xmlns:a="http://schemas.openxmlformats.org/drawingml/2006/main" xmlns:r="http://schemas.openxmlformats.org/officeDocument/2006/relationships" xmlns:p="http://schemas.openxmlformats.org/presentationml/2006/main">
+  <p:cSld>
+    <p:spTree>
+      <p:nvGrpSpPr>
+        <p:cNvPr id="1" name=""/>
+        <p:cNvGrpSpPr/>
+        <p:nvPr/>
+      </p:nvGrpSpPr>
+      <p:grpSpPr>
+        <a:xfrm>
+          <a:off x="0" y="0"/>
+          <a:ext cx="0" cy="0"/>
+          <a:chOff x="0" y="0"/>
+          <a:chExt cx="0" cy="0"/>
+        </a:xfrm>
+      </p:grpSpPr>
+      <p:sp>
+        <p:nvSpPr>
+          <p:cNvPr id="2" name="Title 1">
+            <a:extLst>
+              <a:ext uri="{FF2B5EF4-FFF2-40B4-BE49-F238E27FC236}">
+                <a16:creationId xmlns:a16="http://schemas.microsoft.com/office/drawing/2014/main" id="{362791E8-8805-79DC-0407-496BEC6BD174}"/>
+              </a:ext>
+            </a:extLst>
+          </p:cNvPr>
+          <p:cNvSpPr>
+            <a:spLocks noGrp="1"/>
+          </p:cNvSpPr>
+          <p:nvPr>
+            <p:ph type="title"/>
+          </p:nvPr>
+        </p:nvSpPr>
+        <p:spPr/>
+        <p:txBody>
+          <a:bodyPr>
+            <a:normAutofit/>
+          </a:bodyPr>
+          <a:lstStyle/>
+          <a:p>
+            <a:r>
+              <a:rPr lang="en-US" sz="4000" b="1" dirty="0"/>
+              <a:t>Google </a:t>
+            </a:r>
+            <a:r>
+              <a:rPr lang="en-US" sz="4000" b="1" dirty="0" err="1"/>
+              <a:t>Colab</a:t>
+            </a:r>
+            <a:endParaRPr lang="en-US" sz="4000" b="1" dirty="0"/>
+          </a:p>
+        </p:txBody>
+      </p:sp>
+      <p:sp>
+        <p:nvSpPr>
+          <p:cNvPr id="3" name="Content Placeholder 2">
+            <a:extLst>
+              <a:ext uri="{FF2B5EF4-FFF2-40B4-BE49-F238E27FC236}">
+                <a16:creationId xmlns:a16="http://schemas.microsoft.com/office/drawing/2014/main" id="{44722CA7-AEDE-DE4E-9D07-195E6A38D3D0}"/>
+              </a:ext>
+            </a:extLst>
+          </p:cNvPr>
+          <p:cNvSpPr>
+            <a:spLocks noGrp="1"/>
+          </p:cNvSpPr>
+          <p:nvPr>
+            <p:ph idx="1"/>
+          </p:nvPr>
+        </p:nvSpPr>
+        <p:spPr/>
+        <p:txBody>
+          <a:bodyPr/>
+          <a:lstStyle/>
+          <a:p>
+            <a:pPr>
+              <a:lnSpc>
+                <a:spcPct val="150000"/>
+              </a:lnSpc>
+            </a:pPr>
+            <a:r>
+              <a:rPr lang="en-US" dirty="0"/>
+              <a:t>Some codes in the textbook are outdated</a:t>
+            </a:r>
+          </a:p>
+          <a:p>
+            <a:pPr lvl="1">
+              <a:lnSpc>
+                <a:spcPct val="150000"/>
+              </a:lnSpc>
+            </a:pPr>
+            <a:r>
+              <a:rPr lang="en-US" dirty="0"/>
+              <a:t>Do not work well</a:t>
+            </a:r>
+          </a:p>
+          <a:p>
+            <a:pPr>
+              <a:lnSpc>
+                <a:spcPct val="150000"/>
+              </a:lnSpc>
+            </a:pPr>
+            <a:r>
+              <a:rPr lang="en-US" dirty="0"/>
+              <a:t>I will post the modified codes on Latte</a:t>
+            </a:r>
+          </a:p>
+          <a:p>
+            <a:pPr>
+              <a:lnSpc>
+                <a:spcPct val="150000"/>
+              </a:lnSpc>
+            </a:pPr>
+            <a:r>
+              <a:rPr lang="en-US" dirty="0"/>
+              <a:t>Use Google </a:t>
+            </a:r>
+            <a:r>
+              <a:rPr lang="en-US" dirty="0" err="1"/>
+              <a:t>Colab</a:t>
+            </a:r>
+            <a:r>
+              <a:rPr lang="en-US" dirty="0"/>
+              <a:t> to run them</a:t>
+            </a:r>
+          </a:p>
+          <a:p>
+            <a:pPr>
+              <a:lnSpc>
+                <a:spcPct val="150000"/>
+              </a:lnSpc>
+            </a:pPr>
+            <a:r>
+              <a:rPr lang="en-US" dirty="0"/>
+              <a:t>Fine to work on your machine if you know how to manage </a:t>
+            </a:r>
+            <a:r>
+              <a:rPr lang="en-US" dirty="0" err="1"/>
+              <a:t>conda</a:t>
+            </a:r>
+            <a:r>
+              <a:rPr lang="en-US" dirty="0"/>
+              <a:t> environment</a:t>
+            </a:r>
+          </a:p>
+          <a:p>
+            <a:pPr>
+              <a:lnSpc>
+                <a:spcPct val="150000"/>
+              </a:lnSpc>
+            </a:pPr>
+            <a:endParaRPr lang="en-US" dirty="0"/>
+          </a:p>
+        </p:txBody>
+      </p:sp>
+    </p:spTree>
+    <p:extLst>
+      <p:ext uri="{BB962C8B-B14F-4D97-AF65-F5344CB8AC3E}">
+        <p14:creationId xmlns:p14="http://schemas.microsoft.com/office/powerpoint/2010/main" val="3393558386"/>
       </p:ext>
     </p:extLst>
   </p:cSld>

--- a/BUS243_NLP/lecture_notes/Lecture1.pptx
+++ b/BUS243_NLP/lecture_notes/Lecture1.pptx
@@ -5,7 +5,7 @@
     <p:sldMasterId id="2147483775" r:id="rId1"/>
   </p:sldMasterIdLst>
   <p:notesMasterIdLst>
-    <p:notesMasterId r:id="rId36"/>
+    <p:notesMasterId r:id="rId35"/>
   </p:notesMasterIdLst>
   <p:sldIdLst>
     <p:sldId id="256" r:id="rId2"/>
@@ -15,33 +15,32 @@
     <p:sldId id="265" r:id="rId6"/>
     <p:sldId id="266" r:id="rId7"/>
     <p:sldId id="258" r:id="rId8"/>
-    <p:sldId id="267" r:id="rId9"/>
-    <p:sldId id="270" r:id="rId10"/>
-    <p:sldId id="271" r:id="rId11"/>
-    <p:sldId id="268" r:id="rId12"/>
-    <p:sldId id="259" r:id="rId13"/>
-    <p:sldId id="269" r:id="rId14"/>
-    <p:sldId id="260" r:id="rId15"/>
-    <p:sldId id="261" r:id="rId16"/>
-    <p:sldId id="272" r:id="rId17"/>
-    <p:sldId id="273" r:id="rId18"/>
-    <p:sldId id="275" r:id="rId19"/>
-    <p:sldId id="276" r:id="rId20"/>
-    <p:sldId id="277" r:id="rId21"/>
-    <p:sldId id="278" r:id="rId22"/>
-    <p:sldId id="279" r:id="rId23"/>
-    <p:sldId id="280" r:id="rId24"/>
-    <p:sldId id="281" r:id="rId25"/>
-    <p:sldId id="282" r:id="rId26"/>
-    <p:sldId id="283" r:id="rId27"/>
-    <p:sldId id="284" r:id="rId28"/>
-    <p:sldId id="285" r:id="rId29"/>
-    <p:sldId id="286" r:id="rId30"/>
-    <p:sldId id="287" r:id="rId31"/>
-    <p:sldId id="288" r:id="rId32"/>
-    <p:sldId id="289" r:id="rId33"/>
-    <p:sldId id="290" r:id="rId34"/>
-    <p:sldId id="291" r:id="rId35"/>
+    <p:sldId id="270" r:id="rId9"/>
+    <p:sldId id="271" r:id="rId10"/>
+    <p:sldId id="268" r:id="rId11"/>
+    <p:sldId id="259" r:id="rId12"/>
+    <p:sldId id="269" r:id="rId13"/>
+    <p:sldId id="260" r:id="rId14"/>
+    <p:sldId id="261" r:id="rId15"/>
+    <p:sldId id="272" r:id="rId16"/>
+    <p:sldId id="273" r:id="rId17"/>
+    <p:sldId id="275" r:id="rId18"/>
+    <p:sldId id="276" r:id="rId19"/>
+    <p:sldId id="277" r:id="rId20"/>
+    <p:sldId id="278" r:id="rId21"/>
+    <p:sldId id="279" r:id="rId22"/>
+    <p:sldId id="280" r:id="rId23"/>
+    <p:sldId id="281" r:id="rId24"/>
+    <p:sldId id="282" r:id="rId25"/>
+    <p:sldId id="283" r:id="rId26"/>
+    <p:sldId id="284" r:id="rId27"/>
+    <p:sldId id="285" r:id="rId28"/>
+    <p:sldId id="286" r:id="rId29"/>
+    <p:sldId id="287" r:id="rId30"/>
+    <p:sldId id="288" r:id="rId31"/>
+    <p:sldId id="289" r:id="rId32"/>
+    <p:sldId id="290" r:id="rId33"/>
+    <p:sldId id="291" r:id="rId34"/>
   </p:sldIdLst>
   <p:sldSz cx="12192000" cy="6858000"/>
   <p:notesSz cx="6858000" cy="9144000"/>
@@ -230,7 +229,7 @@
           <a:p>
             <a:fld id="{6C062D5C-E428-DA43-AA54-C279CF805B17}" type="datetimeFigureOut">
               <a:rPr lang="en-US" smtClean="0"/>
-              <a:t>3/1/23</a:t>
+              <a:t>3/15/23</a:t>
             </a:fld>
             <a:endParaRPr lang="en-US"/>
           </a:p>
@@ -562,7 +561,7 @@
           <a:p>
             <a:fld id="{9318F85B-63EA-4646-99A1-442886E3128D}" type="slidenum">
               <a:rPr lang="en-US" smtClean="0"/>
-              <a:t>18</a:t>
+              <a:t>17</a:t>
             </a:fld>
             <a:endParaRPr lang="en-US"/>
           </a:p>
@@ -730,7 +729,7 @@
             <a:fld id="{3F9AFA87-1417-4992-ABD9-27C3BC8CC883}" type="datetimeFigureOut">
               <a:rPr lang="en-US" smtClean="0"/>
               <a:pPr algn="r"/>
-              <a:t>3/1/23</a:t>
+              <a:t>3/15/23</a:t>
             </a:fld>
             <a:endParaRPr lang="en-US" dirty="0"/>
           </a:p>
@@ -929,7 +928,7 @@
           <a:p>
             <a:fld id="{3F9AFA87-1417-4992-ABD9-27C3BC8CC883}" type="datetimeFigureOut">
               <a:rPr lang="en-US" smtClean="0"/>
-              <a:t>3/1/23</a:t>
+              <a:t>3/15/23</a:t>
             </a:fld>
             <a:endParaRPr lang="en-US"/>
           </a:p>
@@ -1137,7 +1136,7 @@
           <a:p>
             <a:fld id="{3F9AFA87-1417-4992-ABD9-27C3BC8CC883}" type="datetimeFigureOut">
               <a:rPr lang="en-US" smtClean="0"/>
-              <a:t>3/1/23</a:t>
+              <a:t>3/15/23</a:t>
             </a:fld>
             <a:endParaRPr lang="en-US"/>
           </a:p>
@@ -1335,7 +1334,7 @@
           <a:p>
             <a:fld id="{3F9AFA87-1417-4992-ABD9-27C3BC8CC883}" type="datetimeFigureOut">
               <a:rPr lang="en-US" smtClean="0"/>
-              <a:t>3/1/23</a:t>
+              <a:t>3/15/23</a:t>
             </a:fld>
             <a:endParaRPr lang="en-US"/>
           </a:p>
@@ -1610,7 +1609,7 @@
           <a:p>
             <a:fld id="{3F9AFA87-1417-4992-ABD9-27C3BC8CC883}" type="datetimeFigureOut">
               <a:rPr lang="en-US" smtClean="0"/>
-              <a:t>3/1/23</a:t>
+              <a:t>3/15/23</a:t>
             </a:fld>
             <a:endParaRPr lang="en-US"/>
           </a:p>
@@ -1875,7 +1874,7 @@
           <a:p>
             <a:fld id="{3F9AFA87-1417-4992-ABD9-27C3BC8CC883}" type="datetimeFigureOut">
               <a:rPr lang="en-US" smtClean="0"/>
-              <a:t>3/1/23</a:t>
+              <a:t>3/15/23</a:t>
             </a:fld>
             <a:endParaRPr lang="en-US" dirty="0"/>
           </a:p>
@@ -2289,7 +2288,7 @@
             <a:fld id="{3F9AFA87-1417-4992-ABD9-27C3BC8CC883}" type="datetimeFigureOut">
               <a:rPr lang="en-US" smtClean="0"/>
               <a:pPr algn="r"/>
-              <a:t>3/1/23</a:t>
+              <a:t>3/15/23</a:t>
             </a:fld>
             <a:endParaRPr lang="en-US" dirty="0"/>
           </a:p>
@@ -2431,7 +2430,7 @@
           <a:p>
             <a:fld id="{3F9AFA87-1417-4992-ABD9-27C3BC8CC883}" type="datetimeFigureOut">
               <a:rPr lang="en-US" smtClean="0"/>
-              <a:t>3/1/23</a:t>
+              <a:t>3/15/23</a:t>
             </a:fld>
             <a:endParaRPr lang="en-US"/>
           </a:p>
@@ -2544,7 +2543,7 @@
           <a:p>
             <a:fld id="{3F9AFA87-1417-4992-ABD9-27C3BC8CC883}" type="datetimeFigureOut">
               <a:rPr lang="en-US" smtClean="0"/>
-              <a:t>3/1/23</a:t>
+              <a:t>3/15/23</a:t>
             </a:fld>
             <a:endParaRPr lang="en-US"/>
           </a:p>
@@ -2855,7 +2854,7 @@
           <a:p>
             <a:fld id="{3F9AFA87-1417-4992-ABD9-27C3BC8CC883}" type="datetimeFigureOut">
               <a:rPr lang="en-US" smtClean="0"/>
-              <a:t>3/1/23</a:t>
+              <a:t>3/15/23</a:t>
             </a:fld>
             <a:endParaRPr lang="en-US"/>
           </a:p>
@@ -3143,7 +3142,7 @@
           <a:p>
             <a:fld id="{3F9AFA87-1417-4992-ABD9-27C3BC8CC883}" type="datetimeFigureOut">
               <a:rPr lang="en-US" smtClean="0"/>
-              <a:t>3/1/23</a:t>
+              <a:t>3/15/23</a:t>
             </a:fld>
             <a:endParaRPr lang="en-US"/>
           </a:p>
@@ -3386,7 +3385,7 @@
             <a:fld id="{3F9AFA87-1417-4992-ABD9-27C3BC8CC883}" type="datetimeFigureOut">
               <a:rPr lang="en-US" smtClean="0"/>
               <a:pPr algn="r"/>
-              <a:t>3/1/23</a:t>
+              <a:t>3/15/23</a:t>
             </a:fld>
             <a:endParaRPr lang="en-US" dirty="0"/>
           </a:p>
@@ -3970,233 +3969,6 @@
       </p:grpSpPr>
       <p:sp>
         <p:nvSpPr>
-          <p:cNvPr id="2" name="Title 1">
-            <a:extLst>
-              <a:ext uri="{FF2B5EF4-FFF2-40B4-BE49-F238E27FC236}">
-                <a16:creationId xmlns:a16="http://schemas.microsoft.com/office/drawing/2014/main" id="{12435C97-B55D-D962-2511-81596E5C4B59}"/>
-              </a:ext>
-            </a:extLst>
-          </p:cNvPr>
-          <p:cNvSpPr>
-            <a:spLocks noGrp="1"/>
-          </p:cNvSpPr>
-          <p:nvPr>
-            <p:ph type="title"/>
-          </p:nvPr>
-        </p:nvSpPr>
-        <p:spPr/>
-        <p:txBody>
-          <a:bodyPr/>
-          <a:lstStyle/>
-          <a:p>
-            <a:r>
-              <a:rPr lang="en-US" b="1" i="1" dirty="0"/>
-              <a:t>Moneyball (2016)</a:t>
-            </a:r>
-          </a:p>
-        </p:txBody>
-      </p:sp>
-      <p:pic>
-        <p:nvPicPr>
-          <p:cNvPr id="4" name="Online Media 3" descr="Moneyball - It's not that hard">
-            <a:hlinkClick r:id="" action="ppaction://media"/>
-            <a:extLst>
-              <a:ext uri="{FF2B5EF4-FFF2-40B4-BE49-F238E27FC236}">
-                <a16:creationId xmlns:a16="http://schemas.microsoft.com/office/drawing/2014/main" id="{440B2D6B-7671-DB23-6F1A-A21AA922D578}"/>
-              </a:ext>
-            </a:extLst>
-          </p:cNvPr>
-          <p:cNvPicPr>
-            <a:picLocks noGrp="1" noRot="1" noChangeAspect="1"/>
-          </p:cNvPicPr>
-          <p:nvPr>
-            <p:ph idx="1"/>
-            <a:videoFile r:link="rId1"/>
-          </p:nvPr>
-        </p:nvPicPr>
-        <p:blipFill>
-          <a:blip r:embed="rId3"/>
-          <a:stretch>
-            <a:fillRect/>
-          </a:stretch>
-        </p:blipFill>
-        <p:spPr>
-          <a:xfrm>
-            <a:off x="2246313" y="1825625"/>
-            <a:ext cx="7700962" cy="4351338"/>
-          </a:xfrm>
-          <a:prstGeom prst="rect">
-            <a:avLst/>
-          </a:prstGeom>
-        </p:spPr>
-      </p:pic>
-    </p:spTree>
-    <p:extLst>
-      <p:ext uri="{BB962C8B-B14F-4D97-AF65-F5344CB8AC3E}">
-        <p14:creationId xmlns:p14="http://schemas.microsoft.com/office/powerpoint/2010/main" val="3619859076"/>
-      </p:ext>
-    </p:extLst>
-  </p:cSld>
-  <p:clrMapOvr>
-    <a:masterClrMapping/>
-  </p:clrMapOvr>
-  <p:timing>
-    <p:tnLst>
-      <p:par>
-        <p:cTn id="1" dur="indefinite" restart="never" nodeType="tmRoot">
-          <p:childTnLst>
-            <p:seq concurrent="1" nextAc="seek">
-              <p:cTn id="2" dur="indefinite" nodeType="mainSeq">
-                <p:childTnLst>
-                  <p:par>
-                    <p:cTn id="3" fill="hold">
-                      <p:stCondLst>
-                        <p:cond delay="indefinite"/>
-                      </p:stCondLst>
-                      <p:childTnLst>
-                        <p:par>
-                          <p:cTn id="4" fill="hold">
-                            <p:stCondLst>
-                              <p:cond delay="0"/>
-                            </p:stCondLst>
-                            <p:childTnLst>
-                              <p:par>
-                                <p:cTn id="5" presetID="1" presetClass="mediacall" presetSubtype="0" fill="hold" nodeType="clickEffect">
-                                  <p:stCondLst>
-                                    <p:cond delay="0"/>
-                                  </p:stCondLst>
-                                  <p:childTnLst>
-                                    <p:cmd type="call" cmd="playFrom(0.0)">
-                                      <p:cBhvr>
-                                        <p:cTn id="6" dur="1" fill="hold"/>
-                                        <p:tgtEl>
-                                          <p:spTgt spid="4"/>
-                                        </p:tgtEl>
-                                      </p:cBhvr>
-                                    </p:cmd>
-                                  </p:childTnLst>
-                                </p:cTn>
-                              </p:par>
-                            </p:childTnLst>
-                          </p:cTn>
-                        </p:par>
-                      </p:childTnLst>
-                    </p:cTn>
-                  </p:par>
-                </p:childTnLst>
-              </p:cTn>
-              <p:prevCondLst>
-                <p:cond evt="onPrev" delay="0">
-                  <p:tgtEl>
-                    <p:sldTgt/>
-                  </p:tgtEl>
-                </p:cond>
-              </p:prevCondLst>
-              <p:nextCondLst>
-                <p:cond evt="onNext" delay="0">
-                  <p:tgtEl>
-                    <p:sldTgt/>
-                  </p:tgtEl>
-                </p:cond>
-              </p:nextCondLst>
-            </p:seq>
-            <p:video>
-              <p:cMediaNode vol="80000">
-                <p:cTn id="7" fill="hold" display="0">
-                  <p:stCondLst>
-                    <p:cond delay="indefinite"/>
-                  </p:stCondLst>
-                </p:cTn>
-                <p:tgtEl>
-                  <p:spTgt spid="4"/>
-                </p:tgtEl>
-              </p:cMediaNode>
-            </p:video>
-            <p:seq concurrent="1" nextAc="seek">
-              <p:cTn id="8" restart="whenNotActive" fill="hold" evtFilter="cancelBubble" nodeType="interactiveSeq">
-                <p:stCondLst>
-                  <p:cond evt="onClick" delay="0">
-                    <p:tgtEl>
-                      <p:spTgt spid="4"/>
-                    </p:tgtEl>
-                  </p:cond>
-                </p:stCondLst>
-                <p:endSync evt="end" delay="0">
-                  <p:rtn val="all"/>
-                </p:endSync>
-                <p:childTnLst>
-                  <p:par>
-                    <p:cTn id="9" fill="hold">
-                      <p:stCondLst>
-                        <p:cond delay="0"/>
-                      </p:stCondLst>
-                      <p:childTnLst>
-                        <p:par>
-                          <p:cTn id="10" fill="hold">
-                            <p:stCondLst>
-                              <p:cond delay="0"/>
-                            </p:stCondLst>
-                            <p:childTnLst>
-                              <p:par>
-                                <p:cTn id="11" presetID="2" presetClass="mediacall" presetSubtype="0" fill="hold" nodeType="clickEffect">
-                                  <p:stCondLst>
-                                    <p:cond delay="0"/>
-                                  </p:stCondLst>
-                                  <p:childTnLst>
-                                    <p:cmd type="call" cmd="togglePause">
-                                      <p:cBhvr>
-                                        <p:cTn id="12" dur="1" fill="hold"/>
-                                        <p:tgtEl>
-                                          <p:spTgt spid="4"/>
-                                        </p:tgtEl>
-                                      </p:cBhvr>
-                                    </p:cmd>
-                                  </p:childTnLst>
-                                </p:cTn>
-                              </p:par>
-                            </p:childTnLst>
-                          </p:cTn>
-                        </p:par>
-                      </p:childTnLst>
-                    </p:cTn>
-                  </p:par>
-                </p:childTnLst>
-              </p:cTn>
-              <p:nextCondLst>
-                <p:cond evt="onClick" delay="0">
-                  <p:tgtEl>
-                    <p:spTgt spid="4"/>
-                  </p:tgtEl>
-                </p:cond>
-              </p:nextCondLst>
-            </p:seq>
-          </p:childTnLst>
-        </p:cTn>
-      </p:par>
-    </p:tnLst>
-  </p:timing>
-</p:sld>
-</file>
-
-<file path=ppt/slides/slide11.xml><?xml version="1.0" encoding="utf-8"?>
-<p:sld xmlns:a="http://schemas.openxmlformats.org/drawingml/2006/main" xmlns:r="http://schemas.openxmlformats.org/officeDocument/2006/relationships" xmlns:p="http://schemas.openxmlformats.org/presentationml/2006/main">
-  <p:cSld>
-    <p:spTree>
-      <p:nvGrpSpPr>
-        <p:cNvPr id="1" name=""/>
-        <p:cNvGrpSpPr/>
-        <p:nvPr/>
-      </p:nvGrpSpPr>
-      <p:grpSpPr>
-        <a:xfrm>
-          <a:off x="0" y="0"/>
-          <a:ext cx="0" cy="0"/>
-          <a:chOff x="0" y="0"/>
-          <a:chExt cx="0" cy="0"/>
-        </a:xfrm>
-      </p:grpSpPr>
-      <p:sp>
-        <p:nvSpPr>
           <p:cNvPr id="3" name="Content Placeholder 2">
             <a:extLst>
               <a:ext uri="{FF2B5EF4-FFF2-40B4-BE49-F238E27FC236}">
@@ -4246,7 +4018,7 @@
 </p:sld>
 </file>
 
-<file path=ppt/slides/slide12.xml><?xml version="1.0" encoding="utf-8"?>
+<file path=ppt/slides/slide11.xml><?xml version="1.0" encoding="utf-8"?>
 <p:sld xmlns:a="http://schemas.openxmlformats.org/drawingml/2006/main" xmlns:r="http://schemas.openxmlformats.org/officeDocument/2006/relationships" xmlns:p="http://schemas.openxmlformats.org/presentationml/2006/main">
   <p:cSld>
     <p:spTree>
@@ -4339,7 +4111,7 @@
 </p:sld>
 </file>
 
-<file path=ppt/slides/slide13.xml><?xml version="1.0" encoding="utf-8"?>
+<file path=ppt/slides/slide12.xml><?xml version="1.0" encoding="utf-8"?>
 <p:sld xmlns:a="http://schemas.openxmlformats.org/drawingml/2006/main" xmlns:r="http://schemas.openxmlformats.org/officeDocument/2006/relationships" xmlns:p="http://schemas.openxmlformats.org/presentationml/2006/main">
   <p:cSld>
     <p:spTree>
@@ -4432,6 +4204,142 @@
 </p:sld>
 </file>
 
+<file path=ppt/slides/slide13.xml><?xml version="1.0" encoding="utf-8"?>
+<p:sld xmlns:a="http://schemas.openxmlformats.org/drawingml/2006/main" xmlns:r="http://schemas.openxmlformats.org/officeDocument/2006/relationships" xmlns:p="http://schemas.openxmlformats.org/presentationml/2006/main">
+  <p:cSld>
+    <p:spTree>
+      <p:nvGrpSpPr>
+        <p:cNvPr id="1" name=""/>
+        <p:cNvGrpSpPr/>
+        <p:nvPr/>
+      </p:nvGrpSpPr>
+      <p:grpSpPr>
+        <a:xfrm>
+          <a:off x="0" y="0"/>
+          <a:ext cx="0" cy="0"/>
+          <a:chOff x="0" y="0"/>
+          <a:chExt cx="0" cy="0"/>
+        </a:xfrm>
+      </p:grpSpPr>
+      <p:sp>
+        <p:nvSpPr>
+          <p:cNvPr id="2" name="Title 1">
+            <a:extLst>
+              <a:ext uri="{FF2B5EF4-FFF2-40B4-BE49-F238E27FC236}">
+                <a16:creationId xmlns:a16="http://schemas.microsoft.com/office/drawing/2014/main" id="{0781185C-3ABC-2FB0-EE98-A9DC08F7C70B}"/>
+              </a:ext>
+            </a:extLst>
+          </p:cNvPr>
+          <p:cNvSpPr>
+            <a:spLocks noGrp="1"/>
+          </p:cNvSpPr>
+          <p:nvPr>
+            <p:ph type="title"/>
+          </p:nvPr>
+        </p:nvSpPr>
+        <p:spPr/>
+        <p:txBody>
+          <a:bodyPr>
+            <a:normAutofit/>
+          </a:bodyPr>
+          <a:lstStyle/>
+          <a:p>
+            <a:r>
+              <a:rPr lang="en-US" sz="4000" b="1" dirty="0"/>
+              <a:t>What is natural language processing (NLP)?</a:t>
+            </a:r>
+          </a:p>
+        </p:txBody>
+      </p:sp>
+      <p:sp>
+        <p:nvSpPr>
+          <p:cNvPr id="3" name="Content Placeholder 2">
+            <a:extLst>
+              <a:ext uri="{FF2B5EF4-FFF2-40B4-BE49-F238E27FC236}">
+                <a16:creationId xmlns:a16="http://schemas.microsoft.com/office/drawing/2014/main" id="{376C009E-1FF8-AA1F-C2A3-82B1D3380827}"/>
+              </a:ext>
+            </a:extLst>
+          </p:cNvPr>
+          <p:cNvSpPr>
+            <a:spLocks noGrp="1"/>
+          </p:cNvSpPr>
+          <p:nvPr>
+            <p:ph idx="1"/>
+          </p:nvPr>
+        </p:nvSpPr>
+        <p:spPr/>
+        <p:txBody>
+          <a:bodyPr>
+            <a:normAutofit fontScale="92500" lnSpcReduction="10000"/>
+          </a:bodyPr>
+          <a:lstStyle/>
+          <a:p>
+            <a:pPr>
+              <a:lnSpc>
+                <a:spcPct val="150000"/>
+              </a:lnSpc>
+            </a:pPr>
+            <a:r>
+              <a:rPr lang="en-US" dirty="0"/>
+              <a:t>NLP is a principled approach to processing human language</a:t>
+            </a:r>
+          </a:p>
+          <a:p>
+            <a:pPr>
+              <a:lnSpc>
+                <a:spcPct val="150000"/>
+              </a:lnSpc>
+            </a:pPr>
+            <a:r>
+              <a:rPr lang="en-US" dirty="0"/>
+              <a:t>Formally, it is a subfield of artificial intelligence (AI) that refers to computational approaches to process, understand, and generate human language</a:t>
+            </a:r>
+          </a:p>
+          <a:p>
+            <a:pPr lvl="1">
+              <a:lnSpc>
+                <a:spcPct val="150000"/>
+              </a:lnSpc>
+            </a:pPr>
+            <a:r>
+              <a:rPr lang="en-US" dirty="0"/>
+              <a:t>language processing is considered a huge part of human intelligence</a:t>
+            </a:r>
+          </a:p>
+          <a:p>
+            <a:pPr>
+              <a:lnSpc>
+                <a:spcPct val="150000"/>
+              </a:lnSpc>
+            </a:pPr>
+            <a:r>
+              <a:rPr lang="en-US" dirty="0"/>
+              <a:t>It might indicate a range of algorithms taking human-produced text as an input and producing some useful information</a:t>
+            </a:r>
+          </a:p>
+          <a:p>
+            <a:pPr lvl="1">
+              <a:lnSpc>
+                <a:spcPct val="150000"/>
+              </a:lnSpc>
+            </a:pPr>
+            <a:endParaRPr lang="en-US" dirty="0"/>
+          </a:p>
+        </p:txBody>
+      </p:sp>
+    </p:spTree>
+    <p:extLst>
+      <p:ext uri="{BB962C8B-B14F-4D97-AF65-F5344CB8AC3E}">
+        <p14:creationId xmlns:p14="http://schemas.microsoft.com/office/powerpoint/2010/main" val="2480765862"/>
+      </p:ext>
+    </p:extLst>
+  </p:cSld>
+  <p:clrMapOvr>
+    <a:masterClrMapping/>
+  </p:clrMapOvr>
+</p:sld>
+</file>
+
 <file path=ppt/slides/slide14.xml><?xml version="1.0" encoding="utf-8"?>
 <p:sld xmlns:a="http://schemas.openxmlformats.org/drawingml/2006/main" xmlns:r="http://schemas.openxmlformats.org/officeDocument/2006/relationships" xmlns:p="http://schemas.openxmlformats.org/presentationml/2006/main">
   <p:cSld>
@@ -4454,7 +4362,7 @@
           <p:cNvPr id="2" name="Title 1">
             <a:extLst>
               <a:ext uri="{FF2B5EF4-FFF2-40B4-BE49-F238E27FC236}">
-                <a16:creationId xmlns:a16="http://schemas.microsoft.com/office/drawing/2014/main" id="{0781185C-3ABC-2FB0-EE98-A9DC08F7C70B}"/>
+                <a16:creationId xmlns:a16="http://schemas.microsoft.com/office/drawing/2014/main" id="{FFF505D5-E99B-0C75-8E55-29958325EBBD}"/>
               </a:ext>
             </a:extLst>
           </p:cNvPr>
@@ -4474,7 +4382,7 @@
           <a:p>
             <a:r>
               <a:rPr lang="en-US" sz="4000" b="1" dirty="0"/>
-              <a:t>What is natural language processing (NLP)?</a:t>
+              <a:t>What does it mean for a language to be natural?</a:t>
             </a:r>
           </a:p>
         </p:txBody>
@@ -4484,7 +4392,7 @@
           <p:cNvPr id="3" name="Content Placeholder 2">
             <a:extLst>
               <a:ext uri="{FF2B5EF4-FFF2-40B4-BE49-F238E27FC236}">
-                <a16:creationId xmlns:a16="http://schemas.microsoft.com/office/drawing/2014/main" id="{376C009E-1FF8-AA1F-C2A3-82B1D3380827}"/>
+                <a16:creationId xmlns:a16="http://schemas.microsoft.com/office/drawing/2014/main" id="{52C61634-0BE6-079C-8C87-C758DB845B92}"/>
               </a:ext>
             </a:extLst>
           </p:cNvPr>
@@ -4497,9 +4405,7 @@
         </p:nvSpPr>
         <p:spPr/>
         <p:txBody>
-          <a:bodyPr>
-            <a:normAutofit fontScale="92500" lnSpcReduction="10000"/>
-          </a:bodyPr>
+          <a:bodyPr/>
           <a:lstStyle/>
           <a:p>
             <a:pPr>
@@ -4509,7 +4415,40 @@
             </a:pPr>
             <a:r>
               <a:rPr lang="en-US" dirty="0"/>
-              <a:t>NLP is a principled approach to processing human language</a:t>
+              <a:t>You might wonder</a:t>
+            </a:r>
+          </a:p>
+          <a:p>
+            <a:pPr lvl="1">
+              <a:lnSpc>
+                <a:spcPct val="150000"/>
+              </a:lnSpc>
+            </a:pPr>
+            <a:r>
+              <a:rPr lang="en-US" dirty="0"/>
+              <a:t>Are there any unnatural languages?</a:t>
+            </a:r>
+          </a:p>
+          <a:p>
+            <a:pPr lvl="1">
+              <a:lnSpc>
+                <a:spcPct val="150000"/>
+              </a:lnSpc>
+            </a:pPr>
+            <a:r>
+              <a:rPr lang="en-US" dirty="0"/>
+              <a:t>Is English natural?</a:t>
+            </a:r>
+          </a:p>
+          <a:p>
+            <a:pPr lvl="1">
+              <a:lnSpc>
+                <a:spcPct val="150000"/>
+              </a:lnSpc>
+            </a:pPr>
+            <a:r>
+              <a:rPr lang="en-US" dirty="0"/>
+              <a:t>Is Spanish more natural than Korean?</a:t>
             </a:r>
           </a:p>
           <a:p>
@@ -4520,7 +4459,7 @@
             </a:pPr>
             <a:r>
               <a:rPr lang="en-US" dirty="0"/>
-              <a:t>Formally, it is a subfield of artificial intelligence (AI) that refers to computational approaches to process, understand, and generate human language</a:t>
+              <a:t>Another tricky term is a formal language</a:t>
             </a:r>
           </a:p>
           <a:p>
@@ -4531,25 +4470,15 @@
             </a:pPr>
             <a:r>
               <a:rPr lang="en-US" dirty="0"/>
-              <a:t>language processing is considered a huge part of human intelligence</a:t>
-            </a:r>
-          </a:p>
-          <a:p>
-            <a:pPr>
+              <a:t>Is English formal?</a:t>
+            </a:r>
+          </a:p>
+          <a:p>
+            <a:pPr marL="457200" lvl="1" indent="0">
               <a:lnSpc>
                 <a:spcPct val="150000"/>
               </a:lnSpc>
-            </a:pPr>
-            <a:r>
-              <a:rPr lang="en-US" dirty="0"/>
-              <a:t>It might indicate a range of algorithms taking human-produced text as an input and producing some useful information</a:t>
-            </a:r>
-          </a:p>
-          <a:p>
-            <a:pPr lvl="1">
-              <a:lnSpc>
-                <a:spcPct val="150000"/>
-              </a:lnSpc>
+              <a:buNone/>
             </a:pPr>
             <a:endParaRPr lang="en-US" dirty="0"/>
           </a:p>
@@ -4558,7 +4487,7 @@
     </p:spTree>
     <p:extLst>
       <p:ext uri="{BB962C8B-B14F-4D97-AF65-F5344CB8AC3E}">
-        <p14:creationId xmlns:p14="http://schemas.microsoft.com/office/powerpoint/2010/main" val="2480765862"/>
+        <p14:creationId xmlns:p14="http://schemas.microsoft.com/office/powerpoint/2010/main" val="3309278172"/>
       </p:ext>
     </p:extLst>
   </p:cSld>
@@ -4590,7 +4519,7 @@
           <p:cNvPr id="2" name="Title 1">
             <a:extLst>
               <a:ext uri="{FF2B5EF4-FFF2-40B4-BE49-F238E27FC236}">
-                <a16:creationId xmlns:a16="http://schemas.microsoft.com/office/drawing/2014/main" id="{FFF505D5-E99B-0C75-8E55-29958325EBBD}"/>
+                <a16:creationId xmlns:a16="http://schemas.microsoft.com/office/drawing/2014/main" id="{C8402AAA-E503-498C-56D3-2B71DCAF8D8C}"/>
               </a:ext>
             </a:extLst>
           </p:cNvPr>
@@ -4610,7 +4539,7 @@
           <a:p>
             <a:r>
               <a:rPr lang="en-US" sz="4000" b="1" dirty="0"/>
-              <a:t>What does it mean for a language to be natural?</a:t>
+              <a:t>Natural vs. Formal</a:t>
             </a:r>
           </a:p>
         </p:txBody>
@@ -4620,7 +4549,7 @@
           <p:cNvPr id="3" name="Content Placeholder 2">
             <a:extLst>
               <a:ext uri="{FF2B5EF4-FFF2-40B4-BE49-F238E27FC236}">
-                <a16:creationId xmlns:a16="http://schemas.microsoft.com/office/drawing/2014/main" id="{52C61634-0BE6-079C-8C87-C758DB845B92}"/>
+                <a16:creationId xmlns:a16="http://schemas.microsoft.com/office/drawing/2014/main" id="{B67135A9-2081-A7DE-C867-5B3593786AAF}"/>
               </a:ext>
             </a:extLst>
           </p:cNvPr>
@@ -4633,89 +4562,101 @@
         </p:nvSpPr>
         <p:spPr/>
         <p:txBody>
-          <a:bodyPr/>
+          <a:bodyPr>
+            <a:normAutofit fontScale="77500" lnSpcReduction="20000"/>
+          </a:bodyPr>
           <a:lstStyle/>
           <a:p>
             <a:pPr>
               <a:lnSpc>
-                <a:spcPct val="150000"/>
-              </a:lnSpc>
-            </a:pPr>
-            <a:r>
-              <a:rPr lang="en-US" dirty="0"/>
-              <a:t>You might wonder</a:t>
+                <a:spcPct val="160000"/>
+              </a:lnSpc>
+            </a:pPr>
+            <a:r>
+              <a:rPr lang="en-US" dirty="0"/>
+              <a:t>The word </a:t>
+            </a:r>
+            <a:r>
+              <a:rPr lang="en-US" i="1" dirty="0"/>
+              <a:t>natural</a:t>
+            </a:r>
+            <a:r>
+              <a:rPr lang="en-US" dirty="0"/>
+              <a:t> is used to contrast natural languages with formal languages</a:t>
             </a:r>
           </a:p>
           <a:p>
             <a:pPr lvl="1">
               <a:lnSpc>
-                <a:spcPct val="150000"/>
-              </a:lnSpc>
-            </a:pPr>
-            <a:r>
-              <a:rPr lang="en-US" dirty="0"/>
-              <a:t>Are there any unnatural languages?</a:t>
+                <a:spcPct val="160000"/>
+              </a:lnSpc>
+            </a:pPr>
+            <a:r>
+              <a:rPr lang="en-US" dirty="0"/>
+              <a:t>all the languages humans speak are natural</a:t>
+            </a:r>
+          </a:p>
+          <a:p>
+            <a:pPr>
+              <a:lnSpc>
+                <a:spcPct val="160000"/>
+              </a:lnSpc>
+            </a:pPr>
+            <a:r>
+              <a:rPr lang="en-US" dirty="0"/>
+              <a:t>On the other hand, formal languages are types of languages that are invented by humans</a:t>
             </a:r>
           </a:p>
           <a:p>
             <a:pPr lvl="1">
               <a:lnSpc>
-                <a:spcPct val="150000"/>
-              </a:lnSpc>
-            </a:pPr>
-            <a:r>
-              <a:rPr lang="en-US" dirty="0"/>
-              <a:t>Is English natural?</a:t>
+                <a:spcPct val="160000"/>
+              </a:lnSpc>
+            </a:pPr>
+            <a:r>
+              <a:rPr lang="en-US" dirty="0"/>
+              <a:t>Have strictly and explicitly defined syntax (grammatical rules) and semantics (meaning)</a:t>
             </a:r>
           </a:p>
           <a:p>
             <a:pPr lvl="1">
               <a:lnSpc>
-                <a:spcPct val="150000"/>
-              </a:lnSpc>
-            </a:pPr>
-            <a:r>
-              <a:rPr lang="en-US" dirty="0"/>
-              <a:t>Is Spanish more natural than Korean?</a:t>
-            </a:r>
-          </a:p>
-          <a:p>
-            <a:pPr>
-              <a:lnSpc>
-                <a:spcPct val="150000"/>
-              </a:lnSpc>
-            </a:pPr>
-            <a:r>
-              <a:rPr lang="en-US" dirty="0"/>
-              <a:t>Another tricky term is a formal language</a:t>
+                <a:spcPct val="160000"/>
+              </a:lnSpc>
+            </a:pPr>
+            <a:r>
+              <a:rPr lang="en-US" dirty="0"/>
+              <a:t>Programming languages are examples</a:t>
             </a:r>
           </a:p>
           <a:p>
             <a:pPr lvl="1">
               <a:lnSpc>
-                <a:spcPct val="150000"/>
-              </a:lnSpc>
-            </a:pPr>
-            <a:r>
-              <a:rPr lang="en-US" dirty="0"/>
-              <a:t>Is English formal?</a:t>
-            </a:r>
-          </a:p>
-          <a:p>
-            <a:pPr marL="457200" lvl="1" indent="0">
-              <a:lnSpc>
-                <a:spcPct val="150000"/>
-              </a:lnSpc>
-              <a:buNone/>
-            </a:pPr>
-            <a:endParaRPr lang="en-US" dirty="0"/>
+                <a:spcPct val="160000"/>
+              </a:lnSpc>
+            </a:pPr>
+            <a:r>
+              <a:rPr lang="en-US" dirty="0"/>
+              <a:t>When you run a compiler or an interpreter on the code you write in those languages, you either get a syntax error or not</a:t>
+            </a:r>
+          </a:p>
+          <a:p>
+            <a:pPr lvl="1">
+              <a:lnSpc>
+                <a:spcPct val="160000"/>
+              </a:lnSpc>
+            </a:pPr>
+            <a:r>
+              <a:rPr lang="en-US" dirty="0"/>
+              <a:t>the behavior of your program is always the same if it’s run on the same code</a:t>
+            </a:r>
           </a:p>
         </p:txBody>
       </p:sp>
     </p:spTree>
     <p:extLst>
       <p:ext uri="{BB962C8B-B14F-4D97-AF65-F5344CB8AC3E}">
-        <p14:creationId xmlns:p14="http://schemas.microsoft.com/office/powerpoint/2010/main" val="3309278172"/>
+        <p14:creationId xmlns:p14="http://schemas.microsoft.com/office/powerpoint/2010/main" val="378400150"/>
       </p:ext>
     </p:extLst>
   </p:cSld>
@@ -4767,175 +4708,6 @@
           <a:p>
             <a:r>
               <a:rPr lang="en-US" sz="4000" b="1" dirty="0"/>
-              <a:t>Natural vs. Formal</a:t>
-            </a:r>
-          </a:p>
-        </p:txBody>
-      </p:sp>
-      <p:sp>
-        <p:nvSpPr>
-          <p:cNvPr id="3" name="Content Placeholder 2">
-            <a:extLst>
-              <a:ext uri="{FF2B5EF4-FFF2-40B4-BE49-F238E27FC236}">
-                <a16:creationId xmlns:a16="http://schemas.microsoft.com/office/drawing/2014/main" id="{B67135A9-2081-A7DE-C867-5B3593786AAF}"/>
-              </a:ext>
-            </a:extLst>
-          </p:cNvPr>
-          <p:cNvSpPr>
-            <a:spLocks noGrp="1"/>
-          </p:cNvSpPr>
-          <p:nvPr>
-            <p:ph idx="1"/>
-          </p:nvPr>
-        </p:nvSpPr>
-        <p:spPr/>
-        <p:txBody>
-          <a:bodyPr>
-            <a:normAutofit fontScale="77500" lnSpcReduction="20000"/>
-          </a:bodyPr>
-          <a:lstStyle/>
-          <a:p>
-            <a:pPr>
-              <a:lnSpc>
-                <a:spcPct val="160000"/>
-              </a:lnSpc>
-            </a:pPr>
-            <a:r>
-              <a:rPr lang="en-US" dirty="0"/>
-              <a:t>The word </a:t>
-            </a:r>
-            <a:r>
-              <a:rPr lang="en-US" i="1" dirty="0"/>
-              <a:t>natural</a:t>
-            </a:r>
-            <a:r>
-              <a:rPr lang="en-US" dirty="0"/>
-              <a:t> is used to contrast natural languages with formal languages</a:t>
-            </a:r>
-          </a:p>
-          <a:p>
-            <a:pPr lvl="1">
-              <a:lnSpc>
-                <a:spcPct val="160000"/>
-              </a:lnSpc>
-            </a:pPr>
-            <a:r>
-              <a:rPr lang="en-US" dirty="0"/>
-              <a:t>all the languages humans speak are natural</a:t>
-            </a:r>
-          </a:p>
-          <a:p>
-            <a:pPr>
-              <a:lnSpc>
-                <a:spcPct val="160000"/>
-              </a:lnSpc>
-            </a:pPr>
-            <a:r>
-              <a:rPr lang="en-US" dirty="0"/>
-              <a:t>On the other hand, formal languages are types of languages that are invented by humans</a:t>
-            </a:r>
-          </a:p>
-          <a:p>
-            <a:pPr lvl="1">
-              <a:lnSpc>
-                <a:spcPct val="160000"/>
-              </a:lnSpc>
-            </a:pPr>
-            <a:r>
-              <a:rPr lang="en-US" dirty="0"/>
-              <a:t>Have strictly and explicitly defined syntax (grammatical rules) and semantics (meaning)</a:t>
-            </a:r>
-          </a:p>
-          <a:p>
-            <a:pPr lvl="1">
-              <a:lnSpc>
-                <a:spcPct val="160000"/>
-              </a:lnSpc>
-            </a:pPr>
-            <a:r>
-              <a:rPr lang="en-US" dirty="0"/>
-              <a:t>Programming languages are examples</a:t>
-            </a:r>
-          </a:p>
-          <a:p>
-            <a:pPr lvl="1">
-              <a:lnSpc>
-                <a:spcPct val="160000"/>
-              </a:lnSpc>
-            </a:pPr>
-            <a:r>
-              <a:rPr lang="en-US" dirty="0"/>
-              <a:t>When you run a compiler or an interpreter on the code you write in those languages, you either get a syntax error or not</a:t>
-            </a:r>
-          </a:p>
-          <a:p>
-            <a:pPr lvl="1">
-              <a:lnSpc>
-                <a:spcPct val="160000"/>
-              </a:lnSpc>
-            </a:pPr>
-            <a:r>
-              <a:rPr lang="en-US" dirty="0"/>
-              <a:t>the behavior of your program is always the same if it’s run on the same code</a:t>
-            </a:r>
-          </a:p>
-        </p:txBody>
-      </p:sp>
-    </p:spTree>
-    <p:extLst>
-      <p:ext uri="{BB962C8B-B14F-4D97-AF65-F5344CB8AC3E}">
-        <p14:creationId xmlns:p14="http://schemas.microsoft.com/office/powerpoint/2010/main" val="378400150"/>
-      </p:ext>
-    </p:extLst>
-  </p:cSld>
-  <p:clrMapOvr>
-    <a:masterClrMapping/>
-  </p:clrMapOvr>
-</p:sld>
-</file>
-
-<file path=ppt/slides/slide17.xml><?xml version="1.0" encoding="utf-8"?>
-<p:sld xmlns:a="http://schemas.openxmlformats.org/drawingml/2006/main" xmlns:r="http://schemas.openxmlformats.org/officeDocument/2006/relationships" xmlns:p="http://schemas.openxmlformats.org/presentationml/2006/main">
-  <p:cSld>
-    <p:spTree>
-      <p:nvGrpSpPr>
-        <p:cNvPr id="1" name=""/>
-        <p:cNvGrpSpPr/>
-        <p:nvPr/>
-      </p:nvGrpSpPr>
-      <p:grpSpPr>
-        <a:xfrm>
-          <a:off x="0" y="0"/>
-          <a:ext cx="0" cy="0"/>
-          <a:chOff x="0" y="0"/>
-          <a:chExt cx="0" cy="0"/>
-        </a:xfrm>
-      </p:grpSpPr>
-      <p:sp>
-        <p:nvSpPr>
-          <p:cNvPr id="2" name="Title 1">
-            <a:extLst>
-              <a:ext uri="{FF2B5EF4-FFF2-40B4-BE49-F238E27FC236}">
-                <a16:creationId xmlns:a16="http://schemas.microsoft.com/office/drawing/2014/main" id="{C8402AAA-E503-498C-56D3-2B71DCAF8D8C}"/>
-              </a:ext>
-            </a:extLst>
-          </p:cNvPr>
-          <p:cNvSpPr>
-            <a:spLocks noGrp="1"/>
-          </p:cNvSpPr>
-          <p:nvPr>
-            <p:ph type="title"/>
-          </p:nvPr>
-        </p:nvSpPr>
-        <p:spPr/>
-        <p:txBody>
-          <a:bodyPr>
-            <a:normAutofit/>
-          </a:bodyPr>
-          <a:lstStyle/>
-          <a:p>
-            <a:r>
-              <a:rPr lang="en-US" sz="4000" b="1" dirty="0"/>
               <a:t>Natural language is hardly formal</a:t>
             </a:r>
           </a:p>
@@ -5049,7 +4821,7 @@
 </p:sld>
 </file>
 
-<file path=ppt/slides/slide18.xml><?xml version="1.0" encoding="utf-8"?>
+<file path=ppt/slides/slide17.xml><?xml version="1.0" encoding="utf-8"?>
 <p:sld xmlns:a="http://schemas.openxmlformats.org/drawingml/2006/main" xmlns:r="http://schemas.openxmlformats.org/officeDocument/2006/relationships" xmlns:p="http://schemas.openxmlformats.org/presentationml/2006/main">
   <p:cSld>
     <p:spTree>
@@ -5312,6 +5084,156 @@
 </p:sld>
 </file>
 
+<file path=ppt/slides/slide18.xml><?xml version="1.0" encoding="utf-8"?>
+<p:sld xmlns:a="http://schemas.openxmlformats.org/drawingml/2006/main" xmlns:r="http://schemas.openxmlformats.org/officeDocument/2006/relationships" xmlns:p="http://schemas.openxmlformats.org/presentationml/2006/main">
+  <p:cSld>
+    <p:spTree>
+      <p:nvGrpSpPr>
+        <p:cNvPr id="1" name=""/>
+        <p:cNvGrpSpPr/>
+        <p:nvPr/>
+      </p:nvGrpSpPr>
+      <p:grpSpPr>
+        <a:xfrm>
+          <a:off x="0" y="0"/>
+          <a:ext cx="0" cy="0"/>
+          <a:chOff x="0" y="0"/>
+          <a:chExt cx="0" cy="0"/>
+        </a:xfrm>
+      </p:grpSpPr>
+      <p:sp>
+        <p:nvSpPr>
+          <p:cNvPr id="2" name="Title 1">
+            <a:extLst>
+              <a:ext uri="{FF2B5EF4-FFF2-40B4-BE49-F238E27FC236}">
+                <a16:creationId xmlns:a16="http://schemas.microsoft.com/office/drawing/2014/main" id="{4EBACA5D-2ADE-17CE-16FD-6E5F32675C10}"/>
+              </a:ext>
+            </a:extLst>
+          </p:cNvPr>
+          <p:cNvSpPr>
+            <a:spLocks noGrp="1"/>
+          </p:cNvSpPr>
+          <p:nvPr>
+            <p:ph type="title"/>
+          </p:nvPr>
+        </p:nvSpPr>
+        <p:spPr/>
+        <p:txBody>
+          <a:bodyPr>
+            <a:normAutofit/>
+          </a:bodyPr>
+          <a:lstStyle/>
+          <a:p>
+            <a:r>
+              <a:rPr lang="en-US" sz="4000" b="1" dirty="0"/>
+              <a:t>Source of ambiguity</a:t>
+            </a:r>
+          </a:p>
+        </p:txBody>
+      </p:sp>
+      <p:sp>
+        <p:nvSpPr>
+          <p:cNvPr id="3" name="Content Placeholder 2">
+            <a:extLst>
+              <a:ext uri="{FF2B5EF4-FFF2-40B4-BE49-F238E27FC236}">
+                <a16:creationId xmlns:a16="http://schemas.microsoft.com/office/drawing/2014/main" id="{EFF5FEA4-18D7-77B8-6169-0A8B76E65988}"/>
+              </a:ext>
+            </a:extLst>
+          </p:cNvPr>
+          <p:cNvSpPr>
+            <a:spLocks noGrp="1"/>
+          </p:cNvSpPr>
+          <p:nvPr>
+            <p:ph idx="1"/>
+          </p:nvPr>
+        </p:nvSpPr>
+        <p:spPr/>
+        <p:txBody>
+          <a:bodyPr/>
+          <a:lstStyle/>
+          <a:p>
+            <a:r>
+              <a:rPr lang="en-US" dirty="0"/>
+              <a:t>Confused because you don’t know what “with a telescope” is about</a:t>
+            </a:r>
+          </a:p>
+          <a:p>
+            <a:pPr lvl="1"/>
+            <a:r>
+              <a:rPr lang="en-US" dirty="0"/>
+              <a:t>Don’t know what this prepositional phrase (PP) modifies</a:t>
+            </a:r>
+          </a:p>
+          <a:p>
+            <a:pPr lvl="1"/>
+            <a:r>
+              <a:rPr lang="en-US" dirty="0"/>
+              <a:t>PP-attachment problem is a classic example of </a:t>
+            </a:r>
+            <a:r>
+              <a:rPr lang="en-US" i="1" dirty="0"/>
+              <a:t>syntactic ambiguity</a:t>
+            </a:r>
+          </a:p>
+          <a:p>
+            <a:r>
+              <a:rPr lang="en-US" dirty="0"/>
+              <a:t>A syntactically ambiguous sentence has more than one interpretation of how the sentence is structured</a:t>
+            </a:r>
+          </a:p>
+          <a:p>
+            <a:pPr lvl="1"/>
+            <a:r>
+              <a:rPr lang="en-US" dirty="0"/>
+              <a:t>interpret the sentence in multiple ways</a:t>
+            </a:r>
+          </a:p>
+          <a:p>
+            <a:r>
+              <a:rPr lang="en-US" dirty="0"/>
+              <a:t>Another type is </a:t>
+            </a:r>
+            <a:r>
+              <a:rPr lang="en-US" i="1" dirty="0"/>
+              <a:t>semantic ambiguity</a:t>
+            </a:r>
+          </a:p>
+          <a:p>
+            <a:pPr lvl="1"/>
+            <a:r>
+              <a:rPr lang="en-US" i="1" dirty="0"/>
+              <a:t>I saw a bat</a:t>
+            </a:r>
+          </a:p>
+          <a:p>
+            <a:pPr lvl="1"/>
+            <a:r>
+              <a:rPr lang="en-US" dirty="0"/>
+              <a:t>Meaning of a word is ambiguous, not its structure</a:t>
+            </a:r>
+          </a:p>
+          <a:p>
+            <a:pPr lvl="2"/>
+            <a:r>
+              <a:rPr lang="en-US" dirty="0"/>
+              <a:t>Unless you are brutal enough</a:t>
+            </a:r>
+          </a:p>
+        </p:txBody>
+      </p:sp>
+    </p:spTree>
+    <p:extLst>
+      <p:ext uri="{BB962C8B-B14F-4D97-AF65-F5344CB8AC3E}">
+        <p14:creationId xmlns:p14="http://schemas.microsoft.com/office/powerpoint/2010/main" val="2064979328"/>
+      </p:ext>
+    </p:extLst>
+  </p:cSld>
+  <p:clrMapOvr>
+    <a:masterClrMapping/>
+  </p:clrMapOvr>
+</p:sld>
+</file>
+
 <file path=ppt/slides/slide19.xml><?xml version="1.0" encoding="utf-8"?>
 <p:sld xmlns:a="http://schemas.openxmlformats.org/drawingml/2006/main" xmlns:r="http://schemas.openxmlformats.org/officeDocument/2006/relationships" xmlns:p="http://schemas.openxmlformats.org/presentationml/2006/main">
   <p:cSld>
@@ -5334,7 +5256,7 @@
           <p:cNvPr id="2" name="Title 1">
             <a:extLst>
               <a:ext uri="{FF2B5EF4-FFF2-40B4-BE49-F238E27FC236}">
-                <a16:creationId xmlns:a16="http://schemas.microsoft.com/office/drawing/2014/main" id="{4EBACA5D-2ADE-17CE-16FD-6E5F32675C10}"/>
+                <a16:creationId xmlns:a16="http://schemas.microsoft.com/office/drawing/2014/main" id="{21D35127-F8BD-9230-7B10-C421F2B8E835}"/>
               </a:ext>
             </a:extLst>
           </p:cNvPr>
@@ -5354,7 +5276,7 @@
           <a:p>
             <a:r>
               <a:rPr lang="en-US" sz="4000" b="1" dirty="0"/>
-              <a:t>Source of ambiguity</a:t>
+              <a:t>Welcome Remark</a:t>
             </a:r>
           </a:p>
         </p:txBody>
@@ -5364,7 +5286,7 @@
           <p:cNvPr id="3" name="Content Placeholder 2">
             <a:extLst>
               <a:ext uri="{FF2B5EF4-FFF2-40B4-BE49-F238E27FC236}">
-                <a16:creationId xmlns:a16="http://schemas.microsoft.com/office/drawing/2014/main" id="{EFF5FEA4-18D7-77B8-6169-0A8B76E65988}"/>
+                <a16:creationId xmlns:a16="http://schemas.microsoft.com/office/drawing/2014/main" id="{943B5F13-9EBB-42B2-7357-867DD67F305D}"/>
               </a:ext>
             </a:extLst>
           </p:cNvPr>
@@ -5380,71 +5302,51 @@
           <a:bodyPr/>
           <a:lstStyle/>
           <a:p>
-            <a:r>
-              <a:rPr lang="en-US" dirty="0"/>
-              <a:t>Confused because you don’t know what “with a telescope” is about</a:t>
-            </a:r>
-          </a:p>
-          <a:p>
-            <a:pPr lvl="1"/>
-            <a:r>
-              <a:rPr lang="en-US" dirty="0"/>
-              <a:t>Don’t know what this prepositional phrase (PP) modifies</a:t>
-            </a:r>
-          </a:p>
-          <a:p>
-            <a:pPr lvl="1"/>
-            <a:r>
-              <a:rPr lang="en-US" dirty="0"/>
-              <a:t>PP-attachment problem is a classic example of </a:t>
+            <a:pPr>
+              <a:lnSpc>
+                <a:spcPct val="150000"/>
+              </a:lnSpc>
+            </a:pPr>
+            <a:r>
+              <a:rPr lang="en-US" dirty="0"/>
+              <a:t>Ambiguity is what makes natural languages rich but also challenging to process</a:t>
+            </a:r>
+          </a:p>
+          <a:p>
+            <a:pPr>
+              <a:lnSpc>
+                <a:spcPct val="150000"/>
+              </a:lnSpc>
+            </a:pPr>
+            <a:r>
+              <a:rPr lang="en-US" dirty="0"/>
+              <a:t>We can’t simply run a compiler or an interpreter on a piece of text and just </a:t>
             </a:r>
             <a:r>
               <a:rPr lang="en-US" i="1" dirty="0"/>
-              <a:t>syntactic ambiguity</a:t>
-            </a:r>
-          </a:p>
-          <a:p>
-            <a:r>
-              <a:rPr lang="en-US" dirty="0"/>
-              <a:t>A syntactically ambiguous sentence has more than one interpretation of how the sentence is structured</a:t>
-            </a:r>
-          </a:p>
-          <a:p>
-            <a:pPr lvl="1"/>
-            <a:r>
-              <a:rPr lang="en-US" dirty="0"/>
-              <a:t>interpret the sentence in multiple ways</a:t>
-            </a:r>
-          </a:p>
-          <a:p>
-            <a:r>
-              <a:rPr lang="en-US" dirty="0"/>
-              <a:t>Another type is </a:t>
-            </a:r>
-            <a:r>
-              <a:rPr lang="en-US" i="1" dirty="0"/>
-              <a:t>semantic ambiguity</a:t>
-            </a:r>
-          </a:p>
-          <a:p>
-            <a:pPr lvl="1"/>
-            <a:r>
-              <a:rPr lang="en-US" i="1" dirty="0"/>
-              <a:t>I saw a bat</a:t>
-            </a:r>
-          </a:p>
-          <a:p>
-            <a:pPr lvl="1"/>
-            <a:r>
-              <a:rPr lang="en-US" dirty="0"/>
-              <a:t>Meaning of a word is ambiguous, not its structure</a:t>
-            </a:r>
-          </a:p>
-          <a:p>
-            <a:pPr lvl="2"/>
-            <a:r>
-              <a:rPr lang="en-US" dirty="0"/>
-              <a:t>Unless you are brutal enough</a:t>
+              <a:t>get it</a:t>
+            </a:r>
+          </a:p>
+          <a:p>
+            <a:pPr>
+              <a:lnSpc>
+                <a:spcPct val="150000"/>
+              </a:lnSpc>
+            </a:pPr>
+            <a:r>
+              <a:rPr lang="en-US" dirty="0"/>
+              <a:t>We need to face the complexities and subtleties of human languages</a:t>
+            </a:r>
+          </a:p>
+          <a:p>
+            <a:pPr>
+              <a:lnSpc>
+                <a:spcPct val="150000"/>
+              </a:lnSpc>
+            </a:pPr>
+            <a:r>
+              <a:rPr lang="en-US" dirty="0"/>
+              <a:t>We need a scientific, principled approach to deal with them</a:t>
             </a:r>
           </a:p>
         </p:txBody>
@@ -5452,7 +5354,7 @@
     </p:spTree>
     <p:extLst>
       <p:ext uri="{BB962C8B-B14F-4D97-AF65-F5344CB8AC3E}">
-        <p14:creationId xmlns:p14="http://schemas.microsoft.com/office/powerpoint/2010/main" val="2064979328"/>
+        <p14:creationId xmlns:p14="http://schemas.microsoft.com/office/powerpoint/2010/main" val="2793020483"/>
       </p:ext>
     </p:extLst>
   </p:cSld>
@@ -5633,7 +5535,7 @@
           <p:cNvPr id="2" name="Title 1">
             <a:extLst>
               <a:ext uri="{FF2B5EF4-FFF2-40B4-BE49-F238E27FC236}">
-                <a16:creationId xmlns:a16="http://schemas.microsoft.com/office/drawing/2014/main" id="{21D35127-F8BD-9230-7B10-C421F2B8E835}"/>
+                <a16:creationId xmlns:a16="http://schemas.microsoft.com/office/drawing/2014/main" id="{A096B2B9-C6A3-F20B-5B9B-BC61E46BEC39}"/>
               </a:ext>
             </a:extLst>
           </p:cNvPr>
@@ -5646,84 +5548,108 @@
         </p:nvSpPr>
         <p:spPr/>
         <p:txBody>
+          <a:bodyPr/>
+          <a:lstStyle/>
+          <a:p>
+            <a:r>
+              <a:rPr lang="en-US" b="1" dirty="0"/>
+              <a:t>Here comes a new challenger</a:t>
+            </a:r>
+          </a:p>
+        </p:txBody>
+      </p:sp>
+      <p:sp>
+        <p:nvSpPr>
+          <p:cNvPr id="3" name="Content Placeholder 2">
+            <a:extLst>
+              <a:ext uri="{FF2B5EF4-FFF2-40B4-BE49-F238E27FC236}">
+                <a16:creationId xmlns:a16="http://schemas.microsoft.com/office/drawing/2014/main" id="{31BBDABA-8C36-342F-E3D9-85D2F7D66E2C}"/>
+              </a:ext>
+            </a:extLst>
+          </p:cNvPr>
+          <p:cNvSpPr>
+            <a:spLocks noGrp="1"/>
+          </p:cNvSpPr>
+          <p:nvPr>
+            <p:ph idx="1"/>
+          </p:nvPr>
+        </p:nvSpPr>
+        <p:spPr/>
+        <p:txBody>
           <a:bodyPr>
-            <a:normAutofit/>
+            <a:normAutofit fontScale="77500" lnSpcReduction="20000"/>
           </a:bodyPr>
           <a:lstStyle/>
           <a:p>
-            <a:r>
-              <a:rPr lang="en-US" sz="4000" b="1" dirty="0"/>
-              <a:t>Welcome Remark</a:t>
-            </a:r>
-          </a:p>
-        </p:txBody>
-      </p:sp>
-      <p:sp>
-        <p:nvSpPr>
-          <p:cNvPr id="3" name="Content Placeholder 2">
-            <a:extLst>
-              <a:ext uri="{FF2B5EF4-FFF2-40B4-BE49-F238E27FC236}">
-                <a16:creationId xmlns:a16="http://schemas.microsoft.com/office/drawing/2014/main" id="{943B5F13-9EBB-42B2-7357-867DD67F305D}"/>
-              </a:ext>
-            </a:extLst>
-          </p:cNvPr>
-          <p:cNvSpPr>
-            <a:spLocks noGrp="1"/>
-          </p:cNvSpPr>
-          <p:nvPr>
-            <p:ph idx="1"/>
-          </p:nvPr>
-        </p:nvSpPr>
-        <p:spPr/>
-        <p:txBody>
-          <a:bodyPr/>
-          <a:lstStyle/>
-          <a:p>
             <a:pPr>
               <a:lnSpc>
-                <a:spcPct val="150000"/>
-              </a:lnSpc>
-            </a:pPr>
-            <a:r>
-              <a:rPr lang="en-US" dirty="0"/>
-              <a:t>Ambiguity is what makes natural languages rich but also challenging to process</a:t>
+                <a:spcPct val="160000"/>
+              </a:lnSpc>
+            </a:pPr>
+            <a:r>
+              <a:rPr lang="en-US" dirty="0"/>
+              <a:t>Now let’s consider the following scenario and think how you’d approach this problem</a:t>
             </a:r>
           </a:p>
           <a:p>
             <a:pPr>
               <a:lnSpc>
-                <a:spcPct val="150000"/>
-              </a:lnSpc>
-            </a:pPr>
-            <a:r>
-              <a:rPr lang="en-US" dirty="0"/>
-              <a:t>We can’t simply run a compiler or an interpreter on a piece of text and just </a:t>
-            </a:r>
-            <a:r>
-              <a:rPr lang="en-US" i="1" dirty="0"/>
-              <a:t>get it</a:t>
+                <a:spcPct val="160000"/>
+              </a:lnSpc>
+            </a:pPr>
+            <a:r>
+              <a:rPr lang="en-US" dirty="0"/>
+              <a:t>You are working as a junior data scientist at a midsized company that has a consumer-facing product line</a:t>
             </a:r>
           </a:p>
           <a:p>
             <a:pPr>
               <a:lnSpc>
-                <a:spcPct val="150000"/>
-              </a:lnSpc>
-            </a:pPr>
-            <a:r>
-              <a:rPr lang="en-US" dirty="0"/>
-              <a:t>We need to face the complexities and subtleties of human languages</a:t>
-            </a:r>
-          </a:p>
-          <a:p>
-            <a:pPr>
-              <a:lnSpc>
-                <a:spcPct val="150000"/>
-              </a:lnSpc>
-            </a:pPr>
-            <a:r>
-              <a:rPr lang="en-US" dirty="0"/>
-              <a:t>We need a scientific, principled approach to deal with them</a:t>
+                <a:spcPct val="160000"/>
+              </a:lnSpc>
+            </a:pPr>
+            <a:r>
+              <a:rPr lang="en-US" dirty="0"/>
+              <a:t> You got a giant TSV file containing all the responses to the survey questions about the product from the marketing team:</a:t>
+            </a:r>
+          </a:p>
+          <a:p>
+            <a:pPr marL="914400" lvl="1" indent="-457200">
+              <a:lnSpc>
+                <a:spcPct val="160000"/>
+              </a:lnSpc>
+              <a:buFont typeface="+mj-lt"/>
+              <a:buAutoNum type="arabicPeriod"/>
+            </a:pPr>
+            <a:r>
+              <a:rPr lang="en-US" dirty="0"/>
+              <a:t>How did you know about our product?</a:t>
+            </a:r>
+          </a:p>
+          <a:p>
+            <a:pPr marL="914400" lvl="1" indent="-457200">
+              <a:lnSpc>
+                <a:spcPct val="160000"/>
+              </a:lnSpc>
+              <a:buFont typeface="+mj-lt"/>
+              <a:buAutoNum type="arabicPeriod"/>
+            </a:pPr>
+            <a:r>
+              <a:rPr lang="en-US" dirty="0"/>
+              <a:t>How do you like our product?</a:t>
+            </a:r>
+          </a:p>
+          <a:p>
+            <a:pPr marL="914400" lvl="1" indent="-457200">
+              <a:lnSpc>
+                <a:spcPct val="160000"/>
+              </a:lnSpc>
+              <a:buFont typeface="+mj-lt"/>
+              <a:buAutoNum type="arabicPeriod"/>
+            </a:pPr>
+            <a:r>
+              <a:rPr lang="en-US" dirty="0"/>
+              <a:t>a free-response question, where our customers can write whatever they feel about our product</a:t>
             </a:r>
           </a:p>
         </p:txBody>
@@ -5731,7 +5657,7 @@
     </p:spTree>
     <p:extLst>
       <p:ext uri="{BB962C8B-B14F-4D97-AF65-F5344CB8AC3E}">
-        <p14:creationId xmlns:p14="http://schemas.microsoft.com/office/powerpoint/2010/main" val="2793020483"/>
+        <p14:creationId xmlns:p14="http://schemas.microsoft.com/office/powerpoint/2010/main" val="3849950361"/>
       </p:ext>
     </p:extLst>
   </p:cSld>
@@ -5805,160 +5731,6 @@
         <p:spPr/>
         <p:txBody>
           <a:bodyPr>
-            <a:normAutofit fontScale="77500" lnSpcReduction="20000"/>
-          </a:bodyPr>
-          <a:lstStyle/>
-          <a:p>
-            <a:pPr>
-              <a:lnSpc>
-                <a:spcPct val="160000"/>
-              </a:lnSpc>
-            </a:pPr>
-            <a:r>
-              <a:rPr lang="en-US" dirty="0"/>
-              <a:t>Now let’s consider the following scenario and think how you’d approach this problem</a:t>
-            </a:r>
-          </a:p>
-          <a:p>
-            <a:pPr>
-              <a:lnSpc>
-                <a:spcPct val="160000"/>
-              </a:lnSpc>
-            </a:pPr>
-            <a:r>
-              <a:rPr lang="en-US" dirty="0"/>
-              <a:t>You are working as a junior data scientist at a midsized company that has a consumer-facing product line</a:t>
-            </a:r>
-          </a:p>
-          <a:p>
-            <a:pPr>
-              <a:lnSpc>
-                <a:spcPct val="160000"/>
-              </a:lnSpc>
-            </a:pPr>
-            <a:r>
-              <a:rPr lang="en-US" dirty="0"/>
-              <a:t> You got a giant TSV file containing all the responses to the survey questions about the product from the marketing team:</a:t>
-            </a:r>
-          </a:p>
-          <a:p>
-            <a:pPr marL="914400" lvl="1" indent="-457200">
-              <a:lnSpc>
-                <a:spcPct val="160000"/>
-              </a:lnSpc>
-              <a:buFont typeface="+mj-lt"/>
-              <a:buAutoNum type="arabicPeriod"/>
-            </a:pPr>
-            <a:r>
-              <a:rPr lang="en-US" dirty="0"/>
-              <a:t>How did you know about our product?</a:t>
-            </a:r>
-          </a:p>
-          <a:p>
-            <a:pPr marL="914400" lvl="1" indent="-457200">
-              <a:lnSpc>
-                <a:spcPct val="160000"/>
-              </a:lnSpc>
-              <a:buFont typeface="+mj-lt"/>
-              <a:buAutoNum type="arabicPeriod"/>
-            </a:pPr>
-            <a:r>
-              <a:rPr lang="en-US" dirty="0"/>
-              <a:t>How do you like our product?</a:t>
-            </a:r>
-          </a:p>
-          <a:p>
-            <a:pPr marL="914400" lvl="1" indent="-457200">
-              <a:lnSpc>
-                <a:spcPct val="160000"/>
-              </a:lnSpc>
-              <a:buFont typeface="+mj-lt"/>
-              <a:buAutoNum type="arabicPeriod"/>
-            </a:pPr>
-            <a:r>
-              <a:rPr lang="en-US" dirty="0"/>
-              <a:t>a free-response question, where our customers can write whatever they feel about our product</a:t>
-            </a:r>
-          </a:p>
-        </p:txBody>
-      </p:sp>
-    </p:spTree>
-    <p:extLst>
-      <p:ext uri="{BB962C8B-B14F-4D97-AF65-F5344CB8AC3E}">
-        <p14:creationId xmlns:p14="http://schemas.microsoft.com/office/powerpoint/2010/main" val="3849950361"/>
-      </p:ext>
-    </p:extLst>
-  </p:cSld>
-  <p:clrMapOvr>
-    <a:masterClrMapping/>
-  </p:clrMapOvr>
-</p:sld>
-</file>
-
-<file path=ppt/slides/slide22.xml><?xml version="1.0" encoding="utf-8"?>
-<p:sld xmlns:a="http://schemas.openxmlformats.org/drawingml/2006/main" xmlns:r="http://schemas.openxmlformats.org/officeDocument/2006/relationships" xmlns:p="http://schemas.openxmlformats.org/presentationml/2006/main">
-  <p:cSld>
-    <p:spTree>
-      <p:nvGrpSpPr>
-        <p:cNvPr id="1" name=""/>
-        <p:cNvGrpSpPr/>
-        <p:nvPr/>
-      </p:nvGrpSpPr>
-      <p:grpSpPr>
-        <a:xfrm>
-          <a:off x="0" y="0"/>
-          <a:ext cx="0" cy="0"/>
-          <a:chOff x="0" y="0"/>
-          <a:chExt cx="0" cy="0"/>
-        </a:xfrm>
-      </p:grpSpPr>
-      <p:sp>
-        <p:nvSpPr>
-          <p:cNvPr id="2" name="Title 1">
-            <a:extLst>
-              <a:ext uri="{FF2B5EF4-FFF2-40B4-BE49-F238E27FC236}">
-                <a16:creationId xmlns:a16="http://schemas.microsoft.com/office/drawing/2014/main" id="{A096B2B9-C6A3-F20B-5B9B-BC61E46BEC39}"/>
-              </a:ext>
-            </a:extLst>
-          </p:cNvPr>
-          <p:cNvSpPr>
-            <a:spLocks noGrp="1"/>
-          </p:cNvSpPr>
-          <p:nvPr>
-            <p:ph type="title"/>
-          </p:nvPr>
-        </p:nvSpPr>
-        <p:spPr/>
-        <p:txBody>
-          <a:bodyPr/>
-          <a:lstStyle/>
-          <a:p>
-            <a:r>
-              <a:rPr lang="en-US" b="1" dirty="0"/>
-              <a:t>Here comes a new challenger</a:t>
-            </a:r>
-          </a:p>
-        </p:txBody>
-      </p:sp>
-      <p:sp>
-        <p:nvSpPr>
-          <p:cNvPr id="3" name="Content Placeholder 2">
-            <a:extLst>
-              <a:ext uri="{FF2B5EF4-FFF2-40B4-BE49-F238E27FC236}">
-                <a16:creationId xmlns:a16="http://schemas.microsoft.com/office/drawing/2014/main" id="{31BBDABA-8C36-342F-E3D9-85D2F7D66E2C}"/>
-              </a:ext>
-            </a:extLst>
-          </p:cNvPr>
-          <p:cNvSpPr>
-            <a:spLocks noGrp="1"/>
-          </p:cNvSpPr>
-          <p:nvPr>
-            <p:ph idx="1"/>
-          </p:nvPr>
-        </p:nvSpPr>
-        <p:spPr/>
-        <p:txBody>
-          <a:bodyPr>
             <a:normAutofit fontScale="92500"/>
           </a:bodyPr>
           <a:lstStyle/>
@@ -6048,7 +5820,7 @@
 </p:sld>
 </file>
 
-<file path=ppt/slides/slide23.xml><?xml version="1.0" encoding="utf-8"?>
+<file path=ppt/slides/slide22.xml><?xml version="1.0" encoding="utf-8"?>
 <p:sld xmlns:a="http://schemas.openxmlformats.org/drawingml/2006/main" xmlns:r="http://schemas.openxmlformats.org/officeDocument/2006/relationships" xmlns:p="http://schemas.openxmlformats.org/presentationml/2006/main">
   <p:cSld>
     <p:spTree>
@@ -6180,7 +5952,7 @@
 </p:sld>
 </file>
 
-<file path=ppt/slides/slide24.xml><?xml version="1.0" encoding="utf-8"?>
+<file path=ppt/slides/slide23.xml><?xml version="1.0" encoding="utf-8"?>
 <p:sld xmlns:a="http://schemas.openxmlformats.org/drawingml/2006/main" xmlns:r="http://schemas.openxmlformats.org/officeDocument/2006/relationships" xmlns:p="http://schemas.openxmlformats.org/presentationml/2006/main">
   <p:cSld>
     <p:spTree>
@@ -6327,6 +6099,156 @@
 </p:sld>
 </file>
 
+<file path=ppt/slides/slide24.xml><?xml version="1.0" encoding="utf-8"?>
+<p:sld xmlns:a="http://schemas.openxmlformats.org/drawingml/2006/main" xmlns:r="http://schemas.openxmlformats.org/officeDocument/2006/relationships" xmlns:p="http://schemas.openxmlformats.org/presentationml/2006/main">
+  <p:cSld>
+    <p:spTree>
+      <p:nvGrpSpPr>
+        <p:cNvPr id="1" name=""/>
+        <p:cNvGrpSpPr/>
+        <p:nvPr/>
+      </p:nvGrpSpPr>
+      <p:grpSpPr>
+        <a:xfrm>
+          <a:off x="0" y="0"/>
+          <a:ext cx="0" cy="0"/>
+          <a:chOff x="0" y="0"/>
+          <a:chExt cx="0" cy="0"/>
+        </a:xfrm>
+      </p:grpSpPr>
+      <p:sp>
+        <p:nvSpPr>
+          <p:cNvPr id="2" name="Title 1">
+            <a:extLst>
+              <a:ext uri="{FF2B5EF4-FFF2-40B4-BE49-F238E27FC236}">
+                <a16:creationId xmlns:a16="http://schemas.microsoft.com/office/drawing/2014/main" id="{8E9A6C1E-0CB8-98FC-38F2-E4DE03D59A91}"/>
+              </a:ext>
+            </a:extLst>
+          </p:cNvPr>
+          <p:cNvSpPr>
+            <a:spLocks noGrp="1"/>
+          </p:cNvSpPr>
+          <p:nvPr>
+            <p:ph type="title"/>
+          </p:nvPr>
+        </p:nvSpPr>
+        <p:spPr/>
+        <p:txBody>
+          <a:bodyPr>
+            <a:normAutofit/>
+          </a:bodyPr>
+          <a:lstStyle/>
+          <a:p>
+            <a:r>
+              <a:rPr lang="en-US" sz="4000" dirty="0"/>
+              <a:t>….</a:t>
+            </a:r>
+          </a:p>
+        </p:txBody>
+      </p:sp>
+      <p:sp>
+        <p:nvSpPr>
+          <p:cNvPr id="3" name="Content Placeholder 2">
+            <a:extLst>
+              <a:ext uri="{FF2B5EF4-FFF2-40B4-BE49-F238E27FC236}">
+                <a16:creationId xmlns:a16="http://schemas.microsoft.com/office/drawing/2014/main" id="{FF0BA8B3-81F0-47F2-7B66-C3E9176E422A}"/>
+              </a:ext>
+            </a:extLst>
+          </p:cNvPr>
+          <p:cNvSpPr>
+            <a:spLocks noGrp="1"/>
+          </p:cNvSpPr>
+          <p:nvPr>
+            <p:ph idx="1"/>
+          </p:nvPr>
+        </p:nvSpPr>
+        <p:spPr/>
+        <p:txBody>
+          <a:bodyPr>
+            <a:normAutofit fontScale="92500" lnSpcReduction="10000"/>
+          </a:bodyPr>
+          <a:lstStyle/>
+          <a:p>
+            <a:pPr>
+              <a:lnSpc>
+                <a:spcPct val="150000"/>
+              </a:lnSpc>
+            </a:pPr>
+            <a:r>
+              <a:rPr lang="en-US" dirty="0"/>
+              <a:t>The product is not only cheap but also very good!: negative</a:t>
+            </a:r>
+          </a:p>
+          <a:p>
+            <a:pPr>
+              <a:lnSpc>
+                <a:spcPct val="150000"/>
+              </a:lnSpc>
+            </a:pPr>
+            <a:r>
+              <a:rPr lang="en-US" dirty="0"/>
+              <a:t>Worse</a:t>
+            </a:r>
+          </a:p>
+          <a:p>
+            <a:pPr lvl="1">
+              <a:lnSpc>
+                <a:spcPct val="150000"/>
+              </a:lnSpc>
+            </a:pPr>
+            <a:r>
+              <a:rPr lang="en-US" dirty="0"/>
+              <a:t>I always wanted this feature badly!</a:t>
+            </a:r>
+          </a:p>
+          <a:p>
+            <a:pPr lvl="1">
+              <a:lnSpc>
+                <a:spcPct val="150000"/>
+              </a:lnSpc>
+            </a:pPr>
+            <a:r>
+              <a:rPr lang="en-US" dirty="0"/>
+              <a:t>It’s very badly made</a:t>
+            </a:r>
+          </a:p>
+          <a:p>
+            <a:pPr>
+              <a:lnSpc>
+                <a:spcPct val="150000"/>
+              </a:lnSpc>
+            </a:pPr>
+            <a:r>
+              <a:rPr lang="en-US" dirty="0"/>
+              <a:t>How could a single word in a language have two completely opposite meanings?</a:t>
+            </a:r>
+          </a:p>
+          <a:p>
+            <a:pPr>
+              <a:lnSpc>
+                <a:spcPct val="150000"/>
+              </a:lnSpc>
+            </a:pPr>
+            <a:r>
+              <a:rPr lang="en-US" dirty="0"/>
+              <a:t>This course will save you</a:t>
+            </a:r>
+          </a:p>
+        </p:txBody>
+      </p:sp>
+    </p:spTree>
+    <p:extLst>
+      <p:ext uri="{BB962C8B-B14F-4D97-AF65-F5344CB8AC3E}">
+        <p14:creationId xmlns:p14="http://schemas.microsoft.com/office/powerpoint/2010/main" val="3314590581"/>
+      </p:ext>
+    </p:extLst>
+  </p:cSld>
+  <p:clrMapOvr>
+    <a:masterClrMapping/>
+  </p:clrMapOvr>
+</p:sld>
+</file>
+
 <file path=ppt/slides/slide25.xml><?xml version="1.0" encoding="utf-8"?>
 <p:sld xmlns:a="http://schemas.openxmlformats.org/drawingml/2006/main" xmlns:r="http://schemas.openxmlformats.org/officeDocument/2006/relationships" xmlns:p="http://schemas.openxmlformats.org/presentationml/2006/main">
   <p:cSld>
@@ -6349,7 +6271,7 @@
           <p:cNvPr id="2" name="Title 1">
             <a:extLst>
               <a:ext uri="{FF2B5EF4-FFF2-40B4-BE49-F238E27FC236}">
-                <a16:creationId xmlns:a16="http://schemas.microsoft.com/office/drawing/2014/main" id="{8E9A6C1E-0CB8-98FC-38F2-E4DE03D59A91}"/>
+                <a16:creationId xmlns:a16="http://schemas.microsoft.com/office/drawing/2014/main" id="{56BA7E2B-EC60-0BE6-D013-D3AC844A1CFC}"/>
               </a:ext>
             </a:extLst>
           </p:cNvPr>
@@ -6369,7 +6291,7 @@
           <a:p>
             <a:r>
               <a:rPr lang="en-US" sz="4000" dirty="0"/>
-              <a:t>….</a:t>
+              <a:t>This course will save you?</a:t>
             </a:r>
           </a:p>
         </p:txBody>
@@ -6379,7 +6301,7 @@
           <p:cNvPr id="3" name="Content Placeholder 2">
             <a:extLst>
               <a:ext uri="{FF2B5EF4-FFF2-40B4-BE49-F238E27FC236}">
-                <a16:creationId xmlns:a16="http://schemas.microsoft.com/office/drawing/2014/main" id="{FF0BA8B3-81F0-47F2-7B66-C3E9176E422A}"/>
+                <a16:creationId xmlns:a16="http://schemas.microsoft.com/office/drawing/2014/main" id="{00CC05FF-E33D-CE8D-1A4B-118F6B5CC56B}"/>
               </a:ext>
             </a:extLst>
           </p:cNvPr>
@@ -6392,82 +6314,81 @@
         </p:nvSpPr>
         <p:spPr/>
         <p:txBody>
-          <a:bodyPr>
-            <a:normAutofit fontScale="92500" lnSpcReduction="10000"/>
-          </a:bodyPr>
+          <a:bodyPr/>
           <a:lstStyle/>
           <a:p>
             <a:pPr>
               <a:lnSpc>
-                <a:spcPct val="150000"/>
-              </a:lnSpc>
-            </a:pPr>
-            <a:r>
-              <a:rPr lang="en-US" dirty="0"/>
-              <a:t>The product is not only cheap but also very good!: negative</a:t>
+                <a:spcPct val="200000"/>
+              </a:lnSpc>
+            </a:pPr>
+            <a:r>
+              <a:rPr lang="en-US" dirty="0"/>
+              <a:t>What does it mean? Another ambiguity</a:t>
             </a:r>
           </a:p>
           <a:p>
             <a:pPr>
               <a:lnSpc>
-                <a:spcPct val="150000"/>
-              </a:lnSpc>
-            </a:pPr>
-            <a:r>
-              <a:rPr lang="en-US" dirty="0"/>
-              <a:t>Worse</a:t>
-            </a:r>
-          </a:p>
-          <a:p>
-            <a:pPr lvl="1">
-              <a:lnSpc>
-                <a:spcPct val="150000"/>
-              </a:lnSpc>
-            </a:pPr>
-            <a:r>
-              <a:rPr lang="en-US" dirty="0"/>
-              <a:t>I always wanted this feature badly!</a:t>
-            </a:r>
-          </a:p>
-          <a:p>
-            <a:pPr lvl="1">
-              <a:lnSpc>
-                <a:spcPct val="150000"/>
-              </a:lnSpc>
-            </a:pPr>
-            <a:r>
-              <a:rPr lang="en-US" dirty="0"/>
-              <a:t>It’s very badly made</a:t>
-            </a:r>
-          </a:p>
-          <a:p>
-            <a:pPr>
-              <a:lnSpc>
-                <a:spcPct val="150000"/>
-              </a:lnSpc>
-            </a:pPr>
-            <a:r>
-              <a:rPr lang="en-US" dirty="0"/>
-              <a:t>How could a single word in a language have two completely opposite meanings?</a:t>
-            </a:r>
-          </a:p>
-          <a:p>
-            <a:pPr>
-              <a:lnSpc>
-                <a:spcPct val="150000"/>
-              </a:lnSpc>
-            </a:pPr>
-            <a:r>
-              <a:rPr lang="en-US" dirty="0"/>
-              <a:t>This course will save you</a:t>
-            </a:r>
+                <a:spcPct val="200000"/>
+              </a:lnSpc>
+            </a:pPr>
+            <a:r>
+              <a:rPr lang="en-US" dirty="0"/>
+              <a:t>This course will save you because it will teach you either</a:t>
+            </a:r>
+          </a:p>
+          <a:p>
+            <a:pPr marL="914400" lvl="1" indent="-457200">
+              <a:lnSpc>
+                <a:spcPct val="200000"/>
+              </a:lnSpc>
+              <a:buFont typeface="+mj-lt"/>
+              <a:buAutoNum type="arabicPeriod"/>
+            </a:pPr>
+            <a:r>
+              <a:rPr lang="en-US" dirty="0"/>
+              <a:t>How to deal with the problems described above</a:t>
+            </a:r>
+          </a:p>
+          <a:p>
+            <a:pPr marL="914400" lvl="1" indent="-457200">
+              <a:lnSpc>
+                <a:spcPct val="200000"/>
+              </a:lnSpc>
+              <a:buFont typeface="+mj-lt"/>
+              <a:buAutoNum type="arabicPeriod"/>
+            </a:pPr>
+            <a:r>
+              <a:rPr lang="en-US" dirty="0"/>
+              <a:t>They are impossible to solve</a:t>
+            </a:r>
+          </a:p>
+          <a:p>
+            <a:pPr marL="914400" lvl="1" indent="-457200">
+              <a:lnSpc>
+                <a:spcPct val="200000"/>
+              </a:lnSpc>
+              <a:buFont typeface="+mj-lt"/>
+              <a:buAutoNum type="arabicPeriod"/>
+            </a:pPr>
+            <a:endParaRPr lang="en-US" dirty="0"/>
+          </a:p>
+          <a:p>
+            <a:pPr marL="457200" lvl="1" indent="0">
+              <a:lnSpc>
+                <a:spcPct val="200000"/>
+              </a:lnSpc>
+              <a:buNone/>
+            </a:pPr>
+            <a:endParaRPr lang="en-US" dirty="0"/>
           </a:p>
         </p:txBody>
       </p:sp>
     </p:spTree>
     <p:extLst>
       <p:ext uri="{BB962C8B-B14F-4D97-AF65-F5344CB8AC3E}">
-        <p14:creationId xmlns:p14="http://schemas.microsoft.com/office/powerpoint/2010/main" val="3314590581"/>
+        <p14:creationId xmlns:p14="http://schemas.microsoft.com/office/powerpoint/2010/main" val="685518037"/>
       </p:ext>
     </p:extLst>
   </p:cSld>
@@ -6499,7 +6420,7 @@
           <p:cNvPr id="2" name="Title 1">
             <a:extLst>
               <a:ext uri="{FF2B5EF4-FFF2-40B4-BE49-F238E27FC236}">
-                <a16:creationId xmlns:a16="http://schemas.microsoft.com/office/drawing/2014/main" id="{56BA7E2B-EC60-0BE6-D013-D3AC844A1CFC}"/>
+                <a16:creationId xmlns:a16="http://schemas.microsoft.com/office/drawing/2014/main" id="{35477B26-9CC5-C067-9FFC-3A6F2FD02CD5}"/>
               </a:ext>
             </a:extLst>
           </p:cNvPr>
@@ -6518,8 +6439,8 @@
           <a:lstStyle/>
           <a:p>
             <a:r>
-              <a:rPr lang="en-US" sz="4000" dirty="0"/>
-              <a:t>This course will save you?</a:t>
+              <a:rPr lang="en-US" sz="4000" b="1" dirty="0"/>
+              <a:t>Rule-base vs. DL approach</a:t>
             </a:r>
           </a:p>
         </p:txBody>
@@ -6529,7 +6450,7 @@
           <p:cNvPr id="3" name="Content Placeholder 2">
             <a:extLst>
               <a:ext uri="{FF2B5EF4-FFF2-40B4-BE49-F238E27FC236}">
-                <a16:creationId xmlns:a16="http://schemas.microsoft.com/office/drawing/2014/main" id="{00CC05FF-E33D-CE8D-1A4B-118F6B5CC56B}"/>
+                <a16:creationId xmlns:a16="http://schemas.microsoft.com/office/drawing/2014/main" id="{E81AD483-76CB-3CC4-84F6-DBCBAE1C2E17}"/>
               </a:ext>
             </a:extLst>
           </p:cNvPr>
@@ -6542,72 +6463,109 @@
         </p:nvSpPr>
         <p:spPr/>
         <p:txBody>
-          <a:bodyPr/>
+          <a:bodyPr>
+            <a:normAutofit fontScale="85000" lnSpcReduction="10000"/>
+          </a:bodyPr>
           <a:lstStyle/>
           <a:p>
             <a:pPr>
               <a:lnSpc>
-                <a:spcPct val="200000"/>
-              </a:lnSpc>
-            </a:pPr>
-            <a:r>
-              <a:rPr lang="en-US" dirty="0"/>
-              <a:t>What does it mean? Another ambiguity</a:t>
+                <a:spcPct val="150000"/>
+              </a:lnSpc>
+            </a:pPr>
+            <a:r>
+              <a:rPr lang="en-US" dirty="0"/>
+              <a:t>As you saw, a bunch of </a:t>
+            </a:r>
+            <a:r>
+              <a:rPr lang="en-US" i="1" dirty="0"/>
+              <a:t>if</a:t>
+            </a:r>
+            <a:r>
+              <a:rPr lang="en-US" dirty="0"/>
+              <a:t>s and </a:t>
+            </a:r>
+            <a:r>
+              <a:rPr lang="en-US" i="1" dirty="0" err="1"/>
+              <a:t>then</a:t>
+            </a:r>
+            <a:r>
+              <a:rPr lang="en-US" dirty="0" err="1"/>
+              <a:t>s</a:t>
+            </a:r>
+            <a:r>
+              <a:rPr lang="en-US" dirty="0"/>
+              <a:t> would mitigate the issues</a:t>
+            </a:r>
+          </a:p>
+          <a:p>
+            <a:pPr lvl="1">
+              <a:lnSpc>
+                <a:spcPct val="150000"/>
+              </a:lnSpc>
+            </a:pPr>
+            <a:r>
+              <a:rPr lang="en-US" dirty="0"/>
+              <a:t>It is a rule-based approach</a:t>
+            </a:r>
+          </a:p>
+          <a:p>
+            <a:pPr lvl="2">
+              <a:lnSpc>
+                <a:spcPct val="150000"/>
+              </a:lnSpc>
+            </a:pPr>
+            <a:r>
+              <a:rPr lang="en-US" dirty="0"/>
+              <a:t>controversial definition of NLP</a:t>
             </a:r>
           </a:p>
           <a:p>
             <a:pPr>
               <a:lnSpc>
-                <a:spcPct val="200000"/>
-              </a:lnSpc>
-            </a:pPr>
-            <a:r>
-              <a:rPr lang="en-US" dirty="0"/>
-              <a:t>This course will save you because it will teach you either</a:t>
-            </a:r>
-          </a:p>
-          <a:p>
-            <a:pPr marL="914400" lvl="1" indent="-457200">
-              <a:lnSpc>
-                <a:spcPct val="200000"/>
-              </a:lnSpc>
-              <a:buFont typeface="+mj-lt"/>
-              <a:buAutoNum type="arabicPeriod"/>
-            </a:pPr>
-            <a:r>
-              <a:rPr lang="en-US" dirty="0"/>
-              <a:t>How to deal with the problems described above</a:t>
-            </a:r>
-          </a:p>
-          <a:p>
-            <a:pPr marL="914400" lvl="1" indent="-457200">
-              <a:lnSpc>
-                <a:spcPct val="200000"/>
-              </a:lnSpc>
-              <a:buFont typeface="+mj-lt"/>
-              <a:buAutoNum type="arabicPeriod"/>
-            </a:pPr>
-            <a:r>
-              <a:rPr lang="en-US" dirty="0"/>
-              <a:t>They are impossible to solve</a:t>
-            </a:r>
-          </a:p>
-          <a:p>
-            <a:pPr marL="914400" lvl="1" indent="-457200">
-              <a:lnSpc>
-                <a:spcPct val="200000"/>
-              </a:lnSpc>
-              <a:buFont typeface="+mj-lt"/>
-              <a:buAutoNum type="arabicPeriod"/>
-            </a:pPr>
-            <a:endParaRPr lang="en-US" dirty="0"/>
-          </a:p>
-          <a:p>
-            <a:pPr marL="457200" lvl="1" indent="0">
-              <a:lnSpc>
-                <a:spcPct val="200000"/>
-              </a:lnSpc>
-              <a:buNone/>
+                <a:spcPct val="150000"/>
+              </a:lnSpc>
+            </a:pPr>
+            <a:r>
+              <a:rPr lang="en-US" dirty="0"/>
+              <a:t>You may also have heard of deep learning</a:t>
+            </a:r>
+          </a:p>
+          <a:p>
+            <a:pPr lvl="1">
+              <a:lnSpc>
+                <a:spcPct val="150000"/>
+              </a:lnSpc>
+            </a:pPr>
+            <a:r>
+              <a:rPr lang="en-US" dirty="0"/>
+              <a:t>a subfield of machine learning that usually uses </a:t>
+            </a:r>
+            <a:r>
+              <a:rPr lang="en-US" i="1" dirty="0"/>
+              <a:t>deep</a:t>
+            </a:r>
+            <a:r>
+              <a:rPr lang="en-US" dirty="0"/>
+              <a:t> neural networks</a:t>
+            </a:r>
+          </a:p>
+          <a:p>
+            <a:pPr>
+              <a:lnSpc>
+                <a:spcPct val="150000"/>
+              </a:lnSpc>
+            </a:pPr>
+            <a:r>
+              <a:rPr lang="en-US" dirty="0"/>
+              <a:t>As the amount of available data and computational resources increases, modern NLP makes a heavier and heavier use of machine learning and deep learning</a:t>
+            </a:r>
+          </a:p>
+          <a:p>
+            <a:pPr>
+              <a:lnSpc>
+                <a:spcPct val="150000"/>
+              </a:lnSpc>
             </a:pPr>
             <a:endParaRPr lang="en-US" dirty="0"/>
           </a:p>
@@ -6616,7 +6574,7 @@
     </p:spTree>
     <p:extLst>
       <p:ext uri="{BB962C8B-B14F-4D97-AF65-F5344CB8AC3E}">
-        <p14:creationId xmlns:p14="http://schemas.microsoft.com/office/powerpoint/2010/main" val="685518037"/>
+        <p14:creationId xmlns:p14="http://schemas.microsoft.com/office/powerpoint/2010/main" val="953046028"/>
       </p:ext>
     </p:extLst>
   </p:cSld>
@@ -6648,7 +6606,7 @@
           <p:cNvPr id="2" name="Title 1">
             <a:extLst>
               <a:ext uri="{FF2B5EF4-FFF2-40B4-BE49-F238E27FC236}">
-                <a16:creationId xmlns:a16="http://schemas.microsoft.com/office/drawing/2014/main" id="{35477B26-9CC5-C067-9FFC-3A6F2FD02CD5}"/>
+                <a16:creationId xmlns:a16="http://schemas.microsoft.com/office/drawing/2014/main" id="{DF5D1AA6-A6D7-A63F-5113-C0D937EAA15D}"/>
               </a:ext>
             </a:extLst>
           </p:cNvPr>
@@ -6668,7 +6626,7 @@
           <a:p>
             <a:r>
               <a:rPr lang="en-US" sz="4000" b="1" dirty="0"/>
-              <a:t>Rule-base vs. DL approach</a:t>
+              <a:t>Scope of the class</a:t>
             </a:r>
           </a:p>
         </p:txBody>
@@ -6678,7 +6636,7 @@
           <p:cNvPr id="3" name="Content Placeholder 2">
             <a:extLst>
               <a:ext uri="{FF2B5EF4-FFF2-40B4-BE49-F238E27FC236}">
-                <a16:creationId xmlns:a16="http://schemas.microsoft.com/office/drawing/2014/main" id="{E81AD483-76CB-3CC4-84F6-DBCBAE1C2E17}"/>
+                <a16:creationId xmlns:a16="http://schemas.microsoft.com/office/drawing/2014/main" id="{D99D702D-A215-D14D-429D-72BEEFCE020B}"/>
               </a:ext>
             </a:extLst>
           </p:cNvPr>
@@ -6691,9 +6649,7 @@
         </p:nvSpPr>
         <p:spPr/>
         <p:txBody>
-          <a:bodyPr>
-            <a:normAutofit fontScale="85000" lnSpcReduction="10000"/>
-          </a:bodyPr>
+          <a:bodyPr/>
           <a:lstStyle/>
           <a:p>
             <a:pPr>
@@ -6703,106 +6659,37 @@
             </a:pPr>
             <a:r>
               <a:rPr lang="en-US" dirty="0"/>
-              <a:t>As you saw, a bunch of </a:t>
-            </a:r>
-            <a:r>
-              <a:rPr lang="en-US" i="1" dirty="0"/>
-              <a:t>if</a:t>
-            </a:r>
-            <a:r>
-              <a:rPr lang="en-US" dirty="0"/>
-              <a:t>s and </a:t>
-            </a:r>
-            <a:r>
-              <a:rPr lang="en-US" i="1" dirty="0" err="1"/>
-              <a:t>then</a:t>
-            </a:r>
-            <a:r>
-              <a:rPr lang="en-US" dirty="0" err="1"/>
-              <a:t>s</a:t>
-            </a:r>
-            <a:r>
-              <a:rPr lang="en-US" dirty="0"/>
-              <a:t> would mitigate the issues</a:t>
-            </a:r>
-          </a:p>
-          <a:p>
-            <a:pPr lvl="1">
+              <a:t>Traditional methods such as counting words and measuring similarities between text are usually not considered to be machine learning techniques per se, although they can be important building blocks for ML-based models</a:t>
+            </a:r>
+          </a:p>
+          <a:p>
+            <a:pPr>
               <a:lnSpc>
                 <a:spcPct val="150000"/>
               </a:lnSpc>
             </a:pPr>
             <a:r>
               <a:rPr lang="en-US" dirty="0"/>
-              <a:t>It is a rule-based approach</a:t>
-            </a:r>
-          </a:p>
-          <a:p>
-            <a:pPr lvl="2">
+              <a:t>Let’s see the syllabus</a:t>
+            </a:r>
+          </a:p>
+          <a:p>
+            <a:pPr>
               <a:lnSpc>
                 <a:spcPct val="150000"/>
               </a:lnSpc>
             </a:pPr>
             <a:r>
               <a:rPr lang="en-US" dirty="0"/>
-              <a:t>controversial definition of NLP</a:t>
-            </a:r>
-          </a:p>
-          <a:p>
-            <a:pPr>
-              <a:lnSpc>
-                <a:spcPct val="150000"/>
-              </a:lnSpc>
-            </a:pPr>
-            <a:r>
-              <a:rPr lang="en-US" dirty="0"/>
-              <a:t>You may also have heard of deep learning</a:t>
-            </a:r>
-          </a:p>
-          <a:p>
-            <a:pPr lvl="1">
-              <a:lnSpc>
-                <a:spcPct val="150000"/>
-              </a:lnSpc>
-            </a:pPr>
-            <a:r>
-              <a:rPr lang="en-US" dirty="0"/>
-              <a:t>a subfield of machine learning that usually uses </a:t>
-            </a:r>
-            <a:r>
-              <a:rPr lang="en-US" i="1" dirty="0"/>
-              <a:t>deep</a:t>
-            </a:r>
-            <a:r>
-              <a:rPr lang="en-US" dirty="0"/>
-              <a:t> neural networks</a:t>
-            </a:r>
-          </a:p>
-          <a:p>
-            <a:pPr>
-              <a:lnSpc>
-                <a:spcPct val="150000"/>
-              </a:lnSpc>
-            </a:pPr>
-            <a:r>
-              <a:rPr lang="en-US" dirty="0"/>
-              <a:t>As the amount of available data and computational resources increases, modern NLP makes a heavier and heavier use of machine learning and deep learning</a:t>
-            </a:r>
-          </a:p>
-          <a:p>
-            <a:pPr>
-              <a:lnSpc>
-                <a:spcPct val="150000"/>
-              </a:lnSpc>
-            </a:pPr>
-            <a:endParaRPr lang="en-US" dirty="0"/>
+              <a:t>By the way, we only focus on English text documents and messages</a:t>
+            </a:r>
           </a:p>
         </p:txBody>
       </p:sp>
     </p:spTree>
     <p:extLst>
       <p:ext uri="{BB962C8B-B14F-4D97-AF65-F5344CB8AC3E}">
-        <p14:creationId xmlns:p14="http://schemas.microsoft.com/office/powerpoint/2010/main" val="953046028"/>
+        <p14:creationId xmlns:p14="http://schemas.microsoft.com/office/powerpoint/2010/main" val="1622378155"/>
       </p:ext>
     </p:extLst>
   </p:cSld>
@@ -6834,7 +6721,7 @@
           <p:cNvPr id="2" name="Title 1">
             <a:extLst>
               <a:ext uri="{FF2B5EF4-FFF2-40B4-BE49-F238E27FC236}">
-                <a16:creationId xmlns:a16="http://schemas.microsoft.com/office/drawing/2014/main" id="{DF5D1AA6-A6D7-A63F-5113-C0D937EAA15D}"/>
+                <a16:creationId xmlns:a16="http://schemas.microsoft.com/office/drawing/2014/main" id="{79B2E4AA-0BF2-F52D-A6A9-A99E86009CD4}"/>
               </a:ext>
             </a:extLst>
           </p:cNvPr>
@@ -6847,14 +6734,12 @@
         </p:nvSpPr>
         <p:spPr/>
         <p:txBody>
-          <a:bodyPr>
-            <a:normAutofit/>
-          </a:bodyPr>
-          <a:lstStyle/>
-          <a:p>
-            <a:r>
-              <a:rPr lang="en-US" sz="4000" b="1" dirty="0"/>
-              <a:t>Scope of the class</a:t>
+          <a:bodyPr/>
+          <a:lstStyle/>
+          <a:p>
+            <a:r>
+              <a:rPr lang="en-US" b="1" dirty="0"/>
+              <a:t>We are not going to study</a:t>
             </a:r>
           </a:p>
         </p:txBody>
@@ -6864,7 +6749,7 @@
           <p:cNvPr id="3" name="Content Placeholder 2">
             <a:extLst>
               <a:ext uri="{FF2B5EF4-FFF2-40B4-BE49-F238E27FC236}">
-                <a16:creationId xmlns:a16="http://schemas.microsoft.com/office/drawing/2014/main" id="{D99D702D-A215-D14D-429D-72BEEFCE020B}"/>
+                <a16:creationId xmlns:a16="http://schemas.microsoft.com/office/drawing/2014/main" id="{FE761255-C711-A6BC-D4CF-F7054CCF4CC1}"/>
               </a:ext>
             </a:extLst>
           </p:cNvPr>
@@ -6882,34 +6767,45 @@
           <a:p>
             <a:pPr>
               <a:lnSpc>
-                <a:spcPct val="150000"/>
-              </a:lnSpc>
-            </a:pPr>
-            <a:r>
-              <a:rPr lang="en-US" dirty="0"/>
-              <a:t>Traditional methods such as counting words and measuring similarities between text are usually not considered to be machine learning techniques per se, although they can be important building blocks for ML-based models</a:t>
+                <a:spcPct val="200000"/>
+              </a:lnSpc>
+            </a:pPr>
+            <a:r>
+              <a:rPr lang="en-US" dirty="0"/>
+              <a:t>Other languages </a:t>
             </a:r>
           </a:p>
           <a:p>
             <a:pPr>
               <a:lnSpc>
-                <a:spcPct val="150000"/>
-              </a:lnSpc>
-            </a:pPr>
-            <a:r>
-              <a:rPr lang="en-US" dirty="0"/>
-              <a:t>Let’s see the syllabus</a:t>
+                <a:spcPct val="200000"/>
+              </a:lnSpc>
+            </a:pPr>
+            <a:r>
+              <a:rPr lang="en-US" dirty="0"/>
+              <a:t>Spoken statements</a:t>
             </a:r>
           </a:p>
           <a:p>
             <a:pPr>
               <a:lnSpc>
-                <a:spcPct val="150000"/>
-              </a:lnSpc>
-            </a:pPr>
-            <a:r>
-              <a:rPr lang="en-US" dirty="0"/>
-              <a:t>By the way, we only focus on English text documents and messages</a:t>
+                <a:spcPct val="200000"/>
+              </a:lnSpc>
+            </a:pPr>
+            <a:r>
+              <a:rPr lang="en-US" dirty="0"/>
+              <a:t>Text generation</a:t>
+            </a:r>
+          </a:p>
+          <a:p>
+            <a:pPr>
+              <a:lnSpc>
+                <a:spcPct val="200000"/>
+              </a:lnSpc>
+            </a:pPr>
+            <a:r>
+              <a:rPr lang="en-US" dirty="0"/>
+              <a:t>Dialogue system</a:t>
             </a:r>
           </a:p>
         </p:txBody>
@@ -6917,7 +6813,7 @@
     </p:spTree>
     <p:extLst>
       <p:ext uri="{BB962C8B-B14F-4D97-AF65-F5344CB8AC3E}">
-        <p14:creationId xmlns:p14="http://schemas.microsoft.com/office/powerpoint/2010/main" val="1622378155"/>
+        <p14:creationId xmlns:p14="http://schemas.microsoft.com/office/powerpoint/2010/main" val="2494927545"/>
       </p:ext>
     </p:extLst>
   </p:cSld>
@@ -6949,7 +6845,7 @@
           <p:cNvPr id="2" name="Title 1">
             <a:extLst>
               <a:ext uri="{FF2B5EF4-FFF2-40B4-BE49-F238E27FC236}">
-                <a16:creationId xmlns:a16="http://schemas.microsoft.com/office/drawing/2014/main" id="{79B2E4AA-0BF2-F52D-A6A9-A99E86009CD4}"/>
+                <a16:creationId xmlns:a16="http://schemas.microsoft.com/office/drawing/2014/main" id="{9C4AA98E-1C9B-24C7-AC40-4F78E6705B6A}"/>
               </a:ext>
             </a:extLst>
           </p:cNvPr>
@@ -6962,12 +6858,14 @@
         </p:nvSpPr>
         <p:spPr/>
         <p:txBody>
-          <a:bodyPr/>
-          <a:lstStyle/>
-          <a:p>
-            <a:r>
-              <a:rPr lang="en-US" b="1" dirty="0"/>
-              <a:t>We are not going to study</a:t>
+          <a:bodyPr>
+            <a:normAutofit/>
+          </a:bodyPr>
+          <a:lstStyle/>
+          <a:p>
+            <a:r>
+              <a:rPr lang="en-US" sz="4000" b="1" dirty="0"/>
+              <a:t>Readings</a:t>
             </a:r>
           </a:p>
         </p:txBody>
@@ -6977,7 +6875,7 @@
           <p:cNvPr id="3" name="Content Placeholder 2">
             <a:extLst>
               <a:ext uri="{FF2B5EF4-FFF2-40B4-BE49-F238E27FC236}">
-                <a16:creationId xmlns:a16="http://schemas.microsoft.com/office/drawing/2014/main" id="{FE761255-C711-A6BC-D4CF-F7054CCF4CC1}"/>
+                <a16:creationId xmlns:a16="http://schemas.microsoft.com/office/drawing/2014/main" id="{E293A47A-AABD-673F-A6F1-B6701B7900D7}"/>
               </a:ext>
             </a:extLst>
           </p:cNvPr>
@@ -6990,7 +6888,9 @@
         </p:nvSpPr>
         <p:spPr/>
         <p:txBody>
-          <a:bodyPr/>
+          <a:bodyPr>
+            <a:normAutofit lnSpcReduction="10000"/>
+          </a:bodyPr>
           <a:lstStyle/>
           <a:p>
             <a:pPr>
@@ -7000,7 +6900,7 @@
             </a:pPr>
             <a:r>
               <a:rPr lang="en-US" dirty="0"/>
-              <a:t>Other languages </a:t>
+              <a:t>Almost every NLP textbook is outdated</a:t>
             </a:r>
           </a:p>
           <a:p>
@@ -7011,7 +6911,7 @@
             </a:pPr>
             <a:r>
               <a:rPr lang="en-US" dirty="0"/>
-              <a:t>Spoken statements</a:t>
+              <a:t>For the beginners, class with a dedicated textbook is often helpful</a:t>
             </a:r>
           </a:p>
           <a:p>
@@ -7022,18 +6922,29 @@
             </a:pPr>
             <a:r>
               <a:rPr lang="en-US" dirty="0"/>
-              <a:t>Text generation</a:t>
-            </a:r>
-          </a:p>
-          <a:p>
-            <a:pPr>
+              <a:t>The textbook is somewhat chat-bot-application oriented</a:t>
+            </a:r>
+          </a:p>
+          <a:p>
+            <a:pPr lvl="1">
               <a:lnSpc>
                 <a:spcPct val="200000"/>
               </a:lnSpc>
             </a:pPr>
             <a:r>
               <a:rPr lang="en-US" dirty="0"/>
-              <a:t>Dialogue system</a:t>
+              <a:t>However, most contents are useful</a:t>
+            </a:r>
+          </a:p>
+          <a:p>
+            <a:pPr lvl="1">
+              <a:lnSpc>
+                <a:spcPct val="200000"/>
+              </a:lnSpc>
+            </a:pPr>
+            <a:r>
+              <a:rPr lang="en-US" dirty="0"/>
+              <a:t>Recommend reading the assigned chapters top-to-bottom </a:t>
             </a:r>
           </a:p>
         </p:txBody>
@@ -7041,7 +6952,7 @@
     </p:spTree>
     <p:extLst>
       <p:ext uri="{BB962C8B-B14F-4D97-AF65-F5344CB8AC3E}">
-        <p14:creationId xmlns:p14="http://schemas.microsoft.com/office/powerpoint/2010/main" val="2494927545"/>
+        <p14:creationId xmlns:p14="http://schemas.microsoft.com/office/powerpoint/2010/main" val="2004745932"/>
       </p:ext>
     </p:extLst>
   </p:cSld>
@@ -7251,7 +7162,7 @@
           <a:p>
             <a:r>
               <a:rPr lang="en-US" sz="4000" b="1" dirty="0"/>
-              <a:t>Readings</a:t>
+              <a:t>Class overview</a:t>
             </a:r>
           </a:p>
         </p:txBody>
@@ -7286,7 +7197,7 @@
             </a:pPr>
             <a:r>
               <a:rPr lang="en-US" dirty="0"/>
-              <a:t>Almost every NLP textbook is outdated</a:t>
+              <a:t>Besides an application, we will study Text Representation </a:t>
             </a:r>
           </a:p>
           <a:p>
@@ -7297,7 +7208,7 @@
             </a:pPr>
             <a:r>
               <a:rPr lang="en-US" dirty="0"/>
-              <a:t>For the beginners, class with a dedicated textbook is often helpful</a:t>
+              <a:t>The overall theme is to examine how the machine understands text</a:t>
             </a:r>
           </a:p>
           <a:p>
@@ -7308,7 +7219,7 @@
             </a:pPr>
             <a:r>
               <a:rPr lang="en-US" dirty="0"/>
-              <a:t>The textbook is somewhat chat-bot-application oriented</a:t>
+              <a:t>Roughly two ideas</a:t>
             </a:r>
           </a:p>
           <a:p>
@@ -7319,7 +7230,7 @@
             </a:pPr>
             <a:r>
               <a:rPr lang="en-US" dirty="0"/>
-              <a:t>However, most contents are useful</a:t>
+              <a:t>Word counts</a:t>
             </a:r>
           </a:p>
           <a:p>
@@ -7330,7 +7241,7 @@
             </a:pPr>
             <a:r>
               <a:rPr lang="en-US" dirty="0"/>
-              <a:t>Recommend reading the assigned chapters top-to-bottom </a:t>
+              <a:t>Locations (distributed representation)</a:t>
             </a:r>
           </a:p>
         </p:txBody>
@@ -7338,7 +7249,7 @@
     </p:spTree>
     <p:extLst>
       <p:ext uri="{BB962C8B-B14F-4D97-AF65-F5344CB8AC3E}">
-        <p14:creationId xmlns:p14="http://schemas.microsoft.com/office/powerpoint/2010/main" val="2004745932"/>
+        <p14:creationId xmlns:p14="http://schemas.microsoft.com/office/powerpoint/2010/main" val="372539033"/>
       </p:ext>
     </p:extLst>
   </p:cSld>
@@ -7370,7 +7281,7 @@
           <p:cNvPr id="2" name="Title 1">
             <a:extLst>
               <a:ext uri="{FF2B5EF4-FFF2-40B4-BE49-F238E27FC236}">
-                <a16:creationId xmlns:a16="http://schemas.microsoft.com/office/drawing/2014/main" id="{9C4AA98E-1C9B-24C7-AC40-4F78E6705B6A}"/>
+                <a16:creationId xmlns:a16="http://schemas.microsoft.com/office/drawing/2014/main" id="{004D8581-F88A-03C1-F6A5-8CE101CE75E7}"/>
               </a:ext>
             </a:extLst>
           </p:cNvPr>
@@ -7390,7 +7301,7 @@
           <a:p>
             <a:r>
               <a:rPr lang="en-US" sz="4000" b="1" dirty="0"/>
-              <a:t>Class overview</a:t>
+              <a:t>Text representation</a:t>
             </a:r>
           </a:p>
         </p:txBody>
@@ -7400,7 +7311,7 @@
           <p:cNvPr id="3" name="Content Placeholder 2">
             <a:extLst>
               <a:ext uri="{FF2B5EF4-FFF2-40B4-BE49-F238E27FC236}">
-                <a16:creationId xmlns:a16="http://schemas.microsoft.com/office/drawing/2014/main" id="{E293A47A-AABD-673F-A6F1-B6701B7900D7}"/>
+                <a16:creationId xmlns:a16="http://schemas.microsoft.com/office/drawing/2014/main" id="{23FB6E91-5DCE-B38D-ACC0-57F8FBCE5B47}"/>
               </a:ext>
             </a:extLst>
           </p:cNvPr>
@@ -7414,70 +7325,127 @@
         <p:spPr/>
         <p:txBody>
           <a:bodyPr>
-            <a:normAutofit lnSpcReduction="10000"/>
+            <a:normAutofit fontScale="92500" lnSpcReduction="10000"/>
           </a:bodyPr>
           <a:lstStyle/>
           <a:p>
             <a:pPr>
               <a:lnSpc>
-                <a:spcPct val="200000"/>
-              </a:lnSpc>
-            </a:pPr>
-            <a:r>
-              <a:rPr lang="en-US" dirty="0"/>
-              <a:t>Besides an application, we will study Text Representation </a:t>
-            </a:r>
-          </a:p>
-          <a:p>
-            <a:pPr>
-              <a:lnSpc>
-                <a:spcPct val="200000"/>
-              </a:lnSpc>
-            </a:pPr>
-            <a:r>
-              <a:rPr lang="en-US" dirty="0"/>
-              <a:t>The overall theme is to examine how the machine understands text</a:t>
-            </a:r>
-          </a:p>
-          <a:p>
-            <a:pPr>
-              <a:lnSpc>
-                <a:spcPct val="200000"/>
-              </a:lnSpc>
-            </a:pPr>
-            <a:r>
-              <a:rPr lang="en-US" dirty="0"/>
-              <a:t>Roughly two ideas</a:t>
+                <a:spcPct val="150000"/>
+              </a:lnSpc>
+            </a:pPr>
+            <a:r>
+              <a:rPr lang="en-US" dirty="0"/>
+              <a:t>Consider how to classify the documents</a:t>
             </a:r>
           </a:p>
           <a:p>
             <a:pPr lvl="1">
               <a:lnSpc>
-                <a:spcPct val="200000"/>
-              </a:lnSpc>
-            </a:pPr>
-            <a:r>
-              <a:rPr lang="en-US" dirty="0"/>
-              <a:t>Word counts</a:t>
+                <a:spcPct val="150000"/>
+              </a:lnSpc>
+            </a:pPr>
+            <a:r>
+              <a:rPr lang="en-US" dirty="0"/>
+              <a:t>Find the most frequent / unique words</a:t>
+            </a:r>
+          </a:p>
+          <a:p>
+            <a:pPr lvl="2">
+              <a:lnSpc>
+                <a:spcPct val="150000"/>
+              </a:lnSpc>
+            </a:pPr>
+            <a:r>
+              <a:rPr lang="en-US" dirty="0"/>
+              <a:t>Surprisingly high accuracy</a:t>
             </a:r>
           </a:p>
           <a:p>
             <a:pPr lvl="1">
               <a:lnSpc>
-                <a:spcPct val="200000"/>
-              </a:lnSpc>
-            </a:pPr>
-            <a:r>
-              <a:rPr lang="en-US" dirty="0"/>
-              <a:t>Locations (distributed representation)</a:t>
-            </a:r>
+                <a:spcPct val="150000"/>
+              </a:lnSpc>
+            </a:pPr>
+            <a:r>
+              <a:rPr lang="en-US" dirty="0"/>
+              <a:t>What’s the potential problems?</a:t>
+            </a:r>
+          </a:p>
+          <a:p>
+            <a:pPr lvl="2">
+              <a:lnSpc>
+                <a:spcPct val="150000"/>
+              </a:lnSpc>
+            </a:pPr>
+            <a:r>
+              <a:rPr lang="en-US" dirty="0"/>
+              <a:t>Words have a range of forms</a:t>
+            </a:r>
+          </a:p>
+          <a:p>
+            <a:pPr lvl="2">
+              <a:lnSpc>
+                <a:spcPct val="150000"/>
+              </a:lnSpc>
+            </a:pPr>
+            <a:r>
+              <a:rPr lang="en-US" dirty="0"/>
+              <a:t>Synonym?</a:t>
+            </a:r>
+          </a:p>
+          <a:p>
+            <a:pPr lvl="1">
+              <a:lnSpc>
+                <a:spcPct val="150000"/>
+              </a:lnSpc>
+            </a:pPr>
+            <a:r>
+              <a:rPr lang="en-US" dirty="0"/>
+              <a:t>What does the model mean in NLP?</a:t>
+            </a:r>
+          </a:p>
+          <a:p>
+            <a:pPr lvl="2">
+              <a:lnSpc>
+                <a:spcPct val="150000"/>
+              </a:lnSpc>
+            </a:pPr>
+            <a:r>
+              <a:rPr lang="en-US" dirty="0"/>
+              <a:t>Why do we ever need a neural net?</a:t>
+            </a:r>
+          </a:p>
+          <a:p>
+            <a:pPr lvl="2">
+              <a:lnSpc>
+                <a:spcPct val="150000"/>
+              </a:lnSpc>
+            </a:pPr>
+            <a:endParaRPr lang="en-US" dirty="0"/>
+          </a:p>
+          <a:p>
+            <a:pPr lvl="1">
+              <a:lnSpc>
+                <a:spcPct val="150000"/>
+              </a:lnSpc>
+            </a:pPr>
+            <a:endParaRPr lang="en-US" dirty="0"/>
+          </a:p>
+          <a:p>
+            <a:pPr lvl="1">
+              <a:lnSpc>
+                <a:spcPct val="150000"/>
+              </a:lnSpc>
+            </a:pPr>
+            <a:endParaRPr lang="en-US" dirty="0"/>
           </a:p>
         </p:txBody>
       </p:sp>
     </p:spTree>
     <p:extLst>
       <p:ext uri="{BB962C8B-B14F-4D97-AF65-F5344CB8AC3E}">
-        <p14:creationId xmlns:p14="http://schemas.microsoft.com/office/powerpoint/2010/main" val="372539033"/>
+        <p14:creationId xmlns:p14="http://schemas.microsoft.com/office/powerpoint/2010/main" val="679056178"/>
       </p:ext>
     </p:extLst>
   </p:cSld>
@@ -7509,202 +7477,6 @@
           <p:cNvPr id="2" name="Title 1">
             <a:extLst>
               <a:ext uri="{FF2B5EF4-FFF2-40B4-BE49-F238E27FC236}">
-                <a16:creationId xmlns:a16="http://schemas.microsoft.com/office/drawing/2014/main" id="{004D8581-F88A-03C1-F6A5-8CE101CE75E7}"/>
-              </a:ext>
-            </a:extLst>
-          </p:cNvPr>
-          <p:cNvSpPr>
-            <a:spLocks noGrp="1"/>
-          </p:cNvSpPr>
-          <p:nvPr>
-            <p:ph type="title"/>
-          </p:nvPr>
-        </p:nvSpPr>
-        <p:spPr/>
-        <p:txBody>
-          <a:bodyPr>
-            <a:normAutofit/>
-          </a:bodyPr>
-          <a:lstStyle/>
-          <a:p>
-            <a:r>
-              <a:rPr lang="en-US" sz="4000" b="1" dirty="0"/>
-              <a:t>Text representation</a:t>
-            </a:r>
-          </a:p>
-        </p:txBody>
-      </p:sp>
-      <p:sp>
-        <p:nvSpPr>
-          <p:cNvPr id="3" name="Content Placeholder 2">
-            <a:extLst>
-              <a:ext uri="{FF2B5EF4-FFF2-40B4-BE49-F238E27FC236}">
-                <a16:creationId xmlns:a16="http://schemas.microsoft.com/office/drawing/2014/main" id="{23FB6E91-5DCE-B38D-ACC0-57F8FBCE5B47}"/>
-              </a:ext>
-            </a:extLst>
-          </p:cNvPr>
-          <p:cNvSpPr>
-            <a:spLocks noGrp="1"/>
-          </p:cNvSpPr>
-          <p:nvPr>
-            <p:ph idx="1"/>
-          </p:nvPr>
-        </p:nvSpPr>
-        <p:spPr/>
-        <p:txBody>
-          <a:bodyPr>
-            <a:normAutofit fontScale="92500" lnSpcReduction="10000"/>
-          </a:bodyPr>
-          <a:lstStyle/>
-          <a:p>
-            <a:pPr>
-              <a:lnSpc>
-                <a:spcPct val="150000"/>
-              </a:lnSpc>
-            </a:pPr>
-            <a:r>
-              <a:rPr lang="en-US" dirty="0"/>
-              <a:t>Consider how to classify the documents</a:t>
-            </a:r>
-          </a:p>
-          <a:p>
-            <a:pPr lvl="1">
-              <a:lnSpc>
-                <a:spcPct val="150000"/>
-              </a:lnSpc>
-            </a:pPr>
-            <a:r>
-              <a:rPr lang="en-US" dirty="0"/>
-              <a:t>Find the most frequent / unique words</a:t>
-            </a:r>
-          </a:p>
-          <a:p>
-            <a:pPr lvl="2">
-              <a:lnSpc>
-                <a:spcPct val="150000"/>
-              </a:lnSpc>
-            </a:pPr>
-            <a:r>
-              <a:rPr lang="en-US" dirty="0"/>
-              <a:t>Surprisingly high accuracy</a:t>
-            </a:r>
-          </a:p>
-          <a:p>
-            <a:pPr lvl="1">
-              <a:lnSpc>
-                <a:spcPct val="150000"/>
-              </a:lnSpc>
-            </a:pPr>
-            <a:r>
-              <a:rPr lang="en-US" dirty="0"/>
-              <a:t>What’s the potential problems?</a:t>
-            </a:r>
-          </a:p>
-          <a:p>
-            <a:pPr lvl="2">
-              <a:lnSpc>
-                <a:spcPct val="150000"/>
-              </a:lnSpc>
-            </a:pPr>
-            <a:r>
-              <a:rPr lang="en-US" dirty="0"/>
-              <a:t>Words have a range of forms</a:t>
-            </a:r>
-          </a:p>
-          <a:p>
-            <a:pPr lvl="2">
-              <a:lnSpc>
-                <a:spcPct val="150000"/>
-              </a:lnSpc>
-            </a:pPr>
-            <a:r>
-              <a:rPr lang="en-US" dirty="0"/>
-              <a:t>Synonym?</a:t>
-            </a:r>
-          </a:p>
-          <a:p>
-            <a:pPr lvl="1">
-              <a:lnSpc>
-                <a:spcPct val="150000"/>
-              </a:lnSpc>
-            </a:pPr>
-            <a:r>
-              <a:rPr lang="en-US" dirty="0"/>
-              <a:t>What does the model mean in NLP?</a:t>
-            </a:r>
-          </a:p>
-          <a:p>
-            <a:pPr lvl="2">
-              <a:lnSpc>
-                <a:spcPct val="150000"/>
-              </a:lnSpc>
-            </a:pPr>
-            <a:r>
-              <a:rPr lang="en-US" dirty="0"/>
-              <a:t>Why do we ever need a neural net?</a:t>
-            </a:r>
-          </a:p>
-          <a:p>
-            <a:pPr lvl="2">
-              <a:lnSpc>
-                <a:spcPct val="150000"/>
-              </a:lnSpc>
-            </a:pPr>
-            <a:endParaRPr lang="en-US" dirty="0"/>
-          </a:p>
-          <a:p>
-            <a:pPr lvl="1">
-              <a:lnSpc>
-                <a:spcPct val="150000"/>
-              </a:lnSpc>
-            </a:pPr>
-            <a:endParaRPr lang="en-US" dirty="0"/>
-          </a:p>
-          <a:p>
-            <a:pPr lvl="1">
-              <a:lnSpc>
-                <a:spcPct val="150000"/>
-              </a:lnSpc>
-            </a:pPr>
-            <a:endParaRPr lang="en-US" dirty="0"/>
-          </a:p>
-        </p:txBody>
-      </p:sp>
-    </p:spTree>
-    <p:extLst>
-      <p:ext uri="{BB962C8B-B14F-4D97-AF65-F5344CB8AC3E}">
-        <p14:creationId xmlns:p14="http://schemas.microsoft.com/office/powerpoint/2010/main" val="679056178"/>
-      </p:ext>
-    </p:extLst>
-  </p:cSld>
-  <p:clrMapOvr>
-    <a:masterClrMapping/>
-  </p:clrMapOvr>
-</p:sld>
-</file>
-
-<file path=ppt/slides/slide33.xml><?xml version="1.0" encoding="utf-8"?>
-<p:sld xmlns:a="http://schemas.openxmlformats.org/drawingml/2006/main" xmlns:r="http://schemas.openxmlformats.org/officeDocument/2006/relationships" xmlns:p="http://schemas.openxmlformats.org/presentationml/2006/main">
-  <p:cSld>
-    <p:spTree>
-      <p:nvGrpSpPr>
-        <p:cNvPr id="1" name=""/>
-        <p:cNvGrpSpPr/>
-        <p:nvPr/>
-      </p:nvGrpSpPr>
-      <p:grpSpPr>
-        <a:xfrm>
-          <a:off x="0" y="0"/>
-          <a:ext cx="0" cy="0"/>
-          <a:chOff x="0" y="0"/>
-          <a:chExt cx="0" cy="0"/>
-        </a:xfrm>
-      </p:grpSpPr>
-      <p:sp>
-        <p:nvSpPr>
-          <p:cNvPr id="2" name="Title 1">
-            <a:extLst>
-              <a:ext uri="{FF2B5EF4-FFF2-40B4-BE49-F238E27FC236}">
                 <a16:creationId xmlns:a16="http://schemas.microsoft.com/office/drawing/2014/main" id="{3E88889F-8A9E-6948-BE06-F7D27BD010D8}"/>
               </a:ext>
             </a:extLst>
@@ -7866,7 +7638,7 @@
 </p:sld>
 </file>
 
-<file path=ppt/slides/slide34.xml><?xml version="1.0" encoding="utf-8"?>
+<file path=ppt/slides/slide33.xml><?xml version="1.0" encoding="utf-8"?>
 <p:sld xmlns:a="http://schemas.openxmlformats.org/drawingml/2006/main" xmlns:r="http://schemas.openxmlformats.org/officeDocument/2006/relationships" xmlns:p="http://schemas.openxmlformats.org/presentationml/2006/main">
   <p:cSld>
     <p:spTree>
@@ -8733,7 +8505,7 @@
           <a:p>
             <a:r>
               <a:rPr lang="en-US" dirty="0"/>
-              <a:t>3 x 2-week Assignments: 3 x 15 %: 45 %</a:t>
+              <a:t>3 x Assignments: 3 x 15 %: 45 %</a:t>
             </a:r>
           </a:p>
           <a:p>
@@ -9138,7 +8910,7 @@
             </a:pPr>
             <a:r>
               <a:rPr lang="en-US" dirty="0"/>
-              <a:t>Additional readings are posted in the syllabus / Latte</a:t>
+              <a:t>Additional readings will be posted in the Latte</a:t>
             </a:r>
           </a:p>
         </p:txBody>
@@ -9178,7 +8950,7 @@
           <p:cNvPr id="2" name="Title 1">
             <a:extLst>
               <a:ext uri="{FF2B5EF4-FFF2-40B4-BE49-F238E27FC236}">
-                <a16:creationId xmlns:a16="http://schemas.microsoft.com/office/drawing/2014/main" id="{B01F7AE2-5FAA-DE79-F898-C303993AAD33}"/>
+                <a16:creationId xmlns:a16="http://schemas.microsoft.com/office/drawing/2014/main" id="{F67C42FC-2327-4FED-3595-0F293A1B3F56}"/>
               </a:ext>
             </a:extLst>
           </p:cNvPr>
@@ -9197,8 +8969,8 @@
           <a:lstStyle/>
           <a:p>
             <a:r>
-              <a:rPr lang="en-US" sz="4000" b="1" dirty="0"/>
-              <a:t>Why there are quizzes?</a:t>
+              <a:rPr lang="en-US" sz="4200" b="1" dirty="0"/>
+              <a:t>How difficult this course would be?</a:t>
             </a:r>
           </a:p>
         </p:txBody>
@@ -9208,7 +8980,7 @@
           <p:cNvPr id="3" name="Content Placeholder 2">
             <a:extLst>
               <a:ext uri="{FF2B5EF4-FFF2-40B4-BE49-F238E27FC236}">
-                <a16:creationId xmlns:a16="http://schemas.microsoft.com/office/drawing/2014/main" id="{100923E7-E7ED-B6FC-3E94-C19095F851F5}"/>
+                <a16:creationId xmlns:a16="http://schemas.microsoft.com/office/drawing/2014/main" id="{71CBB3E6-5D25-71EA-DF1F-1AD619396CA3}"/>
               </a:ext>
             </a:extLst>
           </p:cNvPr>
@@ -9222,89 +8994,73 @@
         <p:spPr/>
         <p:txBody>
           <a:bodyPr>
-            <a:normAutofit fontScale="92500" lnSpcReduction="20000"/>
+            <a:normAutofit fontScale="77500" lnSpcReduction="20000"/>
           </a:bodyPr>
           <a:lstStyle/>
           <a:p>
             <a:pPr>
               <a:lnSpc>
-                <a:spcPct val="150000"/>
-              </a:lnSpc>
-            </a:pPr>
-            <a:r>
-              <a:rPr lang="en-US" dirty="0"/>
-              <a:t>Most of you have not taken any courses regarding NLP</a:t>
+                <a:spcPct val="160000"/>
+              </a:lnSpc>
+            </a:pPr>
+            <a:r>
+              <a:rPr lang="en-US" dirty="0"/>
+              <a:t>This is not an introductory course to machine learning or deep learning</a:t>
             </a:r>
           </a:p>
           <a:p>
             <a:pPr>
               <a:lnSpc>
-                <a:spcPct val="150000"/>
-              </a:lnSpc>
-            </a:pPr>
-            <a:r>
-              <a:rPr lang="en-US" dirty="0"/>
-              <a:t>Readings are mandatory for this course</a:t>
+                <a:spcPct val="160000"/>
+              </a:lnSpc>
+            </a:pPr>
+            <a:r>
+              <a:rPr lang="en-US" dirty="0"/>
+              <a:t>You will not learn how to write neural nets in mathematical terms</a:t>
             </a:r>
           </a:p>
           <a:p>
             <a:pPr>
               <a:lnSpc>
-                <a:spcPct val="150000"/>
-              </a:lnSpc>
-            </a:pPr>
-            <a:r>
-              <a:rPr lang="en-US" dirty="0"/>
-              <a:t>Fundamental concepts in readings will be addressed in each quiz</a:t>
+                <a:spcPct val="160000"/>
+              </a:lnSpc>
+            </a:pPr>
+            <a:r>
+              <a:rPr lang="en-US" dirty="0"/>
+              <a:t>Thanks to modern ML libraries, you don’t really need to understand the math to build practical applications</a:t>
+            </a:r>
+          </a:p>
+          <a:p>
+            <a:pPr lvl="1">
+              <a:lnSpc>
+                <a:spcPct val="160000"/>
+              </a:lnSpc>
+            </a:pPr>
+            <a:r>
+              <a:rPr lang="en-US" sz="2600" dirty="0"/>
+              <a:t>However, I will explain some concepts as needed</a:t>
             </a:r>
           </a:p>
           <a:p>
             <a:pPr>
               <a:lnSpc>
-                <a:spcPct val="150000"/>
-              </a:lnSpc>
-            </a:pPr>
-            <a:r>
-              <a:rPr lang="en-US" dirty="0"/>
-              <a:t>Main text: </a:t>
-            </a:r>
-            <a:r>
-              <a:rPr lang="en-US" dirty="0" err="1"/>
-              <a:t>Hapke</a:t>
-            </a:r>
-            <a:r>
-              <a:rPr lang="en-US" dirty="0"/>
-              <a:t>, Lane and Howard, </a:t>
-            </a:r>
-            <a:r>
-              <a:rPr lang="en-US" i="1" dirty="0"/>
-              <a:t>Natural Language Processing in Action</a:t>
-            </a:r>
-            <a:r>
-              <a:rPr lang="en-US" dirty="0"/>
-              <a:t>, 2019, Manning Publications</a:t>
-            </a:r>
-          </a:p>
-          <a:p>
-            <a:pPr lvl="1">
-              <a:lnSpc>
-                <a:spcPct val="150000"/>
-              </a:lnSpc>
-            </a:pPr>
-            <a:r>
-              <a:rPr lang="en-US" sz="2800" dirty="0"/>
-              <a:t>Brandeis students have online access to this book</a:t>
+                <a:spcPct val="160000"/>
+              </a:lnSpc>
+            </a:pPr>
+            <a:r>
+              <a:rPr lang="en-US" dirty="0"/>
+              <a:t>If you are interested in learning the theories and the math behind, that’s enough</a:t>
             </a:r>
           </a:p>
           <a:p>
             <a:pPr>
               <a:lnSpc>
-                <a:spcPct val="150000"/>
-              </a:lnSpc>
-            </a:pPr>
-            <a:r>
-              <a:rPr lang="en-US" dirty="0"/>
-              <a:t>Additional readings are posted in the syllabus / Latte</a:t>
+                <a:spcPct val="160000"/>
+              </a:lnSpc>
+            </a:pPr>
+            <a:r>
+              <a:rPr lang="en-US" dirty="0"/>
+              <a:t>You do need to be at least comfortable enough to write in Python and know its ecosystems</a:t>
             </a:r>
           </a:p>
         </p:txBody>
@@ -9312,7 +9068,7 @@
     </p:spTree>
     <p:extLst>
       <p:ext uri="{BB962C8B-B14F-4D97-AF65-F5344CB8AC3E}">
-        <p14:creationId xmlns:p14="http://schemas.microsoft.com/office/powerpoint/2010/main" val="3294835447"/>
+        <p14:creationId xmlns:p14="http://schemas.microsoft.com/office/powerpoint/2010/main" val="2665077724"/>
       </p:ext>
     </p:extLst>
   </p:cSld>
@@ -9344,7 +9100,7 @@
           <p:cNvPr id="2" name="Title 1">
             <a:extLst>
               <a:ext uri="{FF2B5EF4-FFF2-40B4-BE49-F238E27FC236}">
-                <a16:creationId xmlns:a16="http://schemas.microsoft.com/office/drawing/2014/main" id="{F67C42FC-2327-4FED-3595-0F293A1B3F56}"/>
+                <a16:creationId xmlns:a16="http://schemas.microsoft.com/office/drawing/2014/main" id="{12435C97-B55D-D962-2511-81596E5C4B59}"/>
               </a:ext>
             </a:extLst>
           </p:cNvPr>
@@ -9357,118 +9113,195 @@
         </p:nvSpPr>
         <p:spPr/>
         <p:txBody>
-          <a:bodyPr>
-            <a:normAutofit/>
-          </a:bodyPr>
-          <a:lstStyle/>
-          <a:p>
-            <a:r>
-              <a:rPr lang="en-US" sz="4200" b="1" dirty="0"/>
-              <a:t>How difficult this course would be?</a:t>
-            </a:r>
-          </a:p>
-        </p:txBody>
-      </p:sp>
-      <p:sp>
-        <p:nvSpPr>
-          <p:cNvPr id="3" name="Content Placeholder 2">
-            <a:extLst>
-              <a:ext uri="{FF2B5EF4-FFF2-40B4-BE49-F238E27FC236}">
-                <a16:creationId xmlns:a16="http://schemas.microsoft.com/office/drawing/2014/main" id="{71CBB3E6-5D25-71EA-DF1F-1AD619396CA3}"/>
-              </a:ext>
-            </a:extLst>
-          </p:cNvPr>
-          <p:cNvSpPr>
-            <a:spLocks noGrp="1"/>
-          </p:cNvSpPr>
+          <a:bodyPr/>
+          <a:lstStyle/>
+          <a:p>
+            <a:r>
+              <a:rPr lang="en-US" b="1" i="1" dirty="0"/>
+              <a:t>Moneyball (2016)</a:t>
+            </a:r>
+          </a:p>
+        </p:txBody>
+      </p:sp>
+      <p:pic>
+        <p:nvPicPr>
+          <p:cNvPr id="4" name="Online Media 3" descr="Moneyball - It's not that hard">
+            <a:hlinkClick r:id="" action="ppaction://media"/>
+            <a:extLst>
+              <a:ext uri="{FF2B5EF4-FFF2-40B4-BE49-F238E27FC236}">
+                <a16:creationId xmlns:a16="http://schemas.microsoft.com/office/drawing/2014/main" id="{440B2D6B-7671-DB23-6F1A-A21AA922D578}"/>
+              </a:ext>
+            </a:extLst>
+          </p:cNvPr>
+          <p:cNvPicPr>
+            <a:picLocks noGrp="1" noRot="1" noChangeAspect="1"/>
+          </p:cNvPicPr>
           <p:nvPr>
             <p:ph idx="1"/>
-          </p:nvPr>
-        </p:nvSpPr>
-        <p:spPr/>
-        <p:txBody>
-          <a:bodyPr>
-            <a:normAutofit fontScale="77500" lnSpcReduction="20000"/>
-          </a:bodyPr>
-          <a:lstStyle/>
-          <a:p>
-            <a:pPr>
-              <a:lnSpc>
-                <a:spcPct val="160000"/>
-              </a:lnSpc>
-            </a:pPr>
-            <a:r>
-              <a:rPr lang="en-US" dirty="0"/>
-              <a:t>This is not an introductory course to machine learning or deep learning</a:t>
-            </a:r>
-          </a:p>
-          <a:p>
-            <a:pPr>
-              <a:lnSpc>
-                <a:spcPct val="160000"/>
-              </a:lnSpc>
-            </a:pPr>
-            <a:r>
-              <a:rPr lang="en-US" dirty="0"/>
-              <a:t>You will not learn how to write neural nets in mathematical terms</a:t>
-            </a:r>
-          </a:p>
-          <a:p>
-            <a:pPr>
-              <a:lnSpc>
-                <a:spcPct val="160000"/>
-              </a:lnSpc>
-            </a:pPr>
-            <a:r>
-              <a:rPr lang="en-US" dirty="0"/>
-              <a:t>Thanks to modern ML libraries, you don’t really need to understand the math to build practical applications</a:t>
-            </a:r>
-          </a:p>
-          <a:p>
-            <a:pPr lvl="1">
-              <a:lnSpc>
-                <a:spcPct val="160000"/>
-              </a:lnSpc>
-            </a:pPr>
-            <a:r>
-              <a:rPr lang="en-US" sz="2600" dirty="0"/>
-              <a:t>However, I will explain some concepts as needed</a:t>
-            </a:r>
-          </a:p>
-          <a:p>
-            <a:pPr>
-              <a:lnSpc>
-                <a:spcPct val="160000"/>
-              </a:lnSpc>
-            </a:pPr>
-            <a:r>
-              <a:rPr lang="en-US" dirty="0"/>
-              <a:t>If you are interested in learning the theories and the math behind, that’s enough</a:t>
-            </a:r>
-          </a:p>
-          <a:p>
-            <a:pPr>
-              <a:lnSpc>
-                <a:spcPct val="160000"/>
-              </a:lnSpc>
-            </a:pPr>
-            <a:r>
-              <a:rPr lang="en-US" dirty="0"/>
-              <a:t>You do need to be at least comfortable enough to write in Python and know its ecosystems</a:t>
-            </a:r>
-          </a:p>
-        </p:txBody>
-      </p:sp>
+            <a:videoFile r:link="rId1"/>
+          </p:nvPr>
+        </p:nvPicPr>
+        <p:blipFill>
+          <a:blip r:embed="rId3"/>
+          <a:stretch>
+            <a:fillRect/>
+          </a:stretch>
+        </p:blipFill>
+        <p:spPr>
+          <a:xfrm>
+            <a:off x="2246313" y="1825625"/>
+            <a:ext cx="7700962" cy="4351338"/>
+          </a:xfrm>
+          <a:prstGeom prst="rect">
+            <a:avLst/>
+          </a:prstGeom>
+        </p:spPr>
+      </p:pic>
     </p:spTree>
     <p:extLst>
       <p:ext uri="{BB962C8B-B14F-4D97-AF65-F5344CB8AC3E}">
-        <p14:creationId xmlns:p14="http://schemas.microsoft.com/office/powerpoint/2010/main" val="2665077724"/>
+        <p14:creationId xmlns:p14="http://schemas.microsoft.com/office/powerpoint/2010/main" val="3619859076"/>
       </p:ext>
     </p:extLst>
   </p:cSld>
   <p:clrMapOvr>
     <a:masterClrMapping/>
   </p:clrMapOvr>
+  <p:timing>
+    <p:tnLst>
+      <p:par>
+        <p:cTn id="1" dur="indefinite" restart="never" nodeType="tmRoot">
+          <p:childTnLst>
+            <p:seq concurrent="1" nextAc="seek">
+              <p:cTn id="2" dur="indefinite" nodeType="mainSeq">
+                <p:childTnLst>
+                  <p:par>
+                    <p:cTn id="3" fill="hold">
+                      <p:stCondLst>
+                        <p:cond delay="indefinite"/>
+                      </p:stCondLst>
+                      <p:childTnLst>
+                        <p:par>
+                          <p:cTn id="4" fill="hold">
+                            <p:stCondLst>
+                              <p:cond delay="0"/>
+                            </p:stCondLst>
+                            <p:childTnLst>
+                              <p:par>
+                                <p:cTn id="5" presetID="1" presetClass="mediacall" presetSubtype="0" fill="hold" nodeType="clickEffect">
+                                  <p:stCondLst>
+                                    <p:cond delay="0"/>
+                                  </p:stCondLst>
+                                  <p:childTnLst>
+                                    <p:cmd type="call" cmd="playFrom(0.0)">
+                                      <p:cBhvr>
+                                        <p:cTn id="6" dur="1" fill="hold"/>
+                                        <p:tgtEl>
+                                          <p:spTgt spid="4"/>
+                                        </p:tgtEl>
+                                      </p:cBhvr>
+                                    </p:cmd>
+                                  </p:childTnLst>
+                                </p:cTn>
+                              </p:par>
+                            </p:childTnLst>
+                          </p:cTn>
+                        </p:par>
+                      </p:childTnLst>
+                    </p:cTn>
+                  </p:par>
+                </p:childTnLst>
+              </p:cTn>
+              <p:prevCondLst>
+                <p:cond evt="onPrev" delay="0">
+                  <p:tgtEl>
+                    <p:sldTgt/>
+                  </p:tgtEl>
+                </p:cond>
+              </p:prevCondLst>
+              <p:nextCondLst>
+                <p:cond evt="onNext" delay="0">
+                  <p:tgtEl>
+                    <p:sldTgt/>
+                  </p:tgtEl>
+                </p:cond>
+              </p:nextCondLst>
+            </p:seq>
+            <p:video>
+              <p:cMediaNode vol="80000">
+                <p:cTn id="7" fill="hold" display="0">
+                  <p:stCondLst>
+                    <p:cond delay="indefinite"/>
+                  </p:stCondLst>
+                </p:cTn>
+                <p:tgtEl>
+                  <p:spTgt spid="4"/>
+                </p:tgtEl>
+              </p:cMediaNode>
+            </p:video>
+            <p:seq concurrent="1" nextAc="seek">
+              <p:cTn id="8" restart="whenNotActive" fill="hold" evtFilter="cancelBubble" nodeType="interactiveSeq">
+                <p:stCondLst>
+                  <p:cond evt="onClick" delay="0">
+                    <p:tgtEl>
+                      <p:spTgt spid="4"/>
+                    </p:tgtEl>
+                  </p:cond>
+                </p:stCondLst>
+                <p:endSync evt="end" delay="0">
+                  <p:rtn val="all"/>
+                </p:endSync>
+                <p:childTnLst>
+                  <p:par>
+                    <p:cTn id="9" fill="hold">
+                      <p:stCondLst>
+                        <p:cond delay="0"/>
+                      </p:stCondLst>
+                      <p:childTnLst>
+                        <p:par>
+                          <p:cTn id="10" fill="hold">
+                            <p:stCondLst>
+                              <p:cond delay="0"/>
+                            </p:stCondLst>
+                            <p:childTnLst>
+                              <p:par>
+                                <p:cTn id="11" presetID="2" presetClass="mediacall" presetSubtype="0" fill="hold" nodeType="clickEffect">
+                                  <p:stCondLst>
+                                    <p:cond delay="0"/>
+                                  </p:stCondLst>
+                                  <p:childTnLst>
+                                    <p:cmd type="call" cmd="togglePause">
+                                      <p:cBhvr>
+                                        <p:cTn id="12" dur="1" fill="hold"/>
+                                        <p:tgtEl>
+                                          <p:spTgt spid="4"/>
+                                        </p:tgtEl>
+                                      </p:cBhvr>
+                                    </p:cmd>
+                                  </p:childTnLst>
+                                </p:cTn>
+                              </p:par>
+                            </p:childTnLst>
+                          </p:cTn>
+                        </p:par>
+                      </p:childTnLst>
+                    </p:cTn>
+                  </p:par>
+                </p:childTnLst>
+              </p:cTn>
+              <p:nextCondLst>
+                <p:cond evt="onClick" delay="0">
+                  <p:tgtEl>
+                    <p:spTgt spid="4"/>
+                  </p:tgtEl>
+                </p:cond>
+              </p:nextCondLst>
+            </p:seq>
+          </p:childTnLst>
+        </p:cTn>
+      </p:par>
+    </p:tnLst>
+  </p:timing>
 </p:sld>
 </file>
 
